--- a/praesentation/presentation.pptx
+++ b/praesentation/presentation.pptx
@@ -29,7 +29,7 @@
     <p:sldId id="264" r:id="rId17"/>
   </p:sldIdLst>
   <p:sldSz cx="10080625" cy="7559675"/>
-  <p:notesSz cx="7559675" cy="10691813"/>
+  <p:notesSz cx="6867525" cy="9994900"/>
   <p:defaultTextStyle>
     <a:defPPr>
       <a:defRPr lang="en-GB"/>
@@ -233,17 +233,17 @@
         <p:spPr>
           <a:xfrm>
             <a:off x="0" y="0"/>
-            <a:ext cx="3276600" cy="534988"/>
+            <a:ext cx="2976601" cy="500116"/>
           </a:xfrm>
           <a:prstGeom prst="rect">
             <a:avLst/>
           </a:prstGeom>
         </p:spPr>
         <p:txBody>
-          <a:bodyPr vert="horz" lIns="91440" tIns="45720" rIns="91440" bIns="45720" rtlCol="0"/>
+          <a:bodyPr vert="horz" lIns="84472" tIns="42236" rIns="84472" bIns="42236" rtlCol="0"/>
           <a:lstStyle>
             <a:lvl1pPr algn="l">
-              <a:defRPr sz="1200" smtClean="0"/>
+              <a:defRPr sz="1100" smtClean="0"/>
             </a:lvl1pPr>
           </a:lstStyle>
           <a:p>
@@ -266,18 +266,18 @@
         </p:nvSpPr>
         <p:spPr>
           <a:xfrm>
-            <a:off x="4281488" y="0"/>
-            <a:ext cx="3276600" cy="534988"/>
+            <a:off x="3889483" y="0"/>
+            <a:ext cx="2976601" cy="500116"/>
           </a:xfrm>
           <a:prstGeom prst="rect">
             <a:avLst/>
           </a:prstGeom>
         </p:spPr>
         <p:txBody>
-          <a:bodyPr vert="horz" lIns="91440" tIns="45720" rIns="91440" bIns="45720" rtlCol="0"/>
+          <a:bodyPr vert="horz" lIns="84472" tIns="42236" rIns="84472" bIns="42236" rtlCol="0"/>
           <a:lstStyle>
             <a:lvl1pPr algn="r">
-              <a:defRPr sz="1200" smtClean="0"/>
+              <a:defRPr sz="1100" smtClean="0"/>
             </a:lvl1pPr>
           </a:lstStyle>
           <a:p>
@@ -289,7 +289,7 @@
               <a:pPr>
                 <a:defRPr/>
               </a:pPr>
-              <a:t>02.06.2013</a:t>
+              <a:t>07.06.2013</a:t>
             </a:fld>
             <a:endParaRPr lang="de-CH"/>
           </a:p>
@@ -307,18 +307,18 @@
         </p:nvSpPr>
         <p:spPr>
           <a:xfrm>
-            <a:off x="0" y="10155238"/>
-            <a:ext cx="3276600" cy="534987"/>
+            <a:off x="0" y="9493300"/>
+            <a:ext cx="2976601" cy="500116"/>
           </a:xfrm>
           <a:prstGeom prst="rect">
             <a:avLst/>
           </a:prstGeom>
         </p:spPr>
         <p:txBody>
-          <a:bodyPr vert="horz" lIns="91440" tIns="45720" rIns="91440" bIns="45720" rtlCol="0" anchor="b"/>
+          <a:bodyPr vert="horz" lIns="84472" tIns="42236" rIns="84472" bIns="42236" rtlCol="0" anchor="b"/>
           <a:lstStyle>
             <a:lvl1pPr algn="l">
-              <a:defRPr sz="1200" smtClean="0"/>
+              <a:defRPr sz="1100" smtClean="0"/>
             </a:lvl1pPr>
           </a:lstStyle>
           <a:p>
@@ -341,18 +341,18 @@
         </p:nvSpPr>
         <p:spPr>
           <a:xfrm>
-            <a:off x="4281488" y="10155238"/>
-            <a:ext cx="3276600" cy="534987"/>
+            <a:off x="3889483" y="9493300"/>
+            <a:ext cx="2976601" cy="500116"/>
           </a:xfrm>
           <a:prstGeom prst="rect">
             <a:avLst/>
           </a:prstGeom>
         </p:spPr>
         <p:txBody>
-          <a:bodyPr vert="horz" lIns="91440" tIns="45720" rIns="91440" bIns="45720" rtlCol="0" anchor="b"/>
+          <a:bodyPr vert="horz" lIns="84472" tIns="42236" rIns="84472" bIns="42236" rtlCol="0" anchor="b"/>
           <a:lstStyle>
             <a:lvl1pPr algn="r">
-              <a:defRPr sz="1200" smtClean="0"/>
+              <a:defRPr sz="1100" smtClean="0"/>
             </a:lvl1pPr>
           </a:lstStyle>
           <a:p>
@@ -417,7 +417,7 @@
         <p:spPr bwMode="auto">
           <a:xfrm>
             <a:off x="0" y="0"/>
-            <a:ext cx="7559675" cy="10691813"/>
+            <a:ext cx="6867525" cy="9994900"/>
           </a:xfrm>
           <a:prstGeom prst="roundRect">
             <a:avLst>
@@ -454,7 +454,7 @@
           </a:extLst>
         </p:spPr>
         <p:txBody>
-          <a:bodyPr wrap="none" anchor="ctr"/>
+          <a:bodyPr wrap="none" lIns="84472" tIns="42236" rIns="84472" bIns="42236" anchor="ctr"/>
           <a:lstStyle/>
           <a:p>
             <a:endParaRPr lang="de-CH"/>
@@ -465,7 +465,7 @@
         <p:nvSpPr>
           <p:cNvPr id="22531" name="Rectangle 2"/>
           <p:cNvSpPr>
-            <a:spLocks noGrp="1" noChangeArrowheads="1"/>
+            <a:spLocks noGrp="1" noRot="1" noChangeAspect="1" noChangeArrowheads="1"/>
           </p:cNvSpPr>
           <p:nvPr>
             <p:ph type="sldImg"/>
@@ -473,8 +473,8 @@
         </p:nvSpPr>
         <p:spPr bwMode="auto">
           <a:xfrm>
-            <a:off x="1106488" y="812800"/>
-            <a:ext cx="5341937" cy="4005263"/>
+            <a:off x="936625" y="760413"/>
+            <a:ext cx="4989513" cy="3743325"/>
           </a:xfrm>
           <a:prstGeom prst="rect">
             <a:avLst/>
@@ -526,8 +526,8 @@
         </p:nvSpPr>
         <p:spPr bwMode="auto">
           <a:xfrm>
-            <a:off x="755650" y="5078413"/>
-            <a:ext cx="6045200" cy="4808537"/>
+            <a:off x="686464" y="4747393"/>
+            <a:ext cx="5491713" cy="4495107"/>
           </a:xfrm>
           <a:prstGeom prst="rect">
             <a:avLst/>
@@ -591,8 +591,8 @@
         </p:nvSpPr>
         <p:spPr bwMode="auto">
           <a:xfrm>
-            <a:off x="0" y="0"/>
-            <a:ext cx="3278188" cy="531813"/>
+            <a:off x="0" y="1"/>
+            <a:ext cx="2978043" cy="497148"/>
           </a:xfrm>
           <a:prstGeom prst="rect">
             <a:avLst/>
@@ -647,28 +647,28 @@
               <a:buNone/>
               <a:tabLst>
                 <a:tab pos="0" algn="l"/>
-                <a:tab pos="447675" algn="l"/>
-                <a:tab pos="896938" algn="l"/>
-                <a:tab pos="1346200" algn="l"/>
-                <a:tab pos="1795463" algn="l"/>
-                <a:tab pos="2244725" algn="l"/>
-                <a:tab pos="2693988" algn="l"/>
-                <a:tab pos="3143250" algn="l"/>
-                <a:tab pos="3592513" algn="l"/>
-                <a:tab pos="4041775" algn="l"/>
-                <a:tab pos="4491038" algn="l"/>
-                <a:tab pos="4940300" algn="l"/>
-                <a:tab pos="5389563" algn="l"/>
-                <a:tab pos="5838825" algn="l"/>
-                <a:tab pos="6288088" algn="l"/>
-                <a:tab pos="6737350" algn="l"/>
-                <a:tab pos="7186613" algn="l"/>
-                <a:tab pos="7635875" algn="l"/>
-                <a:tab pos="8085138" algn="l"/>
-                <a:tab pos="8534400" algn="l"/>
-                <a:tab pos="8983663" algn="l"/>
+                <a:tab pos="413562" algn="l"/>
+                <a:tab pos="828591" algn="l"/>
+                <a:tab pos="1243620" algn="l"/>
+                <a:tab pos="1658649" algn="l"/>
+                <a:tab pos="2073677" algn="l"/>
+                <a:tab pos="2488706" algn="l"/>
+                <a:tab pos="2903734" algn="l"/>
+                <a:tab pos="3318764" algn="l"/>
+                <a:tab pos="3733792" algn="l"/>
+                <a:tab pos="4148821" algn="l"/>
+                <a:tab pos="4563849" algn="l"/>
+                <a:tab pos="4978878" algn="l"/>
+                <a:tab pos="5393907" algn="l"/>
+                <a:tab pos="5808936" algn="l"/>
+                <a:tab pos="6223964" algn="l"/>
+                <a:tab pos="6638993" algn="l"/>
+                <a:tab pos="7054021" algn="l"/>
+                <a:tab pos="7469050" algn="l"/>
+                <a:tab pos="7884079" algn="l"/>
+                <a:tab pos="8299108" algn="l"/>
               </a:tabLst>
-              <a:defRPr sz="1400">
+              <a:defRPr sz="1300">
                 <a:solidFill>
                   <a:srgbClr val="000000"/>
                 </a:solidFill>
@@ -696,8 +696,8 @@
         </p:nvSpPr>
         <p:spPr bwMode="auto">
           <a:xfrm>
-            <a:off x="4278313" y="0"/>
-            <a:ext cx="3278187" cy="531813"/>
+            <a:off x="3886599" y="1"/>
+            <a:ext cx="2978042" cy="497148"/>
           </a:xfrm>
           <a:prstGeom prst="rect">
             <a:avLst/>
@@ -752,28 +752,28 @@
               <a:buNone/>
               <a:tabLst>
                 <a:tab pos="0" algn="l"/>
-                <a:tab pos="447675" algn="l"/>
-                <a:tab pos="896938" algn="l"/>
-                <a:tab pos="1346200" algn="l"/>
-                <a:tab pos="1795463" algn="l"/>
-                <a:tab pos="2244725" algn="l"/>
-                <a:tab pos="2693988" algn="l"/>
-                <a:tab pos="3143250" algn="l"/>
-                <a:tab pos="3592513" algn="l"/>
-                <a:tab pos="4041775" algn="l"/>
-                <a:tab pos="4491038" algn="l"/>
-                <a:tab pos="4940300" algn="l"/>
-                <a:tab pos="5389563" algn="l"/>
-                <a:tab pos="5838825" algn="l"/>
-                <a:tab pos="6288088" algn="l"/>
-                <a:tab pos="6737350" algn="l"/>
-                <a:tab pos="7186613" algn="l"/>
-                <a:tab pos="7635875" algn="l"/>
-                <a:tab pos="8085138" algn="l"/>
-                <a:tab pos="8534400" algn="l"/>
-                <a:tab pos="8983663" algn="l"/>
+                <a:tab pos="413562" algn="l"/>
+                <a:tab pos="828591" algn="l"/>
+                <a:tab pos="1243620" algn="l"/>
+                <a:tab pos="1658649" algn="l"/>
+                <a:tab pos="2073677" algn="l"/>
+                <a:tab pos="2488706" algn="l"/>
+                <a:tab pos="2903734" algn="l"/>
+                <a:tab pos="3318764" algn="l"/>
+                <a:tab pos="3733792" algn="l"/>
+                <a:tab pos="4148821" algn="l"/>
+                <a:tab pos="4563849" algn="l"/>
+                <a:tab pos="4978878" algn="l"/>
+                <a:tab pos="5393907" algn="l"/>
+                <a:tab pos="5808936" algn="l"/>
+                <a:tab pos="6223964" algn="l"/>
+                <a:tab pos="6638993" algn="l"/>
+                <a:tab pos="7054021" algn="l"/>
+                <a:tab pos="7469050" algn="l"/>
+                <a:tab pos="7884079" algn="l"/>
+                <a:tab pos="8299108" algn="l"/>
               </a:tabLst>
-              <a:defRPr sz="1400">
+              <a:defRPr sz="1300">
                 <a:solidFill>
                   <a:srgbClr val="000000"/>
                 </a:solidFill>
@@ -801,8 +801,8 @@
         </p:nvSpPr>
         <p:spPr bwMode="auto">
           <a:xfrm>
-            <a:off x="0" y="10156825"/>
-            <a:ext cx="3278188" cy="531813"/>
+            <a:off x="0" y="9494784"/>
+            <a:ext cx="2978043" cy="497148"/>
           </a:xfrm>
           <a:prstGeom prst="rect">
             <a:avLst/>
@@ -857,28 +857,28 @@
               <a:buNone/>
               <a:tabLst>
                 <a:tab pos="0" algn="l"/>
-                <a:tab pos="447675" algn="l"/>
-                <a:tab pos="896938" algn="l"/>
-                <a:tab pos="1346200" algn="l"/>
-                <a:tab pos="1795463" algn="l"/>
-                <a:tab pos="2244725" algn="l"/>
-                <a:tab pos="2693988" algn="l"/>
-                <a:tab pos="3143250" algn="l"/>
-                <a:tab pos="3592513" algn="l"/>
-                <a:tab pos="4041775" algn="l"/>
-                <a:tab pos="4491038" algn="l"/>
-                <a:tab pos="4940300" algn="l"/>
-                <a:tab pos="5389563" algn="l"/>
-                <a:tab pos="5838825" algn="l"/>
-                <a:tab pos="6288088" algn="l"/>
-                <a:tab pos="6737350" algn="l"/>
-                <a:tab pos="7186613" algn="l"/>
-                <a:tab pos="7635875" algn="l"/>
-                <a:tab pos="8085138" algn="l"/>
-                <a:tab pos="8534400" algn="l"/>
-                <a:tab pos="8983663" algn="l"/>
+                <a:tab pos="413562" algn="l"/>
+                <a:tab pos="828591" algn="l"/>
+                <a:tab pos="1243620" algn="l"/>
+                <a:tab pos="1658649" algn="l"/>
+                <a:tab pos="2073677" algn="l"/>
+                <a:tab pos="2488706" algn="l"/>
+                <a:tab pos="2903734" algn="l"/>
+                <a:tab pos="3318764" algn="l"/>
+                <a:tab pos="3733792" algn="l"/>
+                <a:tab pos="4148821" algn="l"/>
+                <a:tab pos="4563849" algn="l"/>
+                <a:tab pos="4978878" algn="l"/>
+                <a:tab pos="5393907" algn="l"/>
+                <a:tab pos="5808936" algn="l"/>
+                <a:tab pos="6223964" algn="l"/>
+                <a:tab pos="6638993" algn="l"/>
+                <a:tab pos="7054021" algn="l"/>
+                <a:tab pos="7469050" algn="l"/>
+                <a:tab pos="7884079" algn="l"/>
+                <a:tab pos="8299108" algn="l"/>
               </a:tabLst>
-              <a:defRPr sz="1400">
+              <a:defRPr sz="1300">
                 <a:solidFill>
                   <a:srgbClr val="000000"/>
                 </a:solidFill>
@@ -906,8 +906,8 @@
         </p:nvSpPr>
         <p:spPr bwMode="auto">
           <a:xfrm>
-            <a:off x="4278313" y="10156825"/>
-            <a:ext cx="3278187" cy="531813"/>
+            <a:off x="3886599" y="9494784"/>
+            <a:ext cx="2978042" cy="497148"/>
           </a:xfrm>
           <a:prstGeom prst="rect">
             <a:avLst/>
@@ -962,28 +962,28 @@
               <a:buNone/>
               <a:tabLst>
                 <a:tab pos="0" algn="l"/>
-                <a:tab pos="447675" algn="l"/>
-                <a:tab pos="896938" algn="l"/>
-                <a:tab pos="1346200" algn="l"/>
-                <a:tab pos="1795463" algn="l"/>
-                <a:tab pos="2244725" algn="l"/>
-                <a:tab pos="2693988" algn="l"/>
-                <a:tab pos="3143250" algn="l"/>
-                <a:tab pos="3592513" algn="l"/>
-                <a:tab pos="4041775" algn="l"/>
-                <a:tab pos="4491038" algn="l"/>
-                <a:tab pos="4940300" algn="l"/>
-                <a:tab pos="5389563" algn="l"/>
-                <a:tab pos="5838825" algn="l"/>
-                <a:tab pos="6288088" algn="l"/>
-                <a:tab pos="6737350" algn="l"/>
-                <a:tab pos="7186613" algn="l"/>
-                <a:tab pos="7635875" algn="l"/>
-                <a:tab pos="8085138" algn="l"/>
-                <a:tab pos="8534400" algn="l"/>
-                <a:tab pos="8983663" algn="l"/>
+                <a:tab pos="413562" algn="l"/>
+                <a:tab pos="828591" algn="l"/>
+                <a:tab pos="1243620" algn="l"/>
+                <a:tab pos="1658649" algn="l"/>
+                <a:tab pos="2073677" algn="l"/>
+                <a:tab pos="2488706" algn="l"/>
+                <a:tab pos="2903734" algn="l"/>
+                <a:tab pos="3318764" algn="l"/>
+                <a:tab pos="3733792" algn="l"/>
+                <a:tab pos="4148821" algn="l"/>
+                <a:tab pos="4563849" algn="l"/>
+                <a:tab pos="4978878" algn="l"/>
+                <a:tab pos="5393907" algn="l"/>
+                <a:tab pos="5808936" algn="l"/>
+                <a:tab pos="6223964" algn="l"/>
+                <a:tab pos="6638993" algn="l"/>
+                <a:tab pos="7054021" algn="l"/>
+                <a:tab pos="7469050" algn="l"/>
+                <a:tab pos="7884079" algn="l"/>
+                <a:tab pos="8299108" algn="l"/>
               </a:tabLst>
-              <a:defRPr sz="1400">
+              <a:defRPr sz="1300">
                 <a:solidFill>
                   <a:srgbClr val="000000"/>
                 </a:solidFill>
@@ -1167,6 +1167,636 @@
 <file path=ppt/notesSlides/notesSlide1.xml><?xml version="1.0" encoding="utf-8"?>
 <p:notes xmlns:a="http://schemas.openxmlformats.org/drawingml/2006/main" xmlns:r="http://schemas.openxmlformats.org/officeDocument/2006/relationships" xmlns:p="http://schemas.openxmlformats.org/presentationml/2006/main">
   <p:cSld>
+    <p:spTree>
+      <p:nvGrpSpPr>
+        <p:cNvPr id="1" name=""/>
+        <p:cNvGrpSpPr/>
+        <p:nvPr/>
+      </p:nvGrpSpPr>
+      <p:grpSpPr>
+        <a:xfrm>
+          <a:off x="0" y="0"/>
+          <a:ext cx="0" cy="0"/>
+          <a:chOff x="0" y="0"/>
+          <a:chExt cx="0" cy="0"/>
+        </a:xfrm>
+      </p:grpSpPr>
+      <p:sp>
+        <p:nvSpPr>
+          <p:cNvPr id="2" name="Folienbildplatzhalter 1"/>
+          <p:cNvSpPr>
+            <a:spLocks noGrp="1" noRot="1" noChangeAspect="1"/>
+          </p:cNvSpPr>
+          <p:nvPr>
+            <p:ph type="sldImg"/>
+          </p:nvPr>
+        </p:nvSpPr>
+        <p:spPr/>
+      </p:sp>
+      <p:sp>
+        <p:nvSpPr>
+          <p:cNvPr id="3" name="Notizenplatzhalter 2"/>
+          <p:cNvSpPr>
+            <a:spLocks noGrp="1"/>
+          </p:cNvSpPr>
+          <p:nvPr>
+            <p:ph type="body" idx="1"/>
+          </p:nvPr>
+        </p:nvSpPr>
+        <p:spPr/>
+        <p:txBody>
+          <a:bodyPr/>
+          <a:lstStyle/>
+          <a:p>
+            <a:endParaRPr lang="de-CH"/>
+          </a:p>
+        </p:txBody>
+      </p:sp>
+      <p:sp>
+        <p:nvSpPr>
+          <p:cNvPr id="4" name="Foliennummernplatzhalter 3"/>
+          <p:cNvSpPr>
+            <a:spLocks noGrp="1"/>
+          </p:cNvSpPr>
+          <p:nvPr>
+            <p:ph type="sldNum" idx="10"/>
+          </p:nvPr>
+        </p:nvSpPr>
+        <p:spPr/>
+        <p:txBody>
+          <a:bodyPr/>
+          <a:lstStyle/>
+          <a:p>
+            <a:pPr>
+              <a:defRPr/>
+            </a:pPr>
+            <a:fld id="{F62945CA-047E-404E-9C65-5DEEB3586EA2}" type="slidenum">
+              <a:rPr lang="en-US" smtClean="0"/>
+              <a:pPr>
+                <a:defRPr/>
+              </a:pPr>
+              <a:t>1</a:t>
+            </a:fld>
+            <a:endParaRPr lang="en-US"/>
+          </a:p>
+        </p:txBody>
+      </p:sp>
+    </p:spTree>
+    <p:extLst>
+      <p:ext uri="{BB962C8B-B14F-4D97-AF65-F5344CB8AC3E}">
+        <p14:creationId xmlns:p14="http://schemas.microsoft.com/office/powerpoint/2010/main" val="3551460277"/>
+      </p:ext>
+    </p:extLst>
+  </p:cSld>
+  <p:clrMapOvr>
+    <a:masterClrMapping/>
+  </p:clrMapOvr>
+</p:notes>
+</file>
+
+<file path=ppt/notesSlides/notesSlide10.xml><?xml version="1.0" encoding="utf-8"?>
+<p:notes xmlns:a="http://schemas.openxmlformats.org/drawingml/2006/main" xmlns:r="http://schemas.openxmlformats.org/officeDocument/2006/relationships" xmlns:p="http://schemas.openxmlformats.org/presentationml/2006/main">
+  <p:cSld>
+    <p:spTree>
+      <p:nvGrpSpPr>
+        <p:cNvPr id="1" name=""/>
+        <p:cNvGrpSpPr/>
+        <p:nvPr/>
+      </p:nvGrpSpPr>
+      <p:grpSpPr>
+        <a:xfrm>
+          <a:off x="0" y="0"/>
+          <a:ext cx="0" cy="0"/>
+          <a:chOff x="0" y="0"/>
+          <a:chExt cx="0" cy="0"/>
+        </a:xfrm>
+      </p:grpSpPr>
+      <p:sp>
+        <p:nvSpPr>
+          <p:cNvPr id="2" name="Folienbildplatzhalter 1"/>
+          <p:cNvSpPr>
+            <a:spLocks noGrp="1" noRot="1" noChangeAspect="1"/>
+          </p:cNvSpPr>
+          <p:nvPr>
+            <p:ph type="sldImg"/>
+          </p:nvPr>
+        </p:nvSpPr>
+        <p:spPr/>
+      </p:sp>
+      <p:sp>
+        <p:nvSpPr>
+          <p:cNvPr id="3" name="Notizenplatzhalter 2"/>
+          <p:cNvSpPr>
+            <a:spLocks noGrp="1"/>
+          </p:cNvSpPr>
+          <p:nvPr>
+            <p:ph type="body" idx="1"/>
+          </p:nvPr>
+        </p:nvSpPr>
+        <p:spPr/>
+        <p:txBody>
+          <a:bodyPr/>
+          <a:lstStyle/>
+          <a:p>
+            <a:endParaRPr lang="de-CH"/>
+          </a:p>
+        </p:txBody>
+      </p:sp>
+      <p:sp>
+        <p:nvSpPr>
+          <p:cNvPr id="4" name="Foliennummernplatzhalter 3"/>
+          <p:cNvSpPr>
+            <a:spLocks noGrp="1"/>
+          </p:cNvSpPr>
+          <p:nvPr>
+            <p:ph type="sldNum" idx="10"/>
+          </p:nvPr>
+        </p:nvSpPr>
+        <p:spPr/>
+        <p:txBody>
+          <a:bodyPr/>
+          <a:lstStyle/>
+          <a:p>
+            <a:pPr>
+              <a:defRPr/>
+            </a:pPr>
+            <a:fld id="{F62945CA-047E-404E-9C65-5DEEB3586EA2}" type="slidenum">
+              <a:rPr lang="en-US" smtClean="0"/>
+              <a:pPr>
+                <a:defRPr/>
+              </a:pPr>
+              <a:t>10</a:t>
+            </a:fld>
+            <a:endParaRPr lang="en-US"/>
+          </a:p>
+        </p:txBody>
+      </p:sp>
+    </p:spTree>
+    <p:extLst>
+      <p:ext uri="{BB962C8B-B14F-4D97-AF65-F5344CB8AC3E}">
+        <p14:creationId xmlns:p14="http://schemas.microsoft.com/office/powerpoint/2010/main" val="1109929219"/>
+      </p:ext>
+    </p:extLst>
+  </p:cSld>
+  <p:clrMapOvr>
+    <a:masterClrMapping/>
+  </p:clrMapOvr>
+</p:notes>
+</file>
+
+<file path=ppt/notesSlides/notesSlide11.xml><?xml version="1.0" encoding="utf-8"?>
+<p:notes xmlns:a="http://schemas.openxmlformats.org/drawingml/2006/main" xmlns:r="http://schemas.openxmlformats.org/officeDocument/2006/relationships" xmlns:p="http://schemas.openxmlformats.org/presentationml/2006/main">
+  <p:cSld>
+    <p:spTree>
+      <p:nvGrpSpPr>
+        <p:cNvPr id="1" name=""/>
+        <p:cNvGrpSpPr/>
+        <p:nvPr/>
+      </p:nvGrpSpPr>
+      <p:grpSpPr>
+        <a:xfrm>
+          <a:off x="0" y="0"/>
+          <a:ext cx="0" cy="0"/>
+          <a:chOff x="0" y="0"/>
+          <a:chExt cx="0" cy="0"/>
+        </a:xfrm>
+      </p:grpSpPr>
+      <p:sp>
+        <p:nvSpPr>
+          <p:cNvPr id="2" name="Folienbildplatzhalter 1"/>
+          <p:cNvSpPr>
+            <a:spLocks noGrp="1" noRot="1" noChangeAspect="1"/>
+          </p:cNvSpPr>
+          <p:nvPr>
+            <p:ph type="sldImg"/>
+          </p:nvPr>
+        </p:nvSpPr>
+        <p:spPr/>
+      </p:sp>
+      <p:sp>
+        <p:nvSpPr>
+          <p:cNvPr id="3" name="Notizenplatzhalter 2"/>
+          <p:cNvSpPr>
+            <a:spLocks noGrp="1"/>
+          </p:cNvSpPr>
+          <p:nvPr>
+            <p:ph type="body" idx="1"/>
+          </p:nvPr>
+        </p:nvSpPr>
+        <p:spPr/>
+        <p:txBody>
+          <a:bodyPr/>
+          <a:lstStyle/>
+          <a:p>
+            <a:endParaRPr lang="de-CH"/>
+          </a:p>
+        </p:txBody>
+      </p:sp>
+      <p:sp>
+        <p:nvSpPr>
+          <p:cNvPr id="4" name="Foliennummernplatzhalter 3"/>
+          <p:cNvSpPr>
+            <a:spLocks noGrp="1"/>
+          </p:cNvSpPr>
+          <p:nvPr>
+            <p:ph type="sldNum" idx="10"/>
+          </p:nvPr>
+        </p:nvSpPr>
+        <p:spPr/>
+        <p:txBody>
+          <a:bodyPr/>
+          <a:lstStyle/>
+          <a:p>
+            <a:pPr>
+              <a:defRPr/>
+            </a:pPr>
+            <a:fld id="{F62945CA-047E-404E-9C65-5DEEB3586EA2}" type="slidenum">
+              <a:rPr lang="en-US" smtClean="0"/>
+              <a:pPr>
+                <a:defRPr/>
+              </a:pPr>
+              <a:t>11</a:t>
+            </a:fld>
+            <a:endParaRPr lang="en-US"/>
+          </a:p>
+        </p:txBody>
+      </p:sp>
+    </p:spTree>
+    <p:extLst>
+      <p:ext uri="{BB962C8B-B14F-4D97-AF65-F5344CB8AC3E}">
+        <p14:creationId xmlns:p14="http://schemas.microsoft.com/office/powerpoint/2010/main" val="1975637343"/>
+      </p:ext>
+    </p:extLst>
+  </p:cSld>
+  <p:clrMapOvr>
+    <a:masterClrMapping/>
+  </p:clrMapOvr>
+</p:notes>
+</file>
+
+<file path=ppt/notesSlides/notesSlide12.xml><?xml version="1.0" encoding="utf-8"?>
+<p:notes xmlns:a="http://schemas.openxmlformats.org/drawingml/2006/main" xmlns:r="http://schemas.openxmlformats.org/officeDocument/2006/relationships" xmlns:p="http://schemas.openxmlformats.org/presentationml/2006/main">
+  <p:cSld>
+    <p:spTree>
+      <p:nvGrpSpPr>
+        <p:cNvPr id="1" name=""/>
+        <p:cNvGrpSpPr/>
+        <p:nvPr/>
+      </p:nvGrpSpPr>
+      <p:grpSpPr>
+        <a:xfrm>
+          <a:off x="0" y="0"/>
+          <a:ext cx="0" cy="0"/>
+          <a:chOff x="0" y="0"/>
+          <a:chExt cx="0" cy="0"/>
+        </a:xfrm>
+      </p:grpSpPr>
+      <p:sp>
+        <p:nvSpPr>
+          <p:cNvPr id="2" name="Folienbildplatzhalter 1"/>
+          <p:cNvSpPr>
+            <a:spLocks noGrp="1" noRot="1" noChangeAspect="1"/>
+          </p:cNvSpPr>
+          <p:nvPr>
+            <p:ph type="sldImg"/>
+          </p:nvPr>
+        </p:nvSpPr>
+        <p:spPr/>
+      </p:sp>
+      <p:sp>
+        <p:nvSpPr>
+          <p:cNvPr id="3" name="Notizenplatzhalter 2"/>
+          <p:cNvSpPr>
+            <a:spLocks noGrp="1"/>
+          </p:cNvSpPr>
+          <p:nvPr>
+            <p:ph type="body" idx="1"/>
+          </p:nvPr>
+        </p:nvSpPr>
+        <p:spPr/>
+        <p:txBody>
+          <a:bodyPr/>
+          <a:lstStyle/>
+          <a:p>
+            <a:endParaRPr lang="de-CH"/>
+          </a:p>
+        </p:txBody>
+      </p:sp>
+      <p:sp>
+        <p:nvSpPr>
+          <p:cNvPr id="4" name="Foliennummernplatzhalter 3"/>
+          <p:cNvSpPr>
+            <a:spLocks noGrp="1"/>
+          </p:cNvSpPr>
+          <p:nvPr>
+            <p:ph type="sldNum" idx="10"/>
+          </p:nvPr>
+        </p:nvSpPr>
+        <p:spPr/>
+        <p:txBody>
+          <a:bodyPr/>
+          <a:lstStyle/>
+          <a:p>
+            <a:pPr>
+              <a:defRPr/>
+            </a:pPr>
+            <a:fld id="{F62945CA-047E-404E-9C65-5DEEB3586EA2}" type="slidenum">
+              <a:rPr lang="en-US" smtClean="0"/>
+              <a:pPr>
+                <a:defRPr/>
+              </a:pPr>
+              <a:t>12</a:t>
+            </a:fld>
+            <a:endParaRPr lang="en-US"/>
+          </a:p>
+        </p:txBody>
+      </p:sp>
+    </p:spTree>
+    <p:extLst>
+      <p:ext uri="{BB962C8B-B14F-4D97-AF65-F5344CB8AC3E}">
+        <p14:creationId xmlns:p14="http://schemas.microsoft.com/office/powerpoint/2010/main" val="141824683"/>
+      </p:ext>
+    </p:extLst>
+  </p:cSld>
+  <p:clrMapOvr>
+    <a:masterClrMapping/>
+  </p:clrMapOvr>
+</p:notes>
+</file>
+
+<file path=ppt/notesSlides/notesSlide13.xml><?xml version="1.0" encoding="utf-8"?>
+<p:notes xmlns:a="http://schemas.openxmlformats.org/drawingml/2006/main" xmlns:r="http://schemas.openxmlformats.org/officeDocument/2006/relationships" xmlns:p="http://schemas.openxmlformats.org/presentationml/2006/main">
+  <p:cSld>
+    <p:spTree>
+      <p:nvGrpSpPr>
+        <p:cNvPr id="1" name=""/>
+        <p:cNvGrpSpPr/>
+        <p:nvPr/>
+      </p:nvGrpSpPr>
+      <p:grpSpPr>
+        <a:xfrm>
+          <a:off x="0" y="0"/>
+          <a:ext cx="0" cy="0"/>
+          <a:chOff x="0" y="0"/>
+          <a:chExt cx="0" cy="0"/>
+        </a:xfrm>
+      </p:grpSpPr>
+      <p:sp>
+        <p:nvSpPr>
+          <p:cNvPr id="2" name="Folienbildplatzhalter 1"/>
+          <p:cNvSpPr>
+            <a:spLocks noGrp="1" noRot="1" noChangeAspect="1"/>
+          </p:cNvSpPr>
+          <p:nvPr>
+            <p:ph type="sldImg"/>
+          </p:nvPr>
+        </p:nvSpPr>
+        <p:spPr/>
+      </p:sp>
+      <p:sp>
+        <p:nvSpPr>
+          <p:cNvPr id="3" name="Notizenplatzhalter 2"/>
+          <p:cNvSpPr>
+            <a:spLocks noGrp="1"/>
+          </p:cNvSpPr>
+          <p:nvPr>
+            <p:ph type="body" idx="1"/>
+          </p:nvPr>
+        </p:nvSpPr>
+        <p:spPr/>
+        <p:txBody>
+          <a:bodyPr/>
+          <a:lstStyle/>
+          <a:p>
+            <a:endParaRPr lang="de-CH"/>
+          </a:p>
+        </p:txBody>
+      </p:sp>
+      <p:sp>
+        <p:nvSpPr>
+          <p:cNvPr id="4" name="Foliennummernplatzhalter 3"/>
+          <p:cNvSpPr>
+            <a:spLocks noGrp="1"/>
+          </p:cNvSpPr>
+          <p:nvPr>
+            <p:ph type="sldNum" idx="10"/>
+          </p:nvPr>
+        </p:nvSpPr>
+        <p:spPr/>
+        <p:txBody>
+          <a:bodyPr/>
+          <a:lstStyle/>
+          <a:p>
+            <a:pPr>
+              <a:defRPr/>
+            </a:pPr>
+            <a:fld id="{F62945CA-047E-404E-9C65-5DEEB3586EA2}" type="slidenum">
+              <a:rPr lang="en-US" smtClean="0"/>
+              <a:pPr>
+                <a:defRPr/>
+              </a:pPr>
+              <a:t>13</a:t>
+            </a:fld>
+            <a:endParaRPr lang="en-US"/>
+          </a:p>
+        </p:txBody>
+      </p:sp>
+    </p:spTree>
+    <p:extLst>
+      <p:ext uri="{BB962C8B-B14F-4D97-AF65-F5344CB8AC3E}">
+        <p14:creationId xmlns:p14="http://schemas.microsoft.com/office/powerpoint/2010/main" val="1955636922"/>
+      </p:ext>
+    </p:extLst>
+  </p:cSld>
+  <p:clrMapOvr>
+    <a:masterClrMapping/>
+  </p:clrMapOvr>
+</p:notes>
+</file>
+
+<file path=ppt/notesSlides/notesSlide14.xml><?xml version="1.0" encoding="utf-8"?>
+<p:notes xmlns:a="http://schemas.openxmlformats.org/drawingml/2006/main" xmlns:r="http://schemas.openxmlformats.org/officeDocument/2006/relationships" xmlns:p="http://schemas.openxmlformats.org/presentationml/2006/main">
+  <p:cSld>
+    <p:spTree>
+      <p:nvGrpSpPr>
+        <p:cNvPr id="1" name=""/>
+        <p:cNvGrpSpPr/>
+        <p:nvPr/>
+      </p:nvGrpSpPr>
+      <p:grpSpPr>
+        <a:xfrm>
+          <a:off x="0" y="0"/>
+          <a:ext cx="0" cy="0"/>
+          <a:chOff x="0" y="0"/>
+          <a:chExt cx="0" cy="0"/>
+        </a:xfrm>
+      </p:grpSpPr>
+      <p:sp>
+        <p:nvSpPr>
+          <p:cNvPr id="2" name="Folienbildplatzhalter 1"/>
+          <p:cNvSpPr>
+            <a:spLocks noGrp="1" noRot="1" noChangeAspect="1"/>
+          </p:cNvSpPr>
+          <p:nvPr>
+            <p:ph type="sldImg"/>
+          </p:nvPr>
+        </p:nvSpPr>
+        <p:spPr/>
+      </p:sp>
+      <p:sp>
+        <p:nvSpPr>
+          <p:cNvPr id="3" name="Notizenplatzhalter 2"/>
+          <p:cNvSpPr>
+            <a:spLocks noGrp="1"/>
+          </p:cNvSpPr>
+          <p:nvPr>
+            <p:ph type="body" idx="1"/>
+          </p:nvPr>
+        </p:nvSpPr>
+        <p:spPr/>
+        <p:txBody>
+          <a:bodyPr/>
+          <a:lstStyle/>
+          <a:p>
+            <a:endParaRPr lang="de-CH"/>
+          </a:p>
+        </p:txBody>
+      </p:sp>
+      <p:sp>
+        <p:nvSpPr>
+          <p:cNvPr id="4" name="Foliennummernplatzhalter 3"/>
+          <p:cNvSpPr>
+            <a:spLocks noGrp="1"/>
+          </p:cNvSpPr>
+          <p:nvPr>
+            <p:ph type="sldNum" idx="10"/>
+          </p:nvPr>
+        </p:nvSpPr>
+        <p:spPr/>
+        <p:txBody>
+          <a:bodyPr/>
+          <a:lstStyle/>
+          <a:p>
+            <a:pPr>
+              <a:defRPr/>
+            </a:pPr>
+            <a:fld id="{F62945CA-047E-404E-9C65-5DEEB3586EA2}" type="slidenum">
+              <a:rPr lang="en-US" smtClean="0"/>
+              <a:pPr>
+                <a:defRPr/>
+              </a:pPr>
+              <a:t>14</a:t>
+            </a:fld>
+            <a:endParaRPr lang="en-US"/>
+          </a:p>
+        </p:txBody>
+      </p:sp>
+    </p:spTree>
+    <p:extLst>
+      <p:ext uri="{BB962C8B-B14F-4D97-AF65-F5344CB8AC3E}">
+        <p14:creationId xmlns:p14="http://schemas.microsoft.com/office/powerpoint/2010/main" val="525326967"/>
+      </p:ext>
+    </p:extLst>
+  </p:cSld>
+  <p:clrMapOvr>
+    <a:masterClrMapping/>
+  </p:clrMapOvr>
+</p:notes>
+</file>
+
+<file path=ppt/notesSlides/notesSlide15.xml><?xml version="1.0" encoding="utf-8"?>
+<p:notes xmlns:a="http://schemas.openxmlformats.org/drawingml/2006/main" xmlns:r="http://schemas.openxmlformats.org/officeDocument/2006/relationships" xmlns:p="http://schemas.openxmlformats.org/presentationml/2006/main">
+  <p:cSld>
+    <p:spTree>
+      <p:nvGrpSpPr>
+        <p:cNvPr id="1" name=""/>
+        <p:cNvGrpSpPr/>
+        <p:nvPr/>
+      </p:nvGrpSpPr>
+      <p:grpSpPr>
+        <a:xfrm>
+          <a:off x="0" y="0"/>
+          <a:ext cx="0" cy="0"/>
+          <a:chOff x="0" y="0"/>
+          <a:chExt cx="0" cy="0"/>
+        </a:xfrm>
+      </p:grpSpPr>
+      <p:sp>
+        <p:nvSpPr>
+          <p:cNvPr id="2" name="Folienbildplatzhalter 1"/>
+          <p:cNvSpPr>
+            <a:spLocks noGrp="1" noRot="1" noChangeAspect="1"/>
+          </p:cNvSpPr>
+          <p:nvPr>
+            <p:ph type="sldImg"/>
+          </p:nvPr>
+        </p:nvSpPr>
+        <p:spPr/>
+      </p:sp>
+      <p:sp>
+        <p:nvSpPr>
+          <p:cNvPr id="3" name="Notizenplatzhalter 2"/>
+          <p:cNvSpPr>
+            <a:spLocks noGrp="1"/>
+          </p:cNvSpPr>
+          <p:nvPr>
+            <p:ph type="body" idx="1"/>
+          </p:nvPr>
+        </p:nvSpPr>
+        <p:spPr/>
+        <p:txBody>
+          <a:bodyPr/>
+          <a:lstStyle/>
+          <a:p>
+            <a:endParaRPr lang="de-CH"/>
+          </a:p>
+        </p:txBody>
+      </p:sp>
+      <p:sp>
+        <p:nvSpPr>
+          <p:cNvPr id="4" name="Foliennummernplatzhalter 3"/>
+          <p:cNvSpPr>
+            <a:spLocks noGrp="1"/>
+          </p:cNvSpPr>
+          <p:nvPr>
+            <p:ph type="sldNum" idx="10"/>
+          </p:nvPr>
+        </p:nvSpPr>
+        <p:spPr/>
+        <p:txBody>
+          <a:bodyPr/>
+          <a:lstStyle/>
+          <a:p>
+            <a:pPr>
+              <a:defRPr/>
+            </a:pPr>
+            <a:fld id="{F62945CA-047E-404E-9C65-5DEEB3586EA2}" type="slidenum">
+              <a:rPr lang="en-US" smtClean="0"/>
+              <a:pPr>
+                <a:defRPr/>
+              </a:pPr>
+              <a:t>15</a:t>
+            </a:fld>
+            <a:endParaRPr lang="en-US"/>
+          </a:p>
+        </p:txBody>
+      </p:sp>
+    </p:spTree>
+    <p:extLst>
+      <p:ext uri="{BB962C8B-B14F-4D97-AF65-F5344CB8AC3E}">
+        <p14:creationId xmlns:p14="http://schemas.microsoft.com/office/powerpoint/2010/main" val="3529311356"/>
+      </p:ext>
+    </p:extLst>
+  </p:cSld>
+  <p:clrMapOvr>
+    <a:masterClrMapping/>
+  </p:clrMapOvr>
+</p:notes>
+</file>
+
+<file path=ppt/notesSlides/notesSlide16.xml><?xml version="1.0" encoding="utf-8"?>
+<p:notes xmlns:a="http://schemas.openxmlformats.org/drawingml/2006/main" xmlns:r="http://schemas.openxmlformats.org/officeDocument/2006/relationships" xmlns:p="http://schemas.openxmlformats.org/presentationml/2006/main">
+  <p:cSld>
     <p:bg>
       <p:bgPr>
         <a:solidFill>
@@ -1191,7 +1821,7 @@
       </p:grpSpPr>
       <p:sp>
         <p:nvSpPr>
-          <p:cNvPr id="23554" name="Rectangle 7"/>
+          <p:cNvPr id="31746" name="Rectangle 7"/>
           <p:cNvSpPr>
             <a:spLocks noGrp="1" noChangeArrowheads="1"/>
           </p:cNvSpPr>
@@ -1208,26 +1838,26 @@
             <a:lvl1pPr eaLnBrk="0">
               <a:tabLst>
                 <a:tab pos="0" algn="l"/>
-                <a:tab pos="447675" algn="l"/>
-                <a:tab pos="896938" algn="l"/>
-                <a:tab pos="1346200" algn="l"/>
-                <a:tab pos="1795463" algn="l"/>
-                <a:tab pos="2244725" algn="l"/>
-                <a:tab pos="2693988" algn="l"/>
-                <a:tab pos="3143250" algn="l"/>
-                <a:tab pos="3592513" algn="l"/>
-                <a:tab pos="4041775" algn="l"/>
-                <a:tab pos="4491038" algn="l"/>
-                <a:tab pos="4940300" algn="l"/>
-                <a:tab pos="5389563" algn="l"/>
-                <a:tab pos="5838825" algn="l"/>
-                <a:tab pos="6288088" algn="l"/>
-                <a:tab pos="6737350" algn="l"/>
-                <a:tab pos="7186613" algn="l"/>
-                <a:tab pos="7635875" algn="l"/>
-                <a:tab pos="8085138" algn="l"/>
-                <a:tab pos="8534400" algn="l"/>
-                <a:tab pos="8983663" algn="l"/>
+                <a:tab pos="413562" algn="l"/>
+                <a:tab pos="828591" algn="l"/>
+                <a:tab pos="1243620" algn="l"/>
+                <a:tab pos="1658649" algn="l"/>
+                <a:tab pos="2073677" algn="l"/>
+                <a:tab pos="2488706" algn="l"/>
+                <a:tab pos="2903734" algn="l"/>
+                <a:tab pos="3318764" algn="l"/>
+                <a:tab pos="3733792" algn="l"/>
+                <a:tab pos="4148821" algn="l"/>
+                <a:tab pos="4563849" algn="l"/>
+                <a:tab pos="4978878" algn="l"/>
+                <a:tab pos="5393907" algn="l"/>
+                <a:tab pos="5808936" algn="l"/>
+                <a:tab pos="6223964" algn="l"/>
+                <a:tab pos="6638993" algn="l"/>
+                <a:tab pos="7054021" algn="l"/>
+                <a:tab pos="7469050" algn="l"/>
+                <a:tab pos="7884079" algn="l"/>
+                <a:tab pos="8299108" algn="l"/>
               </a:tabLst>
               <a:defRPr>
                 <a:solidFill>
@@ -1240,26 +1870,26 @@
             <a:lvl2pPr eaLnBrk="0">
               <a:tabLst>
                 <a:tab pos="0" algn="l"/>
-                <a:tab pos="447675" algn="l"/>
-                <a:tab pos="896938" algn="l"/>
-                <a:tab pos="1346200" algn="l"/>
-                <a:tab pos="1795463" algn="l"/>
-                <a:tab pos="2244725" algn="l"/>
-                <a:tab pos="2693988" algn="l"/>
-                <a:tab pos="3143250" algn="l"/>
-                <a:tab pos="3592513" algn="l"/>
-                <a:tab pos="4041775" algn="l"/>
-                <a:tab pos="4491038" algn="l"/>
-                <a:tab pos="4940300" algn="l"/>
-                <a:tab pos="5389563" algn="l"/>
-                <a:tab pos="5838825" algn="l"/>
-                <a:tab pos="6288088" algn="l"/>
-                <a:tab pos="6737350" algn="l"/>
-                <a:tab pos="7186613" algn="l"/>
-                <a:tab pos="7635875" algn="l"/>
-                <a:tab pos="8085138" algn="l"/>
-                <a:tab pos="8534400" algn="l"/>
-                <a:tab pos="8983663" algn="l"/>
+                <a:tab pos="413562" algn="l"/>
+                <a:tab pos="828591" algn="l"/>
+                <a:tab pos="1243620" algn="l"/>
+                <a:tab pos="1658649" algn="l"/>
+                <a:tab pos="2073677" algn="l"/>
+                <a:tab pos="2488706" algn="l"/>
+                <a:tab pos="2903734" algn="l"/>
+                <a:tab pos="3318764" algn="l"/>
+                <a:tab pos="3733792" algn="l"/>
+                <a:tab pos="4148821" algn="l"/>
+                <a:tab pos="4563849" algn="l"/>
+                <a:tab pos="4978878" algn="l"/>
+                <a:tab pos="5393907" algn="l"/>
+                <a:tab pos="5808936" algn="l"/>
+                <a:tab pos="6223964" algn="l"/>
+                <a:tab pos="6638993" algn="l"/>
+                <a:tab pos="7054021" algn="l"/>
+                <a:tab pos="7469050" algn="l"/>
+                <a:tab pos="7884079" algn="l"/>
+                <a:tab pos="8299108" algn="l"/>
               </a:tabLst>
               <a:defRPr>
                 <a:solidFill>
@@ -1272,26 +1902,26 @@
             <a:lvl3pPr eaLnBrk="0">
               <a:tabLst>
                 <a:tab pos="0" algn="l"/>
-                <a:tab pos="447675" algn="l"/>
-                <a:tab pos="896938" algn="l"/>
-                <a:tab pos="1346200" algn="l"/>
-                <a:tab pos="1795463" algn="l"/>
-                <a:tab pos="2244725" algn="l"/>
-                <a:tab pos="2693988" algn="l"/>
-                <a:tab pos="3143250" algn="l"/>
-                <a:tab pos="3592513" algn="l"/>
-                <a:tab pos="4041775" algn="l"/>
-                <a:tab pos="4491038" algn="l"/>
-                <a:tab pos="4940300" algn="l"/>
-                <a:tab pos="5389563" algn="l"/>
-                <a:tab pos="5838825" algn="l"/>
-                <a:tab pos="6288088" algn="l"/>
-                <a:tab pos="6737350" algn="l"/>
-                <a:tab pos="7186613" algn="l"/>
-                <a:tab pos="7635875" algn="l"/>
-                <a:tab pos="8085138" algn="l"/>
-                <a:tab pos="8534400" algn="l"/>
-                <a:tab pos="8983663" algn="l"/>
+                <a:tab pos="413562" algn="l"/>
+                <a:tab pos="828591" algn="l"/>
+                <a:tab pos="1243620" algn="l"/>
+                <a:tab pos="1658649" algn="l"/>
+                <a:tab pos="2073677" algn="l"/>
+                <a:tab pos="2488706" algn="l"/>
+                <a:tab pos="2903734" algn="l"/>
+                <a:tab pos="3318764" algn="l"/>
+                <a:tab pos="3733792" algn="l"/>
+                <a:tab pos="4148821" algn="l"/>
+                <a:tab pos="4563849" algn="l"/>
+                <a:tab pos="4978878" algn="l"/>
+                <a:tab pos="5393907" algn="l"/>
+                <a:tab pos="5808936" algn="l"/>
+                <a:tab pos="6223964" algn="l"/>
+                <a:tab pos="6638993" algn="l"/>
+                <a:tab pos="7054021" algn="l"/>
+                <a:tab pos="7469050" algn="l"/>
+                <a:tab pos="7884079" algn="l"/>
+                <a:tab pos="8299108" algn="l"/>
               </a:tabLst>
               <a:defRPr>
                 <a:solidFill>
@@ -1304,26 +1934,26 @@
             <a:lvl4pPr eaLnBrk="0">
               <a:tabLst>
                 <a:tab pos="0" algn="l"/>
-                <a:tab pos="447675" algn="l"/>
-                <a:tab pos="896938" algn="l"/>
-                <a:tab pos="1346200" algn="l"/>
-                <a:tab pos="1795463" algn="l"/>
-                <a:tab pos="2244725" algn="l"/>
-                <a:tab pos="2693988" algn="l"/>
-                <a:tab pos="3143250" algn="l"/>
-                <a:tab pos="3592513" algn="l"/>
-                <a:tab pos="4041775" algn="l"/>
-                <a:tab pos="4491038" algn="l"/>
-                <a:tab pos="4940300" algn="l"/>
-                <a:tab pos="5389563" algn="l"/>
-                <a:tab pos="5838825" algn="l"/>
-                <a:tab pos="6288088" algn="l"/>
-                <a:tab pos="6737350" algn="l"/>
-                <a:tab pos="7186613" algn="l"/>
-                <a:tab pos="7635875" algn="l"/>
-                <a:tab pos="8085138" algn="l"/>
-                <a:tab pos="8534400" algn="l"/>
-                <a:tab pos="8983663" algn="l"/>
+                <a:tab pos="413562" algn="l"/>
+                <a:tab pos="828591" algn="l"/>
+                <a:tab pos="1243620" algn="l"/>
+                <a:tab pos="1658649" algn="l"/>
+                <a:tab pos="2073677" algn="l"/>
+                <a:tab pos="2488706" algn="l"/>
+                <a:tab pos="2903734" algn="l"/>
+                <a:tab pos="3318764" algn="l"/>
+                <a:tab pos="3733792" algn="l"/>
+                <a:tab pos="4148821" algn="l"/>
+                <a:tab pos="4563849" algn="l"/>
+                <a:tab pos="4978878" algn="l"/>
+                <a:tab pos="5393907" algn="l"/>
+                <a:tab pos="5808936" algn="l"/>
+                <a:tab pos="6223964" algn="l"/>
+                <a:tab pos="6638993" algn="l"/>
+                <a:tab pos="7054021" algn="l"/>
+                <a:tab pos="7469050" algn="l"/>
+                <a:tab pos="7884079" algn="l"/>
+                <a:tab pos="8299108" algn="l"/>
               </a:tabLst>
               <a:defRPr>
                 <a:solidFill>
@@ -1336,26 +1966,26 @@
             <a:lvl5pPr eaLnBrk="0">
               <a:tabLst>
                 <a:tab pos="0" algn="l"/>
-                <a:tab pos="447675" algn="l"/>
-                <a:tab pos="896938" algn="l"/>
-                <a:tab pos="1346200" algn="l"/>
-                <a:tab pos="1795463" algn="l"/>
-                <a:tab pos="2244725" algn="l"/>
-                <a:tab pos="2693988" algn="l"/>
-                <a:tab pos="3143250" algn="l"/>
-                <a:tab pos="3592513" algn="l"/>
-                <a:tab pos="4041775" algn="l"/>
-                <a:tab pos="4491038" algn="l"/>
-                <a:tab pos="4940300" algn="l"/>
-                <a:tab pos="5389563" algn="l"/>
-                <a:tab pos="5838825" algn="l"/>
-                <a:tab pos="6288088" algn="l"/>
-                <a:tab pos="6737350" algn="l"/>
-                <a:tab pos="7186613" algn="l"/>
-                <a:tab pos="7635875" algn="l"/>
-                <a:tab pos="8085138" algn="l"/>
-                <a:tab pos="8534400" algn="l"/>
-                <a:tab pos="8983663" algn="l"/>
+                <a:tab pos="413562" algn="l"/>
+                <a:tab pos="828591" algn="l"/>
+                <a:tab pos="1243620" algn="l"/>
+                <a:tab pos="1658649" algn="l"/>
+                <a:tab pos="2073677" algn="l"/>
+                <a:tab pos="2488706" algn="l"/>
+                <a:tab pos="2903734" algn="l"/>
+                <a:tab pos="3318764" algn="l"/>
+                <a:tab pos="3733792" algn="l"/>
+                <a:tab pos="4148821" algn="l"/>
+                <a:tab pos="4563849" algn="l"/>
+                <a:tab pos="4978878" algn="l"/>
+                <a:tab pos="5393907" algn="l"/>
+                <a:tab pos="5808936" algn="l"/>
+                <a:tab pos="6223964" algn="l"/>
+                <a:tab pos="6638993" algn="l"/>
+                <a:tab pos="7054021" algn="l"/>
+                <a:tab pos="7469050" algn="l"/>
+                <a:tab pos="7884079" algn="l"/>
+                <a:tab pos="8299108" algn="l"/>
               </a:tabLst>
               <a:defRPr>
                 <a:solidFill>
@@ -1365,7 +1995,7 @@
                 <a:cs typeface="Arial Unicode MS" charset="0"/>
               </a:defRPr>
             </a:lvl5pPr>
-            <a:lvl6pPr marL="2514600" indent="-228600" defTabSz="449263" eaLnBrk="0" fontAlgn="base" hangingPunct="0">
+            <a:lvl6pPr marL="2322987" indent="-211181" defTabSz="415029" eaLnBrk="0" fontAlgn="base" hangingPunct="0">
               <a:lnSpc>
                 <a:spcPct val="93000"/>
               </a:lnSpc>
@@ -1382,26 +2012,26 @@
               <a:buFont typeface="Times New Roman" pitchFamily="16" charset="0"/>
               <a:tabLst>
                 <a:tab pos="0" algn="l"/>
-                <a:tab pos="447675" algn="l"/>
-                <a:tab pos="896938" algn="l"/>
-                <a:tab pos="1346200" algn="l"/>
-                <a:tab pos="1795463" algn="l"/>
-                <a:tab pos="2244725" algn="l"/>
-                <a:tab pos="2693988" algn="l"/>
-                <a:tab pos="3143250" algn="l"/>
-                <a:tab pos="3592513" algn="l"/>
-                <a:tab pos="4041775" algn="l"/>
-                <a:tab pos="4491038" algn="l"/>
-                <a:tab pos="4940300" algn="l"/>
-                <a:tab pos="5389563" algn="l"/>
-                <a:tab pos="5838825" algn="l"/>
-                <a:tab pos="6288088" algn="l"/>
-                <a:tab pos="6737350" algn="l"/>
-                <a:tab pos="7186613" algn="l"/>
-                <a:tab pos="7635875" algn="l"/>
-                <a:tab pos="8085138" algn="l"/>
-                <a:tab pos="8534400" algn="l"/>
-                <a:tab pos="8983663" algn="l"/>
+                <a:tab pos="413562" algn="l"/>
+                <a:tab pos="828591" algn="l"/>
+                <a:tab pos="1243620" algn="l"/>
+                <a:tab pos="1658649" algn="l"/>
+                <a:tab pos="2073677" algn="l"/>
+                <a:tab pos="2488706" algn="l"/>
+                <a:tab pos="2903734" algn="l"/>
+                <a:tab pos="3318764" algn="l"/>
+                <a:tab pos="3733792" algn="l"/>
+                <a:tab pos="4148821" algn="l"/>
+                <a:tab pos="4563849" algn="l"/>
+                <a:tab pos="4978878" algn="l"/>
+                <a:tab pos="5393907" algn="l"/>
+                <a:tab pos="5808936" algn="l"/>
+                <a:tab pos="6223964" algn="l"/>
+                <a:tab pos="6638993" algn="l"/>
+                <a:tab pos="7054021" algn="l"/>
+                <a:tab pos="7469050" algn="l"/>
+                <a:tab pos="7884079" algn="l"/>
+                <a:tab pos="8299108" algn="l"/>
               </a:tabLst>
               <a:defRPr>
                 <a:solidFill>
@@ -1411,7 +2041,7 @@
                 <a:cs typeface="Arial Unicode MS" charset="0"/>
               </a:defRPr>
             </a:lvl6pPr>
-            <a:lvl7pPr marL="2971800" indent="-228600" defTabSz="449263" eaLnBrk="0" fontAlgn="base" hangingPunct="0">
+            <a:lvl7pPr marL="2745349" indent="-211181" defTabSz="415029" eaLnBrk="0" fontAlgn="base" hangingPunct="0">
               <a:lnSpc>
                 <a:spcPct val="93000"/>
               </a:lnSpc>
@@ -1428,26 +2058,26 @@
               <a:buFont typeface="Times New Roman" pitchFamily="16" charset="0"/>
               <a:tabLst>
                 <a:tab pos="0" algn="l"/>
-                <a:tab pos="447675" algn="l"/>
-                <a:tab pos="896938" algn="l"/>
-                <a:tab pos="1346200" algn="l"/>
-                <a:tab pos="1795463" algn="l"/>
-                <a:tab pos="2244725" algn="l"/>
-                <a:tab pos="2693988" algn="l"/>
-                <a:tab pos="3143250" algn="l"/>
-                <a:tab pos="3592513" algn="l"/>
-                <a:tab pos="4041775" algn="l"/>
-                <a:tab pos="4491038" algn="l"/>
-                <a:tab pos="4940300" algn="l"/>
-                <a:tab pos="5389563" algn="l"/>
-                <a:tab pos="5838825" algn="l"/>
-                <a:tab pos="6288088" algn="l"/>
-                <a:tab pos="6737350" algn="l"/>
-                <a:tab pos="7186613" algn="l"/>
-                <a:tab pos="7635875" algn="l"/>
-                <a:tab pos="8085138" algn="l"/>
-                <a:tab pos="8534400" algn="l"/>
-                <a:tab pos="8983663" algn="l"/>
+                <a:tab pos="413562" algn="l"/>
+                <a:tab pos="828591" algn="l"/>
+                <a:tab pos="1243620" algn="l"/>
+                <a:tab pos="1658649" algn="l"/>
+                <a:tab pos="2073677" algn="l"/>
+                <a:tab pos="2488706" algn="l"/>
+                <a:tab pos="2903734" algn="l"/>
+                <a:tab pos="3318764" algn="l"/>
+                <a:tab pos="3733792" algn="l"/>
+                <a:tab pos="4148821" algn="l"/>
+                <a:tab pos="4563849" algn="l"/>
+                <a:tab pos="4978878" algn="l"/>
+                <a:tab pos="5393907" algn="l"/>
+                <a:tab pos="5808936" algn="l"/>
+                <a:tab pos="6223964" algn="l"/>
+                <a:tab pos="6638993" algn="l"/>
+                <a:tab pos="7054021" algn="l"/>
+                <a:tab pos="7469050" algn="l"/>
+                <a:tab pos="7884079" algn="l"/>
+                <a:tab pos="8299108" algn="l"/>
               </a:tabLst>
               <a:defRPr>
                 <a:solidFill>
@@ -1457,7 +2087,7 @@
                 <a:cs typeface="Arial Unicode MS" charset="0"/>
               </a:defRPr>
             </a:lvl7pPr>
-            <a:lvl8pPr marL="3429000" indent="-228600" defTabSz="449263" eaLnBrk="0" fontAlgn="base" hangingPunct="0">
+            <a:lvl8pPr marL="3167710" indent="-211181" defTabSz="415029" eaLnBrk="0" fontAlgn="base" hangingPunct="0">
               <a:lnSpc>
                 <a:spcPct val="93000"/>
               </a:lnSpc>
@@ -1474,26 +2104,26 @@
               <a:buFont typeface="Times New Roman" pitchFamily="16" charset="0"/>
               <a:tabLst>
                 <a:tab pos="0" algn="l"/>
-                <a:tab pos="447675" algn="l"/>
-                <a:tab pos="896938" algn="l"/>
-                <a:tab pos="1346200" algn="l"/>
-                <a:tab pos="1795463" algn="l"/>
-                <a:tab pos="2244725" algn="l"/>
-                <a:tab pos="2693988" algn="l"/>
-                <a:tab pos="3143250" algn="l"/>
-                <a:tab pos="3592513" algn="l"/>
-                <a:tab pos="4041775" algn="l"/>
-                <a:tab pos="4491038" algn="l"/>
-                <a:tab pos="4940300" algn="l"/>
-                <a:tab pos="5389563" algn="l"/>
-                <a:tab pos="5838825" algn="l"/>
-                <a:tab pos="6288088" algn="l"/>
-                <a:tab pos="6737350" algn="l"/>
-                <a:tab pos="7186613" algn="l"/>
-                <a:tab pos="7635875" algn="l"/>
-                <a:tab pos="8085138" algn="l"/>
-                <a:tab pos="8534400" algn="l"/>
-                <a:tab pos="8983663" algn="l"/>
+                <a:tab pos="413562" algn="l"/>
+                <a:tab pos="828591" algn="l"/>
+                <a:tab pos="1243620" algn="l"/>
+                <a:tab pos="1658649" algn="l"/>
+                <a:tab pos="2073677" algn="l"/>
+                <a:tab pos="2488706" algn="l"/>
+                <a:tab pos="2903734" algn="l"/>
+                <a:tab pos="3318764" algn="l"/>
+                <a:tab pos="3733792" algn="l"/>
+                <a:tab pos="4148821" algn="l"/>
+                <a:tab pos="4563849" algn="l"/>
+                <a:tab pos="4978878" algn="l"/>
+                <a:tab pos="5393907" algn="l"/>
+                <a:tab pos="5808936" algn="l"/>
+                <a:tab pos="6223964" algn="l"/>
+                <a:tab pos="6638993" algn="l"/>
+                <a:tab pos="7054021" algn="l"/>
+                <a:tab pos="7469050" algn="l"/>
+                <a:tab pos="7884079" algn="l"/>
+                <a:tab pos="8299108" algn="l"/>
               </a:tabLst>
               <a:defRPr>
                 <a:solidFill>
@@ -1503,7 +2133,7 @@
                 <a:cs typeface="Arial Unicode MS" charset="0"/>
               </a:defRPr>
             </a:lvl8pPr>
-            <a:lvl9pPr marL="3886200" indent="-228600" defTabSz="449263" eaLnBrk="0" fontAlgn="base" hangingPunct="0">
+            <a:lvl9pPr marL="3590072" indent="-211181" defTabSz="415029" eaLnBrk="0" fontAlgn="base" hangingPunct="0">
               <a:lnSpc>
                 <a:spcPct val="93000"/>
               </a:lnSpc>
@@ -1520,26 +2150,26 @@
               <a:buFont typeface="Times New Roman" pitchFamily="16" charset="0"/>
               <a:tabLst>
                 <a:tab pos="0" algn="l"/>
-                <a:tab pos="447675" algn="l"/>
-                <a:tab pos="896938" algn="l"/>
-                <a:tab pos="1346200" algn="l"/>
-                <a:tab pos="1795463" algn="l"/>
-                <a:tab pos="2244725" algn="l"/>
-                <a:tab pos="2693988" algn="l"/>
-                <a:tab pos="3143250" algn="l"/>
-                <a:tab pos="3592513" algn="l"/>
-                <a:tab pos="4041775" algn="l"/>
-                <a:tab pos="4491038" algn="l"/>
-                <a:tab pos="4940300" algn="l"/>
-                <a:tab pos="5389563" algn="l"/>
-                <a:tab pos="5838825" algn="l"/>
-                <a:tab pos="6288088" algn="l"/>
-                <a:tab pos="6737350" algn="l"/>
-                <a:tab pos="7186613" algn="l"/>
-                <a:tab pos="7635875" algn="l"/>
-                <a:tab pos="8085138" algn="l"/>
-                <a:tab pos="8534400" algn="l"/>
-                <a:tab pos="8983663" algn="l"/>
+                <a:tab pos="413562" algn="l"/>
+                <a:tab pos="828591" algn="l"/>
+                <a:tab pos="1243620" algn="l"/>
+                <a:tab pos="1658649" algn="l"/>
+                <a:tab pos="2073677" algn="l"/>
+                <a:tab pos="2488706" algn="l"/>
+                <a:tab pos="2903734" algn="l"/>
+                <a:tab pos="3318764" algn="l"/>
+                <a:tab pos="3733792" algn="l"/>
+                <a:tab pos="4148821" algn="l"/>
+                <a:tab pos="4563849" algn="l"/>
+                <a:tab pos="4978878" algn="l"/>
+                <a:tab pos="5393907" algn="l"/>
+                <a:tab pos="5808936" algn="l"/>
+                <a:tab pos="6223964" algn="l"/>
+                <a:tab pos="6638993" algn="l"/>
+                <a:tab pos="7054021" algn="l"/>
+                <a:tab pos="7469050" algn="l"/>
+                <a:tab pos="7884079" algn="l"/>
+                <a:tab pos="8299108" algn="l"/>
               </a:tabLst>
               <a:defRPr>
                 <a:solidFill>
@@ -1552,7 +2182,7 @@
           </a:lstStyle>
           <a:p>
             <a:pPr eaLnBrk="1"/>
-            <a:fld id="{4A2936C6-3399-4191-A4CC-52EB76289D0E}" type="slidenum">
+            <a:fld id="{886F6A5C-9F7B-452E-A91E-51D9238F4CFC}" type="slidenum">
               <a:rPr lang="en-US" smtClean="0">
                 <a:solidFill>
                   <a:srgbClr val="000000"/>
@@ -1560,7 +2190,7 @@
                 <a:latin typeface="Times New Roman" pitchFamily="16" charset="0"/>
               </a:rPr>
               <a:pPr eaLnBrk="1"/>
-              <a:t>2</a:t>
+              <a:t>16</a:t>
             </a:fld>
             <a:endParaRPr lang="en-US" smtClean="0">
               <a:solidFill>
@@ -1573,9 +2203,9 @@
       </p:sp>
       <p:sp>
         <p:nvSpPr>
-          <p:cNvPr id="23555" name="Rectangle 1"/>
+          <p:cNvPr id="31747" name="Rectangle 1"/>
           <p:cNvSpPr>
-            <a:spLocks noChangeArrowheads="1" noTextEdit="1"/>
+            <a:spLocks noGrp="1" noRot="1" noChangeAspect="1" noChangeArrowheads="1" noTextEdit="1"/>
           </p:cNvSpPr>
           <p:nvPr>
             <p:ph type="sldImg"/>
@@ -1583,8 +2213,8 @@
         </p:nvSpPr>
         <p:spPr>
           <a:xfrm>
-            <a:off x="1106488" y="812800"/>
-            <a:ext cx="5345112" cy="4008438"/>
+            <a:off x="936625" y="760413"/>
+            <a:ext cx="4992688" cy="3746500"/>
           </a:xfrm>
           <a:solidFill>
             <a:srgbClr val="FFFFFF"/>
@@ -1612,9 +2242,9 @@
       </p:sp>
       <p:sp>
         <p:nvSpPr>
-          <p:cNvPr id="23556" name="Rectangle 2"/>
+          <p:cNvPr id="31748" name="Rectangle 2"/>
           <p:cNvSpPr>
-            <a:spLocks noChangeArrowheads="1"/>
+            <a:spLocks noGrp="1" noChangeArrowheads="1"/>
           </p:cNvSpPr>
           <p:nvPr>
             <p:ph type="body" idx="1"/>
@@ -1622,8 +2252,8 @@
         </p:nvSpPr>
         <p:spPr>
           <a:xfrm>
-            <a:off x="755650" y="5078413"/>
-            <a:ext cx="6048375" cy="4811712"/>
+            <a:off x="686464" y="4747392"/>
+            <a:ext cx="5494597" cy="4498075"/>
           </a:xfrm>
           <a:noFill/>
           <a:extLst>
@@ -1681,7 +2311,7 @@
       </p:grpSpPr>
       <p:sp>
         <p:nvSpPr>
-          <p:cNvPr id="24578" name="Rectangle 7"/>
+          <p:cNvPr id="23554" name="Rectangle 7"/>
           <p:cNvSpPr>
             <a:spLocks noGrp="1" noChangeArrowheads="1"/>
           </p:cNvSpPr>
@@ -1698,26 +2328,26 @@
             <a:lvl1pPr eaLnBrk="0">
               <a:tabLst>
                 <a:tab pos="0" algn="l"/>
-                <a:tab pos="447675" algn="l"/>
-                <a:tab pos="896938" algn="l"/>
-                <a:tab pos="1346200" algn="l"/>
-                <a:tab pos="1795463" algn="l"/>
-                <a:tab pos="2244725" algn="l"/>
-                <a:tab pos="2693988" algn="l"/>
-                <a:tab pos="3143250" algn="l"/>
-                <a:tab pos="3592513" algn="l"/>
-                <a:tab pos="4041775" algn="l"/>
-                <a:tab pos="4491038" algn="l"/>
-                <a:tab pos="4940300" algn="l"/>
-                <a:tab pos="5389563" algn="l"/>
-                <a:tab pos="5838825" algn="l"/>
-                <a:tab pos="6288088" algn="l"/>
-                <a:tab pos="6737350" algn="l"/>
-                <a:tab pos="7186613" algn="l"/>
-                <a:tab pos="7635875" algn="l"/>
-                <a:tab pos="8085138" algn="l"/>
-                <a:tab pos="8534400" algn="l"/>
-                <a:tab pos="8983663" algn="l"/>
+                <a:tab pos="413562" algn="l"/>
+                <a:tab pos="828591" algn="l"/>
+                <a:tab pos="1243620" algn="l"/>
+                <a:tab pos="1658649" algn="l"/>
+                <a:tab pos="2073677" algn="l"/>
+                <a:tab pos="2488706" algn="l"/>
+                <a:tab pos="2903734" algn="l"/>
+                <a:tab pos="3318764" algn="l"/>
+                <a:tab pos="3733792" algn="l"/>
+                <a:tab pos="4148821" algn="l"/>
+                <a:tab pos="4563849" algn="l"/>
+                <a:tab pos="4978878" algn="l"/>
+                <a:tab pos="5393907" algn="l"/>
+                <a:tab pos="5808936" algn="l"/>
+                <a:tab pos="6223964" algn="l"/>
+                <a:tab pos="6638993" algn="l"/>
+                <a:tab pos="7054021" algn="l"/>
+                <a:tab pos="7469050" algn="l"/>
+                <a:tab pos="7884079" algn="l"/>
+                <a:tab pos="8299108" algn="l"/>
               </a:tabLst>
               <a:defRPr>
                 <a:solidFill>
@@ -1730,26 +2360,26 @@
             <a:lvl2pPr eaLnBrk="0">
               <a:tabLst>
                 <a:tab pos="0" algn="l"/>
-                <a:tab pos="447675" algn="l"/>
-                <a:tab pos="896938" algn="l"/>
-                <a:tab pos="1346200" algn="l"/>
-                <a:tab pos="1795463" algn="l"/>
-                <a:tab pos="2244725" algn="l"/>
-                <a:tab pos="2693988" algn="l"/>
-                <a:tab pos="3143250" algn="l"/>
-                <a:tab pos="3592513" algn="l"/>
-                <a:tab pos="4041775" algn="l"/>
-                <a:tab pos="4491038" algn="l"/>
-                <a:tab pos="4940300" algn="l"/>
-                <a:tab pos="5389563" algn="l"/>
-                <a:tab pos="5838825" algn="l"/>
-                <a:tab pos="6288088" algn="l"/>
-                <a:tab pos="6737350" algn="l"/>
-                <a:tab pos="7186613" algn="l"/>
-                <a:tab pos="7635875" algn="l"/>
-                <a:tab pos="8085138" algn="l"/>
-                <a:tab pos="8534400" algn="l"/>
-                <a:tab pos="8983663" algn="l"/>
+                <a:tab pos="413562" algn="l"/>
+                <a:tab pos="828591" algn="l"/>
+                <a:tab pos="1243620" algn="l"/>
+                <a:tab pos="1658649" algn="l"/>
+                <a:tab pos="2073677" algn="l"/>
+                <a:tab pos="2488706" algn="l"/>
+                <a:tab pos="2903734" algn="l"/>
+                <a:tab pos="3318764" algn="l"/>
+                <a:tab pos="3733792" algn="l"/>
+                <a:tab pos="4148821" algn="l"/>
+                <a:tab pos="4563849" algn="l"/>
+                <a:tab pos="4978878" algn="l"/>
+                <a:tab pos="5393907" algn="l"/>
+                <a:tab pos="5808936" algn="l"/>
+                <a:tab pos="6223964" algn="l"/>
+                <a:tab pos="6638993" algn="l"/>
+                <a:tab pos="7054021" algn="l"/>
+                <a:tab pos="7469050" algn="l"/>
+                <a:tab pos="7884079" algn="l"/>
+                <a:tab pos="8299108" algn="l"/>
               </a:tabLst>
               <a:defRPr>
                 <a:solidFill>
@@ -1762,26 +2392,26 @@
             <a:lvl3pPr eaLnBrk="0">
               <a:tabLst>
                 <a:tab pos="0" algn="l"/>
-                <a:tab pos="447675" algn="l"/>
-                <a:tab pos="896938" algn="l"/>
-                <a:tab pos="1346200" algn="l"/>
-                <a:tab pos="1795463" algn="l"/>
-                <a:tab pos="2244725" algn="l"/>
-                <a:tab pos="2693988" algn="l"/>
-                <a:tab pos="3143250" algn="l"/>
-                <a:tab pos="3592513" algn="l"/>
-                <a:tab pos="4041775" algn="l"/>
-                <a:tab pos="4491038" algn="l"/>
-                <a:tab pos="4940300" algn="l"/>
-                <a:tab pos="5389563" algn="l"/>
-                <a:tab pos="5838825" algn="l"/>
-                <a:tab pos="6288088" algn="l"/>
-                <a:tab pos="6737350" algn="l"/>
-                <a:tab pos="7186613" algn="l"/>
-                <a:tab pos="7635875" algn="l"/>
-                <a:tab pos="8085138" algn="l"/>
-                <a:tab pos="8534400" algn="l"/>
-                <a:tab pos="8983663" algn="l"/>
+                <a:tab pos="413562" algn="l"/>
+                <a:tab pos="828591" algn="l"/>
+                <a:tab pos="1243620" algn="l"/>
+                <a:tab pos="1658649" algn="l"/>
+                <a:tab pos="2073677" algn="l"/>
+                <a:tab pos="2488706" algn="l"/>
+                <a:tab pos="2903734" algn="l"/>
+                <a:tab pos="3318764" algn="l"/>
+                <a:tab pos="3733792" algn="l"/>
+                <a:tab pos="4148821" algn="l"/>
+                <a:tab pos="4563849" algn="l"/>
+                <a:tab pos="4978878" algn="l"/>
+                <a:tab pos="5393907" algn="l"/>
+                <a:tab pos="5808936" algn="l"/>
+                <a:tab pos="6223964" algn="l"/>
+                <a:tab pos="6638993" algn="l"/>
+                <a:tab pos="7054021" algn="l"/>
+                <a:tab pos="7469050" algn="l"/>
+                <a:tab pos="7884079" algn="l"/>
+                <a:tab pos="8299108" algn="l"/>
               </a:tabLst>
               <a:defRPr>
                 <a:solidFill>
@@ -1794,26 +2424,26 @@
             <a:lvl4pPr eaLnBrk="0">
               <a:tabLst>
                 <a:tab pos="0" algn="l"/>
-                <a:tab pos="447675" algn="l"/>
-                <a:tab pos="896938" algn="l"/>
-                <a:tab pos="1346200" algn="l"/>
-                <a:tab pos="1795463" algn="l"/>
-                <a:tab pos="2244725" algn="l"/>
-                <a:tab pos="2693988" algn="l"/>
-                <a:tab pos="3143250" algn="l"/>
-                <a:tab pos="3592513" algn="l"/>
-                <a:tab pos="4041775" algn="l"/>
-                <a:tab pos="4491038" algn="l"/>
-                <a:tab pos="4940300" algn="l"/>
-                <a:tab pos="5389563" algn="l"/>
-                <a:tab pos="5838825" algn="l"/>
-                <a:tab pos="6288088" algn="l"/>
-                <a:tab pos="6737350" algn="l"/>
-                <a:tab pos="7186613" algn="l"/>
-                <a:tab pos="7635875" algn="l"/>
-                <a:tab pos="8085138" algn="l"/>
-                <a:tab pos="8534400" algn="l"/>
-                <a:tab pos="8983663" algn="l"/>
+                <a:tab pos="413562" algn="l"/>
+                <a:tab pos="828591" algn="l"/>
+                <a:tab pos="1243620" algn="l"/>
+                <a:tab pos="1658649" algn="l"/>
+                <a:tab pos="2073677" algn="l"/>
+                <a:tab pos="2488706" algn="l"/>
+                <a:tab pos="2903734" algn="l"/>
+                <a:tab pos="3318764" algn="l"/>
+                <a:tab pos="3733792" algn="l"/>
+                <a:tab pos="4148821" algn="l"/>
+                <a:tab pos="4563849" algn="l"/>
+                <a:tab pos="4978878" algn="l"/>
+                <a:tab pos="5393907" algn="l"/>
+                <a:tab pos="5808936" algn="l"/>
+                <a:tab pos="6223964" algn="l"/>
+                <a:tab pos="6638993" algn="l"/>
+                <a:tab pos="7054021" algn="l"/>
+                <a:tab pos="7469050" algn="l"/>
+                <a:tab pos="7884079" algn="l"/>
+                <a:tab pos="8299108" algn="l"/>
               </a:tabLst>
               <a:defRPr>
                 <a:solidFill>
@@ -1826,26 +2456,26 @@
             <a:lvl5pPr eaLnBrk="0">
               <a:tabLst>
                 <a:tab pos="0" algn="l"/>
-                <a:tab pos="447675" algn="l"/>
-                <a:tab pos="896938" algn="l"/>
-                <a:tab pos="1346200" algn="l"/>
-                <a:tab pos="1795463" algn="l"/>
-                <a:tab pos="2244725" algn="l"/>
-                <a:tab pos="2693988" algn="l"/>
-                <a:tab pos="3143250" algn="l"/>
-                <a:tab pos="3592513" algn="l"/>
-                <a:tab pos="4041775" algn="l"/>
-                <a:tab pos="4491038" algn="l"/>
-                <a:tab pos="4940300" algn="l"/>
-                <a:tab pos="5389563" algn="l"/>
-                <a:tab pos="5838825" algn="l"/>
-                <a:tab pos="6288088" algn="l"/>
-                <a:tab pos="6737350" algn="l"/>
-                <a:tab pos="7186613" algn="l"/>
-                <a:tab pos="7635875" algn="l"/>
-                <a:tab pos="8085138" algn="l"/>
-                <a:tab pos="8534400" algn="l"/>
-                <a:tab pos="8983663" algn="l"/>
+                <a:tab pos="413562" algn="l"/>
+                <a:tab pos="828591" algn="l"/>
+                <a:tab pos="1243620" algn="l"/>
+                <a:tab pos="1658649" algn="l"/>
+                <a:tab pos="2073677" algn="l"/>
+                <a:tab pos="2488706" algn="l"/>
+                <a:tab pos="2903734" algn="l"/>
+                <a:tab pos="3318764" algn="l"/>
+                <a:tab pos="3733792" algn="l"/>
+                <a:tab pos="4148821" algn="l"/>
+                <a:tab pos="4563849" algn="l"/>
+                <a:tab pos="4978878" algn="l"/>
+                <a:tab pos="5393907" algn="l"/>
+                <a:tab pos="5808936" algn="l"/>
+                <a:tab pos="6223964" algn="l"/>
+                <a:tab pos="6638993" algn="l"/>
+                <a:tab pos="7054021" algn="l"/>
+                <a:tab pos="7469050" algn="l"/>
+                <a:tab pos="7884079" algn="l"/>
+                <a:tab pos="8299108" algn="l"/>
               </a:tabLst>
               <a:defRPr>
                 <a:solidFill>
@@ -1855,7 +2485,7 @@
                 <a:cs typeface="Arial Unicode MS" charset="0"/>
               </a:defRPr>
             </a:lvl5pPr>
-            <a:lvl6pPr marL="2514600" indent="-228600" defTabSz="449263" eaLnBrk="0" fontAlgn="base" hangingPunct="0">
+            <a:lvl6pPr marL="2322987" indent="-211181" defTabSz="415029" eaLnBrk="0" fontAlgn="base" hangingPunct="0">
               <a:lnSpc>
                 <a:spcPct val="93000"/>
               </a:lnSpc>
@@ -1872,26 +2502,26 @@
               <a:buFont typeface="Times New Roman" pitchFamily="16" charset="0"/>
               <a:tabLst>
                 <a:tab pos="0" algn="l"/>
-                <a:tab pos="447675" algn="l"/>
-                <a:tab pos="896938" algn="l"/>
-                <a:tab pos="1346200" algn="l"/>
-                <a:tab pos="1795463" algn="l"/>
-                <a:tab pos="2244725" algn="l"/>
-                <a:tab pos="2693988" algn="l"/>
-                <a:tab pos="3143250" algn="l"/>
-                <a:tab pos="3592513" algn="l"/>
-                <a:tab pos="4041775" algn="l"/>
-                <a:tab pos="4491038" algn="l"/>
-                <a:tab pos="4940300" algn="l"/>
-                <a:tab pos="5389563" algn="l"/>
-                <a:tab pos="5838825" algn="l"/>
-                <a:tab pos="6288088" algn="l"/>
-                <a:tab pos="6737350" algn="l"/>
-                <a:tab pos="7186613" algn="l"/>
-                <a:tab pos="7635875" algn="l"/>
-                <a:tab pos="8085138" algn="l"/>
-                <a:tab pos="8534400" algn="l"/>
-                <a:tab pos="8983663" algn="l"/>
+                <a:tab pos="413562" algn="l"/>
+                <a:tab pos="828591" algn="l"/>
+                <a:tab pos="1243620" algn="l"/>
+                <a:tab pos="1658649" algn="l"/>
+                <a:tab pos="2073677" algn="l"/>
+                <a:tab pos="2488706" algn="l"/>
+                <a:tab pos="2903734" algn="l"/>
+                <a:tab pos="3318764" algn="l"/>
+                <a:tab pos="3733792" algn="l"/>
+                <a:tab pos="4148821" algn="l"/>
+                <a:tab pos="4563849" algn="l"/>
+                <a:tab pos="4978878" algn="l"/>
+                <a:tab pos="5393907" algn="l"/>
+                <a:tab pos="5808936" algn="l"/>
+                <a:tab pos="6223964" algn="l"/>
+                <a:tab pos="6638993" algn="l"/>
+                <a:tab pos="7054021" algn="l"/>
+                <a:tab pos="7469050" algn="l"/>
+                <a:tab pos="7884079" algn="l"/>
+                <a:tab pos="8299108" algn="l"/>
               </a:tabLst>
               <a:defRPr>
                 <a:solidFill>
@@ -1901,7 +2531,7 @@
                 <a:cs typeface="Arial Unicode MS" charset="0"/>
               </a:defRPr>
             </a:lvl6pPr>
-            <a:lvl7pPr marL="2971800" indent="-228600" defTabSz="449263" eaLnBrk="0" fontAlgn="base" hangingPunct="0">
+            <a:lvl7pPr marL="2745349" indent="-211181" defTabSz="415029" eaLnBrk="0" fontAlgn="base" hangingPunct="0">
               <a:lnSpc>
                 <a:spcPct val="93000"/>
               </a:lnSpc>
@@ -1918,26 +2548,26 @@
               <a:buFont typeface="Times New Roman" pitchFamily="16" charset="0"/>
               <a:tabLst>
                 <a:tab pos="0" algn="l"/>
-                <a:tab pos="447675" algn="l"/>
-                <a:tab pos="896938" algn="l"/>
-                <a:tab pos="1346200" algn="l"/>
-                <a:tab pos="1795463" algn="l"/>
-                <a:tab pos="2244725" algn="l"/>
-                <a:tab pos="2693988" algn="l"/>
-                <a:tab pos="3143250" algn="l"/>
-                <a:tab pos="3592513" algn="l"/>
-                <a:tab pos="4041775" algn="l"/>
-                <a:tab pos="4491038" algn="l"/>
-                <a:tab pos="4940300" algn="l"/>
-                <a:tab pos="5389563" algn="l"/>
-                <a:tab pos="5838825" algn="l"/>
-                <a:tab pos="6288088" algn="l"/>
-                <a:tab pos="6737350" algn="l"/>
-                <a:tab pos="7186613" algn="l"/>
-                <a:tab pos="7635875" algn="l"/>
-                <a:tab pos="8085138" algn="l"/>
-                <a:tab pos="8534400" algn="l"/>
-                <a:tab pos="8983663" algn="l"/>
+                <a:tab pos="413562" algn="l"/>
+                <a:tab pos="828591" algn="l"/>
+                <a:tab pos="1243620" algn="l"/>
+                <a:tab pos="1658649" algn="l"/>
+                <a:tab pos="2073677" algn="l"/>
+                <a:tab pos="2488706" algn="l"/>
+                <a:tab pos="2903734" algn="l"/>
+                <a:tab pos="3318764" algn="l"/>
+                <a:tab pos="3733792" algn="l"/>
+                <a:tab pos="4148821" algn="l"/>
+                <a:tab pos="4563849" algn="l"/>
+                <a:tab pos="4978878" algn="l"/>
+                <a:tab pos="5393907" algn="l"/>
+                <a:tab pos="5808936" algn="l"/>
+                <a:tab pos="6223964" algn="l"/>
+                <a:tab pos="6638993" algn="l"/>
+                <a:tab pos="7054021" algn="l"/>
+                <a:tab pos="7469050" algn="l"/>
+                <a:tab pos="7884079" algn="l"/>
+                <a:tab pos="8299108" algn="l"/>
               </a:tabLst>
               <a:defRPr>
                 <a:solidFill>
@@ -1947,7 +2577,7 @@
                 <a:cs typeface="Arial Unicode MS" charset="0"/>
               </a:defRPr>
             </a:lvl7pPr>
-            <a:lvl8pPr marL="3429000" indent="-228600" defTabSz="449263" eaLnBrk="0" fontAlgn="base" hangingPunct="0">
+            <a:lvl8pPr marL="3167710" indent="-211181" defTabSz="415029" eaLnBrk="0" fontAlgn="base" hangingPunct="0">
               <a:lnSpc>
                 <a:spcPct val="93000"/>
               </a:lnSpc>
@@ -1964,26 +2594,26 @@
               <a:buFont typeface="Times New Roman" pitchFamily="16" charset="0"/>
               <a:tabLst>
                 <a:tab pos="0" algn="l"/>
-                <a:tab pos="447675" algn="l"/>
-                <a:tab pos="896938" algn="l"/>
-                <a:tab pos="1346200" algn="l"/>
-                <a:tab pos="1795463" algn="l"/>
-                <a:tab pos="2244725" algn="l"/>
-                <a:tab pos="2693988" algn="l"/>
-                <a:tab pos="3143250" algn="l"/>
-                <a:tab pos="3592513" algn="l"/>
-                <a:tab pos="4041775" algn="l"/>
-                <a:tab pos="4491038" algn="l"/>
-                <a:tab pos="4940300" algn="l"/>
-                <a:tab pos="5389563" algn="l"/>
-                <a:tab pos="5838825" algn="l"/>
-                <a:tab pos="6288088" algn="l"/>
-                <a:tab pos="6737350" algn="l"/>
-                <a:tab pos="7186613" algn="l"/>
-                <a:tab pos="7635875" algn="l"/>
-                <a:tab pos="8085138" algn="l"/>
-                <a:tab pos="8534400" algn="l"/>
-                <a:tab pos="8983663" algn="l"/>
+                <a:tab pos="413562" algn="l"/>
+                <a:tab pos="828591" algn="l"/>
+                <a:tab pos="1243620" algn="l"/>
+                <a:tab pos="1658649" algn="l"/>
+                <a:tab pos="2073677" algn="l"/>
+                <a:tab pos="2488706" algn="l"/>
+                <a:tab pos="2903734" algn="l"/>
+                <a:tab pos="3318764" algn="l"/>
+                <a:tab pos="3733792" algn="l"/>
+                <a:tab pos="4148821" algn="l"/>
+                <a:tab pos="4563849" algn="l"/>
+                <a:tab pos="4978878" algn="l"/>
+                <a:tab pos="5393907" algn="l"/>
+                <a:tab pos="5808936" algn="l"/>
+                <a:tab pos="6223964" algn="l"/>
+                <a:tab pos="6638993" algn="l"/>
+                <a:tab pos="7054021" algn="l"/>
+                <a:tab pos="7469050" algn="l"/>
+                <a:tab pos="7884079" algn="l"/>
+                <a:tab pos="8299108" algn="l"/>
               </a:tabLst>
               <a:defRPr>
                 <a:solidFill>
@@ -1993,7 +2623,7 @@
                 <a:cs typeface="Arial Unicode MS" charset="0"/>
               </a:defRPr>
             </a:lvl8pPr>
-            <a:lvl9pPr marL="3886200" indent="-228600" defTabSz="449263" eaLnBrk="0" fontAlgn="base" hangingPunct="0">
+            <a:lvl9pPr marL="3590072" indent="-211181" defTabSz="415029" eaLnBrk="0" fontAlgn="base" hangingPunct="0">
               <a:lnSpc>
                 <a:spcPct val="93000"/>
               </a:lnSpc>
@@ -2010,26 +2640,26 @@
               <a:buFont typeface="Times New Roman" pitchFamily="16" charset="0"/>
               <a:tabLst>
                 <a:tab pos="0" algn="l"/>
-                <a:tab pos="447675" algn="l"/>
-                <a:tab pos="896938" algn="l"/>
-                <a:tab pos="1346200" algn="l"/>
-                <a:tab pos="1795463" algn="l"/>
-                <a:tab pos="2244725" algn="l"/>
-                <a:tab pos="2693988" algn="l"/>
-                <a:tab pos="3143250" algn="l"/>
-                <a:tab pos="3592513" algn="l"/>
-                <a:tab pos="4041775" algn="l"/>
-                <a:tab pos="4491038" algn="l"/>
-                <a:tab pos="4940300" algn="l"/>
-                <a:tab pos="5389563" algn="l"/>
-                <a:tab pos="5838825" algn="l"/>
-                <a:tab pos="6288088" algn="l"/>
-                <a:tab pos="6737350" algn="l"/>
-                <a:tab pos="7186613" algn="l"/>
-                <a:tab pos="7635875" algn="l"/>
-                <a:tab pos="8085138" algn="l"/>
-                <a:tab pos="8534400" algn="l"/>
-                <a:tab pos="8983663" algn="l"/>
+                <a:tab pos="413562" algn="l"/>
+                <a:tab pos="828591" algn="l"/>
+                <a:tab pos="1243620" algn="l"/>
+                <a:tab pos="1658649" algn="l"/>
+                <a:tab pos="2073677" algn="l"/>
+                <a:tab pos="2488706" algn="l"/>
+                <a:tab pos="2903734" algn="l"/>
+                <a:tab pos="3318764" algn="l"/>
+                <a:tab pos="3733792" algn="l"/>
+                <a:tab pos="4148821" algn="l"/>
+                <a:tab pos="4563849" algn="l"/>
+                <a:tab pos="4978878" algn="l"/>
+                <a:tab pos="5393907" algn="l"/>
+                <a:tab pos="5808936" algn="l"/>
+                <a:tab pos="6223964" algn="l"/>
+                <a:tab pos="6638993" algn="l"/>
+                <a:tab pos="7054021" algn="l"/>
+                <a:tab pos="7469050" algn="l"/>
+                <a:tab pos="7884079" algn="l"/>
+                <a:tab pos="8299108" algn="l"/>
               </a:tabLst>
               <a:defRPr>
                 <a:solidFill>
@@ -2042,7 +2672,7 @@
           </a:lstStyle>
           <a:p>
             <a:pPr eaLnBrk="1"/>
-            <a:fld id="{8D8DF010-39A0-4CBD-83B1-1C08E3426314}" type="slidenum">
+            <a:fld id="{4A2936C6-3399-4191-A4CC-52EB76289D0E}" type="slidenum">
               <a:rPr lang="en-US" smtClean="0">
                 <a:solidFill>
                   <a:srgbClr val="000000"/>
@@ -2050,7 +2680,7 @@
                 <a:latin typeface="Times New Roman" pitchFamily="16" charset="0"/>
               </a:rPr>
               <a:pPr eaLnBrk="1"/>
-              <a:t>3</a:t>
+              <a:t>2</a:t>
             </a:fld>
             <a:endParaRPr lang="en-US" smtClean="0">
               <a:solidFill>
@@ -2063,9 +2693,9 @@
       </p:sp>
       <p:sp>
         <p:nvSpPr>
-          <p:cNvPr id="24579" name="Rectangle 1"/>
+          <p:cNvPr id="23555" name="Rectangle 1"/>
           <p:cNvSpPr>
-            <a:spLocks noChangeArrowheads="1" noTextEdit="1"/>
+            <a:spLocks noGrp="1" noRot="1" noChangeAspect="1" noChangeArrowheads="1" noTextEdit="1"/>
           </p:cNvSpPr>
           <p:nvPr>
             <p:ph type="sldImg"/>
@@ -2073,8 +2703,8 @@
         </p:nvSpPr>
         <p:spPr>
           <a:xfrm>
-            <a:off x="1106488" y="812800"/>
-            <a:ext cx="5345112" cy="4008438"/>
+            <a:off x="936625" y="760413"/>
+            <a:ext cx="4992688" cy="3746500"/>
           </a:xfrm>
           <a:solidFill>
             <a:srgbClr val="FFFFFF"/>
@@ -2102,9 +2732,9 @@
       </p:sp>
       <p:sp>
         <p:nvSpPr>
-          <p:cNvPr id="24580" name="Rectangle 2"/>
+          <p:cNvPr id="23556" name="Rectangle 2"/>
           <p:cNvSpPr>
-            <a:spLocks noChangeArrowheads="1"/>
+            <a:spLocks noGrp="1" noChangeArrowheads="1"/>
           </p:cNvSpPr>
           <p:nvPr>
             <p:ph type="body" idx="1"/>
@@ -2112,8 +2742,8 @@
         </p:nvSpPr>
         <p:spPr>
           <a:xfrm>
-            <a:off x="755650" y="5078413"/>
-            <a:ext cx="6048375" cy="4811712"/>
+            <a:off x="686464" y="4747392"/>
+            <a:ext cx="5494597" cy="4498075"/>
           </a:xfrm>
           <a:noFill/>
           <a:extLst>
@@ -2188,26 +2818,26 @@
             <a:lvl1pPr eaLnBrk="0">
               <a:tabLst>
                 <a:tab pos="0" algn="l"/>
-                <a:tab pos="447675" algn="l"/>
-                <a:tab pos="896938" algn="l"/>
-                <a:tab pos="1346200" algn="l"/>
-                <a:tab pos="1795463" algn="l"/>
-                <a:tab pos="2244725" algn="l"/>
-                <a:tab pos="2693988" algn="l"/>
-                <a:tab pos="3143250" algn="l"/>
-                <a:tab pos="3592513" algn="l"/>
-                <a:tab pos="4041775" algn="l"/>
-                <a:tab pos="4491038" algn="l"/>
-                <a:tab pos="4940300" algn="l"/>
-                <a:tab pos="5389563" algn="l"/>
-                <a:tab pos="5838825" algn="l"/>
-                <a:tab pos="6288088" algn="l"/>
-                <a:tab pos="6737350" algn="l"/>
-                <a:tab pos="7186613" algn="l"/>
-                <a:tab pos="7635875" algn="l"/>
-                <a:tab pos="8085138" algn="l"/>
-                <a:tab pos="8534400" algn="l"/>
-                <a:tab pos="8983663" algn="l"/>
+                <a:tab pos="413562" algn="l"/>
+                <a:tab pos="828591" algn="l"/>
+                <a:tab pos="1243620" algn="l"/>
+                <a:tab pos="1658649" algn="l"/>
+                <a:tab pos="2073677" algn="l"/>
+                <a:tab pos="2488706" algn="l"/>
+                <a:tab pos="2903734" algn="l"/>
+                <a:tab pos="3318764" algn="l"/>
+                <a:tab pos="3733792" algn="l"/>
+                <a:tab pos="4148821" algn="l"/>
+                <a:tab pos="4563849" algn="l"/>
+                <a:tab pos="4978878" algn="l"/>
+                <a:tab pos="5393907" algn="l"/>
+                <a:tab pos="5808936" algn="l"/>
+                <a:tab pos="6223964" algn="l"/>
+                <a:tab pos="6638993" algn="l"/>
+                <a:tab pos="7054021" algn="l"/>
+                <a:tab pos="7469050" algn="l"/>
+                <a:tab pos="7884079" algn="l"/>
+                <a:tab pos="8299108" algn="l"/>
               </a:tabLst>
               <a:defRPr>
                 <a:solidFill>
@@ -2220,26 +2850,26 @@
             <a:lvl2pPr eaLnBrk="0">
               <a:tabLst>
                 <a:tab pos="0" algn="l"/>
-                <a:tab pos="447675" algn="l"/>
-                <a:tab pos="896938" algn="l"/>
-                <a:tab pos="1346200" algn="l"/>
-                <a:tab pos="1795463" algn="l"/>
-                <a:tab pos="2244725" algn="l"/>
-                <a:tab pos="2693988" algn="l"/>
-                <a:tab pos="3143250" algn="l"/>
-                <a:tab pos="3592513" algn="l"/>
-                <a:tab pos="4041775" algn="l"/>
-                <a:tab pos="4491038" algn="l"/>
-                <a:tab pos="4940300" algn="l"/>
-                <a:tab pos="5389563" algn="l"/>
-                <a:tab pos="5838825" algn="l"/>
-                <a:tab pos="6288088" algn="l"/>
-                <a:tab pos="6737350" algn="l"/>
-                <a:tab pos="7186613" algn="l"/>
-                <a:tab pos="7635875" algn="l"/>
-                <a:tab pos="8085138" algn="l"/>
-                <a:tab pos="8534400" algn="l"/>
-                <a:tab pos="8983663" algn="l"/>
+                <a:tab pos="413562" algn="l"/>
+                <a:tab pos="828591" algn="l"/>
+                <a:tab pos="1243620" algn="l"/>
+                <a:tab pos="1658649" algn="l"/>
+                <a:tab pos="2073677" algn="l"/>
+                <a:tab pos="2488706" algn="l"/>
+                <a:tab pos="2903734" algn="l"/>
+                <a:tab pos="3318764" algn="l"/>
+                <a:tab pos="3733792" algn="l"/>
+                <a:tab pos="4148821" algn="l"/>
+                <a:tab pos="4563849" algn="l"/>
+                <a:tab pos="4978878" algn="l"/>
+                <a:tab pos="5393907" algn="l"/>
+                <a:tab pos="5808936" algn="l"/>
+                <a:tab pos="6223964" algn="l"/>
+                <a:tab pos="6638993" algn="l"/>
+                <a:tab pos="7054021" algn="l"/>
+                <a:tab pos="7469050" algn="l"/>
+                <a:tab pos="7884079" algn="l"/>
+                <a:tab pos="8299108" algn="l"/>
               </a:tabLst>
               <a:defRPr>
                 <a:solidFill>
@@ -2252,26 +2882,26 @@
             <a:lvl3pPr eaLnBrk="0">
               <a:tabLst>
                 <a:tab pos="0" algn="l"/>
-                <a:tab pos="447675" algn="l"/>
-                <a:tab pos="896938" algn="l"/>
-                <a:tab pos="1346200" algn="l"/>
-                <a:tab pos="1795463" algn="l"/>
-                <a:tab pos="2244725" algn="l"/>
-                <a:tab pos="2693988" algn="l"/>
-                <a:tab pos="3143250" algn="l"/>
-                <a:tab pos="3592513" algn="l"/>
-                <a:tab pos="4041775" algn="l"/>
-                <a:tab pos="4491038" algn="l"/>
-                <a:tab pos="4940300" algn="l"/>
-                <a:tab pos="5389563" algn="l"/>
-                <a:tab pos="5838825" algn="l"/>
-                <a:tab pos="6288088" algn="l"/>
-                <a:tab pos="6737350" algn="l"/>
-                <a:tab pos="7186613" algn="l"/>
-                <a:tab pos="7635875" algn="l"/>
-                <a:tab pos="8085138" algn="l"/>
-                <a:tab pos="8534400" algn="l"/>
-                <a:tab pos="8983663" algn="l"/>
+                <a:tab pos="413562" algn="l"/>
+                <a:tab pos="828591" algn="l"/>
+                <a:tab pos="1243620" algn="l"/>
+                <a:tab pos="1658649" algn="l"/>
+                <a:tab pos="2073677" algn="l"/>
+                <a:tab pos="2488706" algn="l"/>
+                <a:tab pos="2903734" algn="l"/>
+                <a:tab pos="3318764" algn="l"/>
+                <a:tab pos="3733792" algn="l"/>
+                <a:tab pos="4148821" algn="l"/>
+                <a:tab pos="4563849" algn="l"/>
+                <a:tab pos="4978878" algn="l"/>
+                <a:tab pos="5393907" algn="l"/>
+                <a:tab pos="5808936" algn="l"/>
+                <a:tab pos="6223964" algn="l"/>
+                <a:tab pos="6638993" algn="l"/>
+                <a:tab pos="7054021" algn="l"/>
+                <a:tab pos="7469050" algn="l"/>
+                <a:tab pos="7884079" algn="l"/>
+                <a:tab pos="8299108" algn="l"/>
               </a:tabLst>
               <a:defRPr>
                 <a:solidFill>
@@ -2284,26 +2914,26 @@
             <a:lvl4pPr eaLnBrk="0">
               <a:tabLst>
                 <a:tab pos="0" algn="l"/>
-                <a:tab pos="447675" algn="l"/>
-                <a:tab pos="896938" algn="l"/>
-                <a:tab pos="1346200" algn="l"/>
-                <a:tab pos="1795463" algn="l"/>
-                <a:tab pos="2244725" algn="l"/>
-                <a:tab pos="2693988" algn="l"/>
-                <a:tab pos="3143250" algn="l"/>
-                <a:tab pos="3592513" algn="l"/>
-                <a:tab pos="4041775" algn="l"/>
-                <a:tab pos="4491038" algn="l"/>
-                <a:tab pos="4940300" algn="l"/>
-                <a:tab pos="5389563" algn="l"/>
-                <a:tab pos="5838825" algn="l"/>
-                <a:tab pos="6288088" algn="l"/>
-                <a:tab pos="6737350" algn="l"/>
-                <a:tab pos="7186613" algn="l"/>
-                <a:tab pos="7635875" algn="l"/>
-                <a:tab pos="8085138" algn="l"/>
-                <a:tab pos="8534400" algn="l"/>
-                <a:tab pos="8983663" algn="l"/>
+                <a:tab pos="413562" algn="l"/>
+                <a:tab pos="828591" algn="l"/>
+                <a:tab pos="1243620" algn="l"/>
+                <a:tab pos="1658649" algn="l"/>
+                <a:tab pos="2073677" algn="l"/>
+                <a:tab pos="2488706" algn="l"/>
+                <a:tab pos="2903734" algn="l"/>
+                <a:tab pos="3318764" algn="l"/>
+                <a:tab pos="3733792" algn="l"/>
+                <a:tab pos="4148821" algn="l"/>
+                <a:tab pos="4563849" algn="l"/>
+                <a:tab pos="4978878" algn="l"/>
+                <a:tab pos="5393907" algn="l"/>
+                <a:tab pos="5808936" algn="l"/>
+                <a:tab pos="6223964" algn="l"/>
+                <a:tab pos="6638993" algn="l"/>
+                <a:tab pos="7054021" algn="l"/>
+                <a:tab pos="7469050" algn="l"/>
+                <a:tab pos="7884079" algn="l"/>
+                <a:tab pos="8299108" algn="l"/>
               </a:tabLst>
               <a:defRPr>
                 <a:solidFill>
@@ -2316,26 +2946,26 @@
             <a:lvl5pPr eaLnBrk="0">
               <a:tabLst>
                 <a:tab pos="0" algn="l"/>
-                <a:tab pos="447675" algn="l"/>
-                <a:tab pos="896938" algn="l"/>
-                <a:tab pos="1346200" algn="l"/>
-                <a:tab pos="1795463" algn="l"/>
-                <a:tab pos="2244725" algn="l"/>
-                <a:tab pos="2693988" algn="l"/>
-                <a:tab pos="3143250" algn="l"/>
-                <a:tab pos="3592513" algn="l"/>
-                <a:tab pos="4041775" algn="l"/>
-                <a:tab pos="4491038" algn="l"/>
-                <a:tab pos="4940300" algn="l"/>
-                <a:tab pos="5389563" algn="l"/>
-                <a:tab pos="5838825" algn="l"/>
-                <a:tab pos="6288088" algn="l"/>
-                <a:tab pos="6737350" algn="l"/>
-                <a:tab pos="7186613" algn="l"/>
-                <a:tab pos="7635875" algn="l"/>
-                <a:tab pos="8085138" algn="l"/>
-                <a:tab pos="8534400" algn="l"/>
-                <a:tab pos="8983663" algn="l"/>
+                <a:tab pos="413562" algn="l"/>
+                <a:tab pos="828591" algn="l"/>
+                <a:tab pos="1243620" algn="l"/>
+                <a:tab pos="1658649" algn="l"/>
+                <a:tab pos="2073677" algn="l"/>
+                <a:tab pos="2488706" algn="l"/>
+                <a:tab pos="2903734" algn="l"/>
+                <a:tab pos="3318764" algn="l"/>
+                <a:tab pos="3733792" algn="l"/>
+                <a:tab pos="4148821" algn="l"/>
+                <a:tab pos="4563849" algn="l"/>
+                <a:tab pos="4978878" algn="l"/>
+                <a:tab pos="5393907" algn="l"/>
+                <a:tab pos="5808936" algn="l"/>
+                <a:tab pos="6223964" algn="l"/>
+                <a:tab pos="6638993" algn="l"/>
+                <a:tab pos="7054021" algn="l"/>
+                <a:tab pos="7469050" algn="l"/>
+                <a:tab pos="7884079" algn="l"/>
+                <a:tab pos="8299108" algn="l"/>
               </a:tabLst>
               <a:defRPr>
                 <a:solidFill>
@@ -2345,7 +2975,7 @@
                 <a:cs typeface="Arial Unicode MS" charset="0"/>
               </a:defRPr>
             </a:lvl5pPr>
-            <a:lvl6pPr marL="2514600" indent="-228600" defTabSz="449263" eaLnBrk="0" fontAlgn="base" hangingPunct="0">
+            <a:lvl6pPr marL="2322987" indent="-211181" defTabSz="415029" eaLnBrk="0" fontAlgn="base" hangingPunct="0">
               <a:lnSpc>
                 <a:spcPct val="93000"/>
               </a:lnSpc>
@@ -2362,26 +2992,26 @@
               <a:buFont typeface="Times New Roman" pitchFamily="16" charset="0"/>
               <a:tabLst>
                 <a:tab pos="0" algn="l"/>
-                <a:tab pos="447675" algn="l"/>
-                <a:tab pos="896938" algn="l"/>
-                <a:tab pos="1346200" algn="l"/>
-                <a:tab pos="1795463" algn="l"/>
-                <a:tab pos="2244725" algn="l"/>
-                <a:tab pos="2693988" algn="l"/>
-                <a:tab pos="3143250" algn="l"/>
-                <a:tab pos="3592513" algn="l"/>
-                <a:tab pos="4041775" algn="l"/>
-                <a:tab pos="4491038" algn="l"/>
-                <a:tab pos="4940300" algn="l"/>
-                <a:tab pos="5389563" algn="l"/>
-                <a:tab pos="5838825" algn="l"/>
-                <a:tab pos="6288088" algn="l"/>
-                <a:tab pos="6737350" algn="l"/>
-                <a:tab pos="7186613" algn="l"/>
-                <a:tab pos="7635875" algn="l"/>
-                <a:tab pos="8085138" algn="l"/>
-                <a:tab pos="8534400" algn="l"/>
-                <a:tab pos="8983663" algn="l"/>
+                <a:tab pos="413562" algn="l"/>
+                <a:tab pos="828591" algn="l"/>
+                <a:tab pos="1243620" algn="l"/>
+                <a:tab pos="1658649" algn="l"/>
+                <a:tab pos="2073677" algn="l"/>
+                <a:tab pos="2488706" algn="l"/>
+                <a:tab pos="2903734" algn="l"/>
+                <a:tab pos="3318764" algn="l"/>
+                <a:tab pos="3733792" algn="l"/>
+                <a:tab pos="4148821" algn="l"/>
+                <a:tab pos="4563849" algn="l"/>
+                <a:tab pos="4978878" algn="l"/>
+                <a:tab pos="5393907" algn="l"/>
+                <a:tab pos="5808936" algn="l"/>
+                <a:tab pos="6223964" algn="l"/>
+                <a:tab pos="6638993" algn="l"/>
+                <a:tab pos="7054021" algn="l"/>
+                <a:tab pos="7469050" algn="l"/>
+                <a:tab pos="7884079" algn="l"/>
+                <a:tab pos="8299108" algn="l"/>
               </a:tabLst>
               <a:defRPr>
                 <a:solidFill>
@@ -2391,7 +3021,7 @@
                 <a:cs typeface="Arial Unicode MS" charset="0"/>
               </a:defRPr>
             </a:lvl6pPr>
-            <a:lvl7pPr marL="2971800" indent="-228600" defTabSz="449263" eaLnBrk="0" fontAlgn="base" hangingPunct="0">
+            <a:lvl7pPr marL="2745349" indent="-211181" defTabSz="415029" eaLnBrk="0" fontAlgn="base" hangingPunct="0">
               <a:lnSpc>
                 <a:spcPct val="93000"/>
               </a:lnSpc>
@@ -2408,26 +3038,26 @@
               <a:buFont typeface="Times New Roman" pitchFamily="16" charset="0"/>
               <a:tabLst>
                 <a:tab pos="0" algn="l"/>
-                <a:tab pos="447675" algn="l"/>
-                <a:tab pos="896938" algn="l"/>
-                <a:tab pos="1346200" algn="l"/>
-                <a:tab pos="1795463" algn="l"/>
-                <a:tab pos="2244725" algn="l"/>
-                <a:tab pos="2693988" algn="l"/>
-                <a:tab pos="3143250" algn="l"/>
-                <a:tab pos="3592513" algn="l"/>
-                <a:tab pos="4041775" algn="l"/>
-                <a:tab pos="4491038" algn="l"/>
-                <a:tab pos="4940300" algn="l"/>
-                <a:tab pos="5389563" algn="l"/>
-                <a:tab pos="5838825" algn="l"/>
-                <a:tab pos="6288088" algn="l"/>
-                <a:tab pos="6737350" algn="l"/>
-                <a:tab pos="7186613" algn="l"/>
-                <a:tab pos="7635875" algn="l"/>
-                <a:tab pos="8085138" algn="l"/>
-                <a:tab pos="8534400" algn="l"/>
-                <a:tab pos="8983663" algn="l"/>
+                <a:tab pos="413562" algn="l"/>
+                <a:tab pos="828591" algn="l"/>
+                <a:tab pos="1243620" algn="l"/>
+                <a:tab pos="1658649" algn="l"/>
+                <a:tab pos="2073677" algn="l"/>
+                <a:tab pos="2488706" algn="l"/>
+                <a:tab pos="2903734" algn="l"/>
+                <a:tab pos="3318764" algn="l"/>
+                <a:tab pos="3733792" algn="l"/>
+                <a:tab pos="4148821" algn="l"/>
+                <a:tab pos="4563849" algn="l"/>
+                <a:tab pos="4978878" algn="l"/>
+                <a:tab pos="5393907" algn="l"/>
+                <a:tab pos="5808936" algn="l"/>
+                <a:tab pos="6223964" algn="l"/>
+                <a:tab pos="6638993" algn="l"/>
+                <a:tab pos="7054021" algn="l"/>
+                <a:tab pos="7469050" algn="l"/>
+                <a:tab pos="7884079" algn="l"/>
+                <a:tab pos="8299108" algn="l"/>
               </a:tabLst>
               <a:defRPr>
                 <a:solidFill>
@@ -2437,7 +3067,7 @@
                 <a:cs typeface="Arial Unicode MS" charset="0"/>
               </a:defRPr>
             </a:lvl7pPr>
-            <a:lvl8pPr marL="3429000" indent="-228600" defTabSz="449263" eaLnBrk="0" fontAlgn="base" hangingPunct="0">
+            <a:lvl8pPr marL="3167710" indent="-211181" defTabSz="415029" eaLnBrk="0" fontAlgn="base" hangingPunct="0">
               <a:lnSpc>
                 <a:spcPct val="93000"/>
               </a:lnSpc>
@@ -2454,26 +3084,26 @@
               <a:buFont typeface="Times New Roman" pitchFamily="16" charset="0"/>
               <a:tabLst>
                 <a:tab pos="0" algn="l"/>
-                <a:tab pos="447675" algn="l"/>
-                <a:tab pos="896938" algn="l"/>
-                <a:tab pos="1346200" algn="l"/>
-                <a:tab pos="1795463" algn="l"/>
-                <a:tab pos="2244725" algn="l"/>
-                <a:tab pos="2693988" algn="l"/>
-                <a:tab pos="3143250" algn="l"/>
-                <a:tab pos="3592513" algn="l"/>
-                <a:tab pos="4041775" algn="l"/>
-                <a:tab pos="4491038" algn="l"/>
-                <a:tab pos="4940300" algn="l"/>
-                <a:tab pos="5389563" algn="l"/>
-                <a:tab pos="5838825" algn="l"/>
-                <a:tab pos="6288088" algn="l"/>
-                <a:tab pos="6737350" algn="l"/>
-                <a:tab pos="7186613" algn="l"/>
-                <a:tab pos="7635875" algn="l"/>
-                <a:tab pos="8085138" algn="l"/>
-                <a:tab pos="8534400" algn="l"/>
-                <a:tab pos="8983663" algn="l"/>
+                <a:tab pos="413562" algn="l"/>
+                <a:tab pos="828591" algn="l"/>
+                <a:tab pos="1243620" algn="l"/>
+                <a:tab pos="1658649" algn="l"/>
+                <a:tab pos="2073677" algn="l"/>
+                <a:tab pos="2488706" algn="l"/>
+                <a:tab pos="2903734" algn="l"/>
+                <a:tab pos="3318764" algn="l"/>
+                <a:tab pos="3733792" algn="l"/>
+                <a:tab pos="4148821" algn="l"/>
+                <a:tab pos="4563849" algn="l"/>
+                <a:tab pos="4978878" algn="l"/>
+                <a:tab pos="5393907" algn="l"/>
+                <a:tab pos="5808936" algn="l"/>
+                <a:tab pos="6223964" algn="l"/>
+                <a:tab pos="6638993" algn="l"/>
+                <a:tab pos="7054021" algn="l"/>
+                <a:tab pos="7469050" algn="l"/>
+                <a:tab pos="7884079" algn="l"/>
+                <a:tab pos="8299108" algn="l"/>
               </a:tabLst>
               <a:defRPr>
                 <a:solidFill>
@@ -2483,7 +3113,7 @@
                 <a:cs typeface="Arial Unicode MS" charset="0"/>
               </a:defRPr>
             </a:lvl8pPr>
-            <a:lvl9pPr marL="3886200" indent="-228600" defTabSz="449263" eaLnBrk="0" fontAlgn="base" hangingPunct="0">
+            <a:lvl9pPr marL="3590072" indent="-211181" defTabSz="415029" eaLnBrk="0" fontAlgn="base" hangingPunct="0">
               <a:lnSpc>
                 <a:spcPct val="93000"/>
               </a:lnSpc>
@@ -2500,26 +3130,26 @@
               <a:buFont typeface="Times New Roman" pitchFamily="16" charset="0"/>
               <a:tabLst>
                 <a:tab pos="0" algn="l"/>
-                <a:tab pos="447675" algn="l"/>
-                <a:tab pos="896938" algn="l"/>
-                <a:tab pos="1346200" algn="l"/>
-                <a:tab pos="1795463" algn="l"/>
-                <a:tab pos="2244725" algn="l"/>
-                <a:tab pos="2693988" algn="l"/>
-                <a:tab pos="3143250" algn="l"/>
-                <a:tab pos="3592513" algn="l"/>
-                <a:tab pos="4041775" algn="l"/>
-                <a:tab pos="4491038" algn="l"/>
-                <a:tab pos="4940300" algn="l"/>
-                <a:tab pos="5389563" algn="l"/>
-                <a:tab pos="5838825" algn="l"/>
-                <a:tab pos="6288088" algn="l"/>
-                <a:tab pos="6737350" algn="l"/>
-                <a:tab pos="7186613" algn="l"/>
-                <a:tab pos="7635875" algn="l"/>
-                <a:tab pos="8085138" algn="l"/>
-                <a:tab pos="8534400" algn="l"/>
-                <a:tab pos="8983663" algn="l"/>
+                <a:tab pos="413562" algn="l"/>
+                <a:tab pos="828591" algn="l"/>
+                <a:tab pos="1243620" algn="l"/>
+                <a:tab pos="1658649" algn="l"/>
+                <a:tab pos="2073677" algn="l"/>
+                <a:tab pos="2488706" algn="l"/>
+                <a:tab pos="2903734" algn="l"/>
+                <a:tab pos="3318764" algn="l"/>
+                <a:tab pos="3733792" algn="l"/>
+                <a:tab pos="4148821" algn="l"/>
+                <a:tab pos="4563849" algn="l"/>
+                <a:tab pos="4978878" algn="l"/>
+                <a:tab pos="5393907" algn="l"/>
+                <a:tab pos="5808936" algn="l"/>
+                <a:tab pos="6223964" algn="l"/>
+                <a:tab pos="6638993" algn="l"/>
+                <a:tab pos="7054021" algn="l"/>
+                <a:tab pos="7469050" algn="l"/>
+                <a:tab pos="7884079" algn="l"/>
+                <a:tab pos="8299108" algn="l"/>
               </a:tabLst>
               <a:defRPr>
                 <a:solidFill>
@@ -2540,7 +3170,7 @@
                 <a:latin typeface="Times New Roman" pitchFamily="16" charset="0"/>
               </a:rPr>
               <a:pPr eaLnBrk="1"/>
-              <a:t>4</a:t>
+              <a:t>3</a:t>
             </a:fld>
             <a:endParaRPr lang="en-US" smtClean="0">
               <a:solidFill>
@@ -2555,7 +3185,7 @@
         <p:nvSpPr>
           <p:cNvPr id="24579" name="Rectangle 1"/>
           <p:cNvSpPr>
-            <a:spLocks noChangeArrowheads="1" noTextEdit="1"/>
+            <a:spLocks noGrp="1" noRot="1" noChangeAspect="1" noChangeArrowheads="1" noTextEdit="1"/>
           </p:cNvSpPr>
           <p:nvPr>
             <p:ph type="sldImg"/>
@@ -2563,8 +3193,8 @@
         </p:nvSpPr>
         <p:spPr>
           <a:xfrm>
-            <a:off x="1106488" y="812800"/>
-            <a:ext cx="5345112" cy="4008438"/>
+            <a:off x="936625" y="760413"/>
+            <a:ext cx="4992688" cy="3746500"/>
           </a:xfrm>
           <a:solidFill>
             <a:srgbClr val="FFFFFF"/>
@@ -2594,7 +3224,7 @@
         <p:nvSpPr>
           <p:cNvPr id="24580" name="Rectangle 2"/>
           <p:cNvSpPr>
-            <a:spLocks noChangeArrowheads="1"/>
+            <a:spLocks noGrp="1" noChangeArrowheads="1"/>
           </p:cNvSpPr>
           <p:nvPr>
             <p:ph type="body" idx="1"/>
@@ -2602,8 +3232,8 @@
         </p:nvSpPr>
         <p:spPr>
           <a:xfrm>
-            <a:off x="755650" y="5078413"/>
-            <a:ext cx="6048375" cy="4811712"/>
+            <a:off x="686464" y="4747392"/>
+            <a:ext cx="5494597" cy="4498075"/>
           </a:xfrm>
           <a:noFill/>
           <a:extLst>
@@ -2678,26 +3308,26 @@
             <a:lvl1pPr eaLnBrk="0">
               <a:tabLst>
                 <a:tab pos="0" algn="l"/>
-                <a:tab pos="447675" algn="l"/>
-                <a:tab pos="896938" algn="l"/>
-                <a:tab pos="1346200" algn="l"/>
-                <a:tab pos="1795463" algn="l"/>
-                <a:tab pos="2244725" algn="l"/>
-                <a:tab pos="2693988" algn="l"/>
-                <a:tab pos="3143250" algn="l"/>
-                <a:tab pos="3592513" algn="l"/>
-                <a:tab pos="4041775" algn="l"/>
-                <a:tab pos="4491038" algn="l"/>
-                <a:tab pos="4940300" algn="l"/>
-                <a:tab pos="5389563" algn="l"/>
-                <a:tab pos="5838825" algn="l"/>
-                <a:tab pos="6288088" algn="l"/>
-                <a:tab pos="6737350" algn="l"/>
-                <a:tab pos="7186613" algn="l"/>
-                <a:tab pos="7635875" algn="l"/>
-                <a:tab pos="8085138" algn="l"/>
-                <a:tab pos="8534400" algn="l"/>
-                <a:tab pos="8983663" algn="l"/>
+                <a:tab pos="413562" algn="l"/>
+                <a:tab pos="828591" algn="l"/>
+                <a:tab pos="1243620" algn="l"/>
+                <a:tab pos="1658649" algn="l"/>
+                <a:tab pos="2073677" algn="l"/>
+                <a:tab pos="2488706" algn="l"/>
+                <a:tab pos="2903734" algn="l"/>
+                <a:tab pos="3318764" algn="l"/>
+                <a:tab pos="3733792" algn="l"/>
+                <a:tab pos="4148821" algn="l"/>
+                <a:tab pos="4563849" algn="l"/>
+                <a:tab pos="4978878" algn="l"/>
+                <a:tab pos="5393907" algn="l"/>
+                <a:tab pos="5808936" algn="l"/>
+                <a:tab pos="6223964" algn="l"/>
+                <a:tab pos="6638993" algn="l"/>
+                <a:tab pos="7054021" algn="l"/>
+                <a:tab pos="7469050" algn="l"/>
+                <a:tab pos="7884079" algn="l"/>
+                <a:tab pos="8299108" algn="l"/>
               </a:tabLst>
               <a:defRPr>
                 <a:solidFill>
@@ -2710,26 +3340,26 @@
             <a:lvl2pPr eaLnBrk="0">
               <a:tabLst>
                 <a:tab pos="0" algn="l"/>
-                <a:tab pos="447675" algn="l"/>
-                <a:tab pos="896938" algn="l"/>
-                <a:tab pos="1346200" algn="l"/>
-                <a:tab pos="1795463" algn="l"/>
-                <a:tab pos="2244725" algn="l"/>
-                <a:tab pos="2693988" algn="l"/>
-                <a:tab pos="3143250" algn="l"/>
-                <a:tab pos="3592513" algn="l"/>
-                <a:tab pos="4041775" algn="l"/>
-                <a:tab pos="4491038" algn="l"/>
-                <a:tab pos="4940300" algn="l"/>
-                <a:tab pos="5389563" algn="l"/>
-                <a:tab pos="5838825" algn="l"/>
-                <a:tab pos="6288088" algn="l"/>
-                <a:tab pos="6737350" algn="l"/>
-                <a:tab pos="7186613" algn="l"/>
-                <a:tab pos="7635875" algn="l"/>
-                <a:tab pos="8085138" algn="l"/>
-                <a:tab pos="8534400" algn="l"/>
-                <a:tab pos="8983663" algn="l"/>
+                <a:tab pos="413562" algn="l"/>
+                <a:tab pos="828591" algn="l"/>
+                <a:tab pos="1243620" algn="l"/>
+                <a:tab pos="1658649" algn="l"/>
+                <a:tab pos="2073677" algn="l"/>
+                <a:tab pos="2488706" algn="l"/>
+                <a:tab pos="2903734" algn="l"/>
+                <a:tab pos="3318764" algn="l"/>
+                <a:tab pos="3733792" algn="l"/>
+                <a:tab pos="4148821" algn="l"/>
+                <a:tab pos="4563849" algn="l"/>
+                <a:tab pos="4978878" algn="l"/>
+                <a:tab pos="5393907" algn="l"/>
+                <a:tab pos="5808936" algn="l"/>
+                <a:tab pos="6223964" algn="l"/>
+                <a:tab pos="6638993" algn="l"/>
+                <a:tab pos="7054021" algn="l"/>
+                <a:tab pos="7469050" algn="l"/>
+                <a:tab pos="7884079" algn="l"/>
+                <a:tab pos="8299108" algn="l"/>
               </a:tabLst>
               <a:defRPr>
                 <a:solidFill>
@@ -2742,26 +3372,26 @@
             <a:lvl3pPr eaLnBrk="0">
               <a:tabLst>
                 <a:tab pos="0" algn="l"/>
-                <a:tab pos="447675" algn="l"/>
-                <a:tab pos="896938" algn="l"/>
-                <a:tab pos="1346200" algn="l"/>
-                <a:tab pos="1795463" algn="l"/>
-                <a:tab pos="2244725" algn="l"/>
-                <a:tab pos="2693988" algn="l"/>
-                <a:tab pos="3143250" algn="l"/>
-                <a:tab pos="3592513" algn="l"/>
-                <a:tab pos="4041775" algn="l"/>
-                <a:tab pos="4491038" algn="l"/>
-                <a:tab pos="4940300" algn="l"/>
-                <a:tab pos="5389563" algn="l"/>
-                <a:tab pos="5838825" algn="l"/>
-                <a:tab pos="6288088" algn="l"/>
-                <a:tab pos="6737350" algn="l"/>
-                <a:tab pos="7186613" algn="l"/>
-                <a:tab pos="7635875" algn="l"/>
-                <a:tab pos="8085138" algn="l"/>
-                <a:tab pos="8534400" algn="l"/>
-                <a:tab pos="8983663" algn="l"/>
+                <a:tab pos="413562" algn="l"/>
+                <a:tab pos="828591" algn="l"/>
+                <a:tab pos="1243620" algn="l"/>
+                <a:tab pos="1658649" algn="l"/>
+                <a:tab pos="2073677" algn="l"/>
+                <a:tab pos="2488706" algn="l"/>
+                <a:tab pos="2903734" algn="l"/>
+                <a:tab pos="3318764" algn="l"/>
+                <a:tab pos="3733792" algn="l"/>
+                <a:tab pos="4148821" algn="l"/>
+                <a:tab pos="4563849" algn="l"/>
+                <a:tab pos="4978878" algn="l"/>
+                <a:tab pos="5393907" algn="l"/>
+                <a:tab pos="5808936" algn="l"/>
+                <a:tab pos="6223964" algn="l"/>
+                <a:tab pos="6638993" algn="l"/>
+                <a:tab pos="7054021" algn="l"/>
+                <a:tab pos="7469050" algn="l"/>
+                <a:tab pos="7884079" algn="l"/>
+                <a:tab pos="8299108" algn="l"/>
               </a:tabLst>
               <a:defRPr>
                 <a:solidFill>
@@ -2774,26 +3404,26 @@
             <a:lvl4pPr eaLnBrk="0">
               <a:tabLst>
                 <a:tab pos="0" algn="l"/>
-                <a:tab pos="447675" algn="l"/>
-                <a:tab pos="896938" algn="l"/>
-                <a:tab pos="1346200" algn="l"/>
-                <a:tab pos="1795463" algn="l"/>
-                <a:tab pos="2244725" algn="l"/>
-                <a:tab pos="2693988" algn="l"/>
-                <a:tab pos="3143250" algn="l"/>
-                <a:tab pos="3592513" algn="l"/>
-                <a:tab pos="4041775" algn="l"/>
-                <a:tab pos="4491038" algn="l"/>
-                <a:tab pos="4940300" algn="l"/>
-                <a:tab pos="5389563" algn="l"/>
-                <a:tab pos="5838825" algn="l"/>
-                <a:tab pos="6288088" algn="l"/>
-                <a:tab pos="6737350" algn="l"/>
-                <a:tab pos="7186613" algn="l"/>
-                <a:tab pos="7635875" algn="l"/>
-                <a:tab pos="8085138" algn="l"/>
-                <a:tab pos="8534400" algn="l"/>
-                <a:tab pos="8983663" algn="l"/>
+                <a:tab pos="413562" algn="l"/>
+                <a:tab pos="828591" algn="l"/>
+                <a:tab pos="1243620" algn="l"/>
+                <a:tab pos="1658649" algn="l"/>
+                <a:tab pos="2073677" algn="l"/>
+                <a:tab pos="2488706" algn="l"/>
+                <a:tab pos="2903734" algn="l"/>
+                <a:tab pos="3318764" algn="l"/>
+                <a:tab pos="3733792" algn="l"/>
+                <a:tab pos="4148821" algn="l"/>
+                <a:tab pos="4563849" algn="l"/>
+                <a:tab pos="4978878" algn="l"/>
+                <a:tab pos="5393907" algn="l"/>
+                <a:tab pos="5808936" algn="l"/>
+                <a:tab pos="6223964" algn="l"/>
+                <a:tab pos="6638993" algn="l"/>
+                <a:tab pos="7054021" algn="l"/>
+                <a:tab pos="7469050" algn="l"/>
+                <a:tab pos="7884079" algn="l"/>
+                <a:tab pos="8299108" algn="l"/>
               </a:tabLst>
               <a:defRPr>
                 <a:solidFill>
@@ -2806,26 +3436,26 @@
             <a:lvl5pPr eaLnBrk="0">
               <a:tabLst>
                 <a:tab pos="0" algn="l"/>
-                <a:tab pos="447675" algn="l"/>
-                <a:tab pos="896938" algn="l"/>
-                <a:tab pos="1346200" algn="l"/>
-                <a:tab pos="1795463" algn="l"/>
-                <a:tab pos="2244725" algn="l"/>
-                <a:tab pos="2693988" algn="l"/>
-                <a:tab pos="3143250" algn="l"/>
-                <a:tab pos="3592513" algn="l"/>
-                <a:tab pos="4041775" algn="l"/>
-                <a:tab pos="4491038" algn="l"/>
-                <a:tab pos="4940300" algn="l"/>
-                <a:tab pos="5389563" algn="l"/>
-                <a:tab pos="5838825" algn="l"/>
-                <a:tab pos="6288088" algn="l"/>
-                <a:tab pos="6737350" algn="l"/>
-                <a:tab pos="7186613" algn="l"/>
-                <a:tab pos="7635875" algn="l"/>
-                <a:tab pos="8085138" algn="l"/>
-                <a:tab pos="8534400" algn="l"/>
-                <a:tab pos="8983663" algn="l"/>
+                <a:tab pos="413562" algn="l"/>
+                <a:tab pos="828591" algn="l"/>
+                <a:tab pos="1243620" algn="l"/>
+                <a:tab pos="1658649" algn="l"/>
+                <a:tab pos="2073677" algn="l"/>
+                <a:tab pos="2488706" algn="l"/>
+                <a:tab pos="2903734" algn="l"/>
+                <a:tab pos="3318764" algn="l"/>
+                <a:tab pos="3733792" algn="l"/>
+                <a:tab pos="4148821" algn="l"/>
+                <a:tab pos="4563849" algn="l"/>
+                <a:tab pos="4978878" algn="l"/>
+                <a:tab pos="5393907" algn="l"/>
+                <a:tab pos="5808936" algn="l"/>
+                <a:tab pos="6223964" algn="l"/>
+                <a:tab pos="6638993" algn="l"/>
+                <a:tab pos="7054021" algn="l"/>
+                <a:tab pos="7469050" algn="l"/>
+                <a:tab pos="7884079" algn="l"/>
+                <a:tab pos="8299108" algn="l"/>
               </a:tabLst>
               <a:defRPr>
                 <a:solidFill>
@@ -2835,7 +3465,7 @@
                 <a:cs typeface="Arial Unicode MS" charset="0"/>
               </a:defRPr>
             </a:lvl5pPr>
-            <a:lvl6pPr marL="2514600" indent="-228600" defTabSz="449263" eaLnBrk="0" fontAlgn="base" hangingPunct="0">
+            <a:lvl6pPr marL="2322987" indent="-211181" defTabSz="415029" eaLnBrk="0" fontAlgn="base" hangingPunct="0">
               <a:lnSpc>
                 <a:spcPct val="93000"/>
               </a:lnSpc>
@@ -2852,26 +3482,26 @@
               <a:buFont typeface="Times New Roman" pitchFamily="16" charset="0"/>
               <a:tabLst>
                 <a:tab pos="0" algn="l"/>
-                <a:tab pos="447675" algn="l"/>
-                <a:tab pos="896938" algn="l"/>
-                <a:tab pos="1346200" algn="l"/>
-                <a:tab pos="1795463" algn="l"/>
-                <a:tab pos="2244725" algn="l"/>
-                <a:tab pos="2693988" algn="l"/>
-                <a:tab pos="3143250" algn="l"/>
-                <a:tab pos="3592513" algn="l"/>
-                <a:tab pos="4041775" algn="l"/>
-                <a:tab pos="4491038" algn="l"/>
-                <a:tab pos="4940300" algn="l"/>
-                <a:tab pos="5389563" algn="l"/>
-                <a:tab pos="5838825" algn="l"/>
-                <a:tab pos="6288088" algn="l"/>
-                <a:tab pos="6737350" algn="l"/>
-                <a:tab pos="7186613" algn="l"/>
-                <a:tab pos="7635875" algn="l"/>
-                <a:tab pos="8085138" algn="l"/>
-                <a:tab pos="8534400" algn="l"/>
-                <a:tab pos="8983663" algn="l"/>
+                <a:tab pos="413562" algn="l"/>
+                <a:tab pos="828591" algn="l"/>
+                <a:tab pos="1243620" algn="l"/>
+                <a:tab pos="1658649" algn="l"/>
+                <a:tab pos="2073677" algn="l"/>
+                <a:tab pos="2488706" algn="l"/>
+                <a:tab pos="2903734" algn="l"/>
+                <a:tab pos="3318764" algn="l"/>
+                <a:tab pos="3733792" algn="l"/>
+                <a:tab pos="4148821" algn="l"/>
+                <a:tab pos="4563849" algn="l"/>
+                <a:tab pos="4978878" algn="l"/>
+                <a:tab pos="5393907" algn="l"/>
+                <a:tab pos="5808936" algn="l"/>
+                <a:tab pos="6223964" algn="l"/>
+                <a:tab pos="6638993" algn="l"/>
+                <a:tab pos="7054021" algn="l"/>
+                <a:tab pos="7469050" algn="l"/>
+                <a:tab pos="7884079" algn="l"/>
+                <a:tab pos="8299108" algn="l"/>
               </a:tabLst>
               <a:defRPr>
                 <a:solidFill>
@@ -2881,7 +3511,7 @@
                 <a:cs typeface="Arial Unicode MS" charset="0"/>
               </a:defRPr>
             </a:lvl6pPr>
-            <a:lvl7pPr marL="2971800" indent="-228600" defTabSz="449263" eaLnBrk="0" fontAlgn="base" hangingPunct="0">
+            <a:lvl7pPr marL="2745349" indent="-211181" defTabSz="415029" eaLnBrk="0" fontAlgn="base" hangingPunct="0">
               <a:lnSpc>
                 <a:spcPct val="93000"/>
               </a:lnSpc>
@@ -2898,26 +3528,26 @@
               <a:buFont typeface="Times New Roman" pitchFamily="16" charset="0"/>
               <a:tabLst>
                 <a:tab pos="0" algn="l"/>
-                <a:tab pos="447675" algn="l"/>
-                <a:tab pos="896938" algn="l"/>
-                <a:tab pos="1346200" algn="l"/>
-                <a:tab pos="1795463" algn="l"/>
-                <a:tab pos="2244725" algn="l"/>
-                <a:tab pos="2693988" algn="l"/>
-                <a:tab pos="3143250" algn="l"/>
-                <a:tab pos="3592513" algn="l"/>
-                <a:tab pos="4041775" algn="l"/>
-                <a:tab pos="4491038" algn="l"/>
-                <a:tab pos="4940300" algn="l"/>
-                <a:tab pos="5389563" algn="l"/>
-                <a:tab pos="5838825" algn="l"/>
-                <a:tab pos="6288088" algn="l"/>
-                <a:tab pos="6737350" algn="l"/>
-                <a:tab pos="7186613" algn="l"/>
-                <a:tab pos="7635875" algn="l"/>
-                <a:tab pos="8085138" algn="l"/>
-                <a:tab pos="8534400" algn="l"/>
-                <a:tab pos="8983663" algn="l"/>
+                <a:tab pos="413562" algn="l"/>
+                <a:tab pos="828591" algn="l"/>
+                <a:tab pos="1243620" algn="l"/>
+                <a:tab pos="1658649" algn="l"/>
+                <a:tab pos="2073677" algn="l"/>
+                <a:tab pos="2488706" algn="l"/>
+                <a:tab pos="2903734" algn="l"/>
+                <a:tab pos="3318764" algn="l"/>
+                <a:tab pos="3733792" algn="l"/>
+                <a:tab pos="4148821" algn="l"/>
+                <a:tab pos="4563849" algn="l"/>
+                <a:tab pos="4978878" algn="l"/>
+                <a:tab pos="5393907" algn="l"/>
+                <a:tab pos="5808936" algn="l"/>
+                <a:tab pos="6223964" algn="l"/>
+                <a:tab pos="6638993" algn="l"/>
+                <a:tab pos="7054021" algn="l"/>
+                <a:tab pos="7469050" algn="l"/>
+                <a:tab pos="7884079" algn="l"/>
+                <a:tab pos="8299108" algn="l"/>
               </a:tabLst>
               <a:defRPr>
                 <a:solidFill>
@@ -2927,7 +3557,7 @@
                 <a:cs typeface="Arial Unicode MS" charset="0"/>
               </a:defRPr>
             </a:lvl7pPr>
-            <a:lvl8pPr marL="3429000" indent="-228600" defTabSz="449263" eaLnBrk="0" fontAlgn="base" hangingPunct="0">
+            <a:lvl8pPr marL="3167710" indent="-211181" defTabSz="415029" eaLnBrk="0" fontAlgn="base" hangingPunct="0">
               <a:lnSpc>
                 <a:spcPct val="93000"/>
               </a:lnSpc>
@@ -2944,26 +3574,26 @@
               <a:buFont typeface="Times New Roman" pitchFamily="16" charset="0"/>
               <a:tabLst>
                 <a:tab pos="0" algn="l"/>
-                <a:tab pos="447675" algn="l"/>
-                <a:tab pos="896938" algn="l"/>
-                <a:tab pos="1346200" algn="l"/>
-                <a:tab pos="1795463" algn="l"/>
-                <a:tab pos="2244725" algn="l"/>
-                <a:tab pos="2693988" algn="l"/>
-                <a:tab pos="3143250" algn="l"/>
-                <a:tab pos="3592513" algn="l"/>
-                <a:tab pos="4041775" algn="l"/>
-                <a:tab pos="4491038" algn="l"/>
-                <a:tab pos="4940300" algn="l"/>
-                <a:tab pos="5389563" algn="l"/>
-                <a:tab pos="5838825" algn="l"/>
-                <a:tab pos="6288088" algn="l"/>
-                <a:tab pos="6737350" algn="l"/>
-                <a:tab pos="7186613" algn="l"/>
-                <a:tab pos="7635875" algn="l"/>
-                <a:tab pos="8085138" algn="l"/>
-                <a:tab pos="8534400" algn="l"/>
-                <a:tab pos="8983663" algn="l"/>
+                <a:tab pos="413562" algn="l"/>
+                <a:tab pos="828591" algn="l"/>
+                <a:tab pos="1243620" algn="l"/>
+                <a:tab pos="1658649" algn="l"/>
+                <a:tab pos="2073677" algn="l"/>
+                <a:tab pos="2488706" algn="l"/>
+                <a:tab pos="2903734" algn="l"/>
+                <a:tab pos="3318764" algn="l"/>
+                <a:tab pos="3733792" algn="l"/>
+                <a:tab pos="4148821" algn="l"/>
+                <a:tab pos="4563849" algn="l"/>
+                <a:tab pos="4978878" algn="l"/>
+                <a:tab pos="5393907" algn="l"/>
+                <a:tab pos="5808936" algn="l"/>
+                <a:tab pos="6223964" algn="l"/>
+                <a:tab pos="6638993" algn="l"/>
+                <a:tab pos="7054021" algn="l"/>
+                <a:tab pos="7469050" algn="l"/>
+                <a:tab pos="7884079" algn="l"/>
+                <a:tab pos="8299108" algn="l"/>
               </a:tabLst>
               <a:defRPr>
                 <a:solidFill>
@@ -2973,7 +3603,7 @@
                 <a:cs typeface="Arial Unicode MS" charset="0"/>
               </a:defRPr>
             </a:lvl8pPr>
-            <a:lvl9pPr marL="3886200" indent="-228600" defTabSz="449263" eaLnBrk="0" fontAlgn="base" hangingPunct="0">
+            <a:lvl9pPr marL="3590072" indent="-211181" defTabSz="415029" eaLnBrk="0" fontAlgn="base" hangingPunct="0">
               <a:lnSpc>
                 <a:spcPct val="93000"/>
               </a:lnSpc>
@@ -2990,26 +3620,26 @@
               <a:buFont typeface="Times New Roman" pitchFamily="16" charset="0"/>
               <a:tabLst>
                 <a:tab pos="0" algn="l"/>
-                <a:tab pos="447675" algn="l"/>
-                <a:tab pos="896938" algn="l"/>
-                <a:tab pos="1346200" algn="l"/>
-                <a:tab pos="1795463" algn="l"/>
-                <a:tab pos="2244725" algn="l"/>
-                <a:tab pos="2693988" algn="l"/>
-                <a:tab pos="3143250" algn="l"/>
-                <a:tab pos="3592513" algn="l"/>
-                <a:tab pos="4041775" algn="l"/>
-                <a:tab pos="4491038" algn="l"/>
-                <a:tab pos="4940300" algn="l"/>
-                <a:tab pos="5389563" algn="l"/>
-                <a:tab pos="5838825" algn="l"/>
-                <a:tab pos="6288088" algn="l"/>
-                <a:tab pos="6737350" algn="l"/>
-                <a:tab pos="7186613" algn="l"/>
-                <a:tab pos="7635875" algn="l"/>
-                <a:tab pos="8085138" algn="l"/>
-                <a:tab pos="8534400" algn="l"/>
-                <a:tab pos="8983663" algn="l"/>
+                <a:tab pos="413562" algn="l"/>
+                <a:tab pos="828591" algn="l"/>
+                <a:tab pos="1243620" algn="l"/>
+                <a:tab pos="1658649" algn="l"/>
+                <a:tab pos="2073677" algn="l"/>
+                <a:tab pos="2488706" algn="l"/>
+                <a:tab pos="2903734" algn="l"/>
+                <a:tab pos="3318764" algn="l"/>
+                <a:tab pos="3733792" algn="l"/>
+                <a:tab pos="4148821" algn="l"/>
+                <a:tab pos="4563849" algn="l"/>
+                <a:tab pos="4978878" algn="l"/>
+                <a:tab pos="5393907" algn="l"/>
+                <a:tab pos="5808936" algn="l"/>
+                <a:tab pos="6223964" algn="l"/>
+                <a:tab pos="6638993" algn="l"/>
+                <a:tab pos="7054021" algn="l"/>
+                <a:tab pos="7469050" algn="l"/>
+                <a:tab pos="7884079" algn="l"/>
+                <a:tab pos="8299108" algn="l"/>
               </a:tabLst>
               <a:defRPr>
                 <a:solidFill>
@@ -3030,7 +3660,7 @@
                 <a:latin typeface="Times New Roman" pitchFamily="16" charset="0"/>
               </a:rPr>
               <a:pPr eaLnBrk="1"/>
-              <a:t>5</a:t>
+              <a:t>4</a:t>
             </a:fld>
             <a:endParaRPr lang="en-US" smtClean="0">
               <a:solidFill>
@@ -3045,7 +3675,7 @@
         <p:nvSpPr>
           <p:cNvPr id="24579" name="Rectangle 1"/>
           <p:cNvSpPr>
-            <a:spLocks noChangeArrowheads="1" noTextEdit="1"/>
+            <a:spLocks noGrp="1" noRot="1" noChangeAspect="1" noChangeArrowheads="1" noTextEdit="1"/>
           </p:cNvSpPr>
           <p:nvPr>
             <p:ph type="sldImg"/>
@@ -3053,8 +3683,8 @@
         </p:nvSpPr>
         <p:spPr>
           <a:xfrm>
-            <a:off x="1106488" y="812800"/>
-            <a:ext cx="5345112" cy="4008438"/>
+            <a:off x="936625" y="760413"/>
+            <a:ext cx="4992688" cy="3746500"/>
           </a:xfrm>
           <a:solidFill>
             <a:srgbClr val="FFFFFF"/>
@@ -3084,7 +3714,7 @@
         <p:nvSpPr>
           <p:cNvPr id="24580" name="Rectangle 2"/>
           <p:cNvSpPr>
-            <a:spLocks noChangeArrowheads="1"/>
+            <a:spLocks noGrp="1" noChangeArrowheads="1"/>
           </p:cNvSpPr>
           <p:nvPr>
             <p:ph type="body" idx="1"/>
@@ -3092,8 +3722,8 @@
         </p:nvSpPr>
         <p:spPr>
           <a:xfrm>
-            <a:off x="755650" y="5078413"/>
-            <a:ext cx="6048375" cy="4811712"/>
+            <a:off x="686464" y="4747392"/>
+            <a:ext cx="5494597" cy="4498075"/>
           </a:xfrm>
           <a:noFill/>
           <a:extLst>
@@ -3151,7 +3781,7 @@
       </p:grpSpPr>
       <p:sp>
         <p:nvSpPr>
-          <p:cNvPr id="25602" name="Rectangle 7"/>
+          <p:cNvPr id="24578" name="Rectangle 7"/>
           <p:cNvSpPr>
             <a:spLocks noGrp="1" noChangeArrowheads="1"/>
           </p:cNvSpPr>
@@ -3168,26 +3798,26 @@
             <a:lvl1pPr eaLnBrk="0">
               <a:tabLst>
                 <a:tab pos="0" algn="l"/>
-                <a:tab pos="447675" algn="l"/>
-                <a:tab pos="896938" algn="l"/>
-                <a:tab pos="1346200" algn="l"/>
-                <a:tab pos="1795463" algn="l"/>
-                <a:tab pos="2244725" algn="l"/>
-                <a:tab pos="2693988" algn="l"/>
-                <a:tab pos="3143250" algn="l"/>
-                <a:tab pos="3592513" algn="l"/>
-                <a:tab pos="4041775" algn="l"/>
-                <a:tab pos="4491038" algn="l"/>
-                <a:tab pos="4940300" algn="l"/>
-                <a:tab pos="5389563" algn="l"/>
-                <a:tab pos="5838825" algn="l"/>
-                <a:tab pos="6288088" algn="l"/>
-                <a:tab pos="6737350" algn="l"/>
-                <a:tab pos="7186613" algn="l"/>
-                <a:tab pos="7635875" algn="l"/>
-                <a:tab pos="8085138" algn="l"/>
-                <a:tab pos="8534400" algn="l"/>
-                <a:tab pos="8983663" algn="l"/>
+                <a:tab pos="413562" algn="l"/>
+                <a:tab pos="828591" algn="l"/>
+                <a:tab pos="1243620" algn="l"/>
+                <a:tab pos="1658649" algn="l"/>
+                <a:tab pos="2073677" algn="l"/>
+                <a:tab pos="2488706" algn="l"/>
+                <a:tab pos="2903734" algn="l"/>
+                <a:tab pos="3318764" algn="l"/>
+                <a:tab pos="3733792" algn="l"/>
+                <a:tab pos="4148821" algn="l"/>
+                <a:tab pos="4563849" algn="l"/>
+                <a:tab pos="4978878" algn="l"/>
+                <a:tab pos="5393907" algn="l"/>
+                <a:tab pos="5808936" algn="l"/>
+                <a:tab pos="6223964" algn="l"/>
+                <a:tab pos="6638993" algn="l"/>
+                <a:tab pos="7054021" algn="l"/>
+                <a:tab pos="7469050" algn="l"/>
+                <a:tab pos="7884079" algn="l"/>
+                <a:tab pos="8299108" algn="l"/>
               </a:tabLst>
               <a:defRPr>
                 <a:solidFill>
@@ -3200,26 +3830,26 @@
             <a:lvl2pPr eaLnBrk="0">
               <a:tabLst>
                 <a:tab pos="0" algn="l"/>
-                <a:tab pos="447675" algn="l"/>
-                <a:tab pos="896938" algn="l"/>
-                <a:tab pos="1346200" algn="l"/>
-                <a:tab pos="1795463" algn="l"/>
-                <a:tab pos="2244725" algn="l"/>
-                <a:tab pos="2693988" algn="l"/>
-                <a:tab pos="3143250" algn="l"/>
-                <a:tab pos="3592513" algn="l"/>
-                <a:tab pos="4041775" algn="l"/>
-                <a:tab pos="4491038" algn="l"/>
-                <a:tab pos="4940300" algn="l"/>
-                <a:tab pos="5389563" algn="l"/>
-                <a:tab pos="5838825" algn="l"/>
-                <a:tab pos="6288088" algn="l"/>
-                <a:tab pos="6737350" algn="l"/>
-                <a:tab pos="7186613" algn="l"/>
-                <a:tab pos="7635875" algn="l"/>
-                <a:tab pos="8085138" algn="l"/>
-                <a:tab pos="8534400" algn="l"/>
-                <a:tab pos="8983663" algn="l"/>
+                <a:tab pos="413562" algn="l"/>
+                <a:tab pos="828591" algn="l"/>
+                <a:tab pos="1243620" algn="l"/>
+                <a:tab pos="1658649" algn="l"/>
+                <a:tab pos="2073677" algn="l"/>
+                <a:tab pos="2488706" algn="l"/>
+                <a:tab pos="2903734" algn="l"/>
+                <a:tab pos="3318764" algn="l"/>
+                <a:tab pos="3733792" algn="l"/>
+                <a:tab pos="4148821" algn="l"/>
+                <a:tab pos="4563849" algn="l"/>
+                <a:tab pos="4978878" algn="l"/>
+                <a:tab pos="5393907" algn="l"/>
+                <a:tab pos="5808936" algn="l"/>
+                <a:tab pos="6223964" algn="l"/>
+                <a:tab pos="6638993" algn="l"/>
+                <a:tab pos="7054021" algn="l"/>
+                <a:tab pos="7469050" algn="l"/>
+                <a:tab pos="7884079" algn="l"/>
+                <a:tab pos="8299108" algn="l"/>
               </a:tabLst>
               <a:defRPr>
                 <a:solidFill>
@@ -3232,26 +3862,26 @@
             <a:lvl3pPr eaLnBrk="0">
               <a:tabLst>
                 <a:tab pos="0" algn="l"/>
-                <a:tab pos="447675" algn="l"/>
-                <a:tab pos="896938" algn="l"/>
-                <a:tab pos="1346200" algn="l"/>
-                <a:tab pos="1795463" algn="l"/>
-                <a:tab pos="2244725" algn="l"/>
-                <a:tab pos="2693988" algn="l"/>
-                <a:tab pos="3143250" algn="l"/>
-                <a:tab pos="3592513" algn="l"/>
-                <a:tab pos="4041775" algn="l"/>
-                <a:tab pos="4491038" algn="l"/>
-                <a:tab pos="4940300" algn="l"/>
-                <a:tab pos="5389563" algn="l"/>
-                <a:tab pos="5838825" algn="l"/>
-                <a:tab pos="6288088" algn="l"/>
-                <a:tab pos="6737350" algn="l"/>
-                <a:tab pos="7186613" algn="l"/>
-                <a:tab pos="7635875" algn="l"/>
-                <a:tab pos="8085138" algn="l"/>
-                <a:tab pos="8534400" algn="l"/>
-                <a:tab pos="8983663" algn="l"/>
+                <a:tab pos="413562" algn="l"/>
+                <a:tab pos="828591" algn="l"/>
+                <a:tab pos="1243620" algn="l"/>
+                <a:tab pos="1658649" algn="l"/>
+                <a:tab pos="2073677" algn="l"/>
+                <a:tab pos="2488706" algn="l"/>
+                <a:tab pos="2903734" algn="l"/>
+                <a:tab pos="3318764" algn="l"/>
+                <a:tab pos="3733792" algn="l"/>
+                <a:tab pos="4148821" algn="l"/>
+                <a:tab pos="4563849" algn="l"/>
+                <a:tab pos="4978878" algn="l"/>
+                <a:tab pos="5393907" algn="l"/>
+                <a:tab pos="5808936" algn="l"/>
+                <a:tab pos="6223964" algn="l"/>
+                <a:tab pos="6638993" algn="l"/>
+                <a:tab pos="7054021" algn="l"/>
+                <a:tab pos="7469050" algn="l"/>
+                <a:tab pos="7884079" algn="l"/>
+                <a:tab pos="8299108" algn="l"/>
               </a:tabLst>
               <a:defRPr>
                 <a:solidFill>
@@ -3264,26 +3894,26 @@
             <a:lvl4pPr eaLnBrk="0">
               <a:tabLst>
                 <a:tab pos="0" algn="l"/>
-                <a:tab pos="447675" algn="l"/>
-                <a:tab pos="896938" algn="l"/>
-                <a:tab pos="1346200" algn="l"/>
-                <a:tab pos="1795463" algn="l"/>
-                <a:tab pos="2244725" algn="l"/>
-                <a:tab pos="2693988" algn="l"/>
-                <a:tab pos="3143250" algn="l"/>
-                <a:tab pos="3592513" algn="l"/>
-                <a:tab pos="4041775" algn="l"/>
-                <a:tab pos="4491038" algn="l"/>
-                <a:tab pos="4940300" algn="l"/>
-                <a:tab pos="5389563" algn="l"/>
-                <a:tab pos="5838825" algn="l"/>
-                <a:tab pos="6288088" algn="l"/>
-                <a:tab pos="6737350" algn="l"/>
-                <a:tab pos="7186613" algn="l"/>
-                <a:tab pos="7635875" algn="l"/>
-                <a:tab pos="8085138" algn="l"/>
-                <a:tab pos="8534400" algn="l"/>
-                <a:tab pos="8983663" algn="l"/>
+                <a:tab pos="413562" algn="l"/>
+                <a:tab pos="828591" algn="l"/>
+                <a:tab pos="1243620" algn="l"/>
+                <a:tab pos="1658649" algn="l"/>
+                <a:tab pos="2073677" algn="l"/>
+                <a:tab pos="2488706" algn="l"/>
+                <a:tab pos="2903734" algn="l"/>
+                <a:tab pos="3318764" algn="l"/>
+                <a:tab pos="3733792" algn="l"/>
+                <a:tab pos="4148821" algn="l"/>
+                <a:tab pos="4563849" algn="l"/>
+                <a:tab pos="4978878" algn="l"/>
+                <a:tab pos="5393907" algn="l"/>
+                <a:tab pos="5808936" algn="l"/>
+                <a:tab pos="6223964" algn="l"/>
+                <a:tab pos="6638993" algn="l"/>
+                <a:tab pos="7054021" algn="l"/>
+                <a:tab pos="7469050" algn="l"/>
+                <a:tab pos="7884079" algn="l"/>
+                <a:tab pos="8299108" algn="l"/>
               </a:tabLst>
               <a:defRPr>
                 <a:solidFill>
@@ -3296,26 +3926,26 @@
             <a:lvl5pPr eaLnBrk="0">
               <a:tabLst>
                 <a:tab pos="0" algn="l"/>
-                <a:tab pos="447675" algn="l"/>
-                <a:tab pos="896938" algn="l"/>
-                <a:tab pos="1346200" algn="l"/>
-                <a:tab pos="1795463" algn="l"/>
-                <a:tab pos="2244725" algn="l"/>
-                <a:tab pos="2693988" algn="l"/>
-                <a:tab pos="3143250" algn="l"/>
-                <a:tab pos="3592513" algn="l"/>
-                <a:tab pos="4041775" algn="l"/>
-                <a:tab pos="4491038" algn="l"/>
-                <a:tab pos="4940300" algn="l"/>
-                <a:tab pos="5389563" algn="l"/>
-                <a:tab pos="5838825" algn="l"/>
-                <a:tab pos="6288088" algn="l"/>
-                <a:tab pos="6737350" algn="l"/>
-                <a:tab pos="7186613" algn="l"/>
-                <a:tab pos="7635875" algn="l"/>
-                <a:tab pos="8085138" algn="l"/>
-                <a:tab pos="8534400" algn="l"/>
-                <a:tab pos="8983663" algn="l"/>
+                <a:tab pos="413562" algn="l"/>
+                <a:tab pos="828591" algn="l"/>
+                <a:tab pos="1243620" algn="l"/>
+                <a:tab pos="1658649" algn="l"/>
+                <a:tab pos="2073677" algn="l"/>
+                <a:tab pos="2488706" algn="l"/>
+                <a:tab pos="2903734" algn="l"/>
+                <a:tab pos="3318764" algn="l"/>
+                <a:tab pos="3733792" algn="l"/>
+                <a:tab pos="4148821" algn="l"/>
+                <a:tab pos="4563849" algn="l"/>
+                <a:tab pos="4978878" algn="l"/>
+                <a:tab pos="5393907" algn="l"/>
+                <a:tab pos="5808936" algn="l"/>
+                <a:tab pos="6223964" algn="l"/>
+                <a:tab pos="6638993" algn="l"/>
+                <a:tab pos="7054021" algn="l"/>
+                <a:tab pos="7469050" algn="l"/>
+                <a:tab pos="7884079" algn="l"/>
+                <a:tab pos="8299108" algn="l"/>
               </a:tabLst>
               <a:defRPr>
                 <a:solidFill>
@@ -3325,7 +3955,7 @@
                 <a:cs typeface="Arial Unicode MS" charset="0"/>
               </a:defRPr>
             </a:lvl5pPr>
-            <a:lvl6pPr marL="2514600" indent="-228600" defTabSz="449263" eaLnBrk="0" fontAlgn="base" hangingPunct="0">
+            <a:lvl6pPr marL="2322987" indent="-211181" defTabSz="415029" eaLnBrk="0" fontAlgn="base" hangingPunct="0">
               <a:lnSpc>
                 <a:spcPct val="93000"/>
               </a:lnSpc>
@@ -3342,26 +3972,26 @@
               <a:buFont typeface="Times New Roman" pitchFamily="16" charset="0"/>
               <a:tabLst>
                 <a:tab pos="0" algn="l"/>
-                <a:tab pos="447675" algn="l"/>
-                <a:tab pos="896938" algn="l"/>
-                <a:tab pos="1346200" algn="l"/>
-                <a:tab pos="1795463" algn="l"/>
-                <a:tab pos="2244725" algn="l"/>
-                <a:tab pos="2693988" algn="l"/>
-                <a:tab pos="3143250" algn="l"/>
-                <a:tab pos="3592513" algn="l"/>
-                <a:tab pos="4041775" algn="l"/>
-                <a:tab pos="4491038" algn="l"/>
-                <a:tab pos="4940300" algn="l"/>
-                <a:tab pos="5389563" algn="l"/>
-                <a:tab pos="5838825" algn="l"/>
-                <a:tab pos="6288088" algn="l"/>
-                <a:tab pos="6737350" algn="l"/>
-                <a:tab pos="7186613" algn="l"/>
-                <a:tab pos="7635875" algn="l"/>
-                <a:tab pos="8085138" algn="l"/>
-                <a:tab pos="8534400" algn="l"/>
-                <a:tab pos="8983663" algn="l"/>
+                <a:tab pos="413562" algn="l"/>
+                <a:tab pos="828591" algn="l"/>
+                <a:tab pos="1243620" algn="l"/>
+                <a:tab pos="1658649" algn="l"/>
+                <a:tab pos="2073677" algn="l"/>
+                <a:tab pos="2488706" algn="l"/>
+                <a:tab pos="2903734" algn="l"/>
+                <a:tab pos="3318764" algn="l"/>
+                <a:tab pos="3733792" algn="l"/>
+                <a:tab pos="4148821" algn="l"/>
+                <a:tab pos="4563849" algn="l"/>
+                <a:tab pos="4978878" algn="l"/>
+                <a:tab pos="5393907" algn="l"/>
+                <a:tab pos="5808936" algn="l"/>
+                <a:tab pos="6223964" algn="l"/>
+                <a:tab pos="6638993" algn="l"/>
+                <a:tab pos="7054021" algn="l"/>
+                <a:tab pos="7469050" algn="l"/>
+                <a:tab pos="7884079" algn="l"/>
+                <a:tab pos="8299108" algn="l"/>
               </a:tabLst>
               <a:defRPr>
                 <a:solidFill>
@@ -3371,7 +4001,7 @@
                 <a:cs typeface="Arial Unicode MS" charset="0"/>
               </a:defRPr>
             </a:lvl6pPr>
-            <a:lvl7pPr marL="2971800" indent="-228600" defTabSz="449263" eaLnBrk="0" fontAlgn="base" hangingPunct="0">
+            <a:lvl7pPr marL="2745349" indent="-211181" defTabSz="415029" eaLnBrk="0" fontAlgn="base" hangingPunct="0">
               <a:lnSpc>
                 <a:spcPct val="93000"/>
               </a:lnSpc>
@@ -3388,26 +4018,26 @@
               <a:buFont typeface="Times New Roman" pitchFamily="16" charset="0"/>
               <a:tabLst>
                 <a:tab pos="0" algn="l"/>
-                <a:tab pos="447675" algn="l"/>
-                <a:tab pos="896938" algn="l"/>
-                <a:tab pos="1346200" algn="l"/>
-                <a:tab pos="1795463" algn="l"/>
-                <a:tab pos="2244725" algn="l"/>
-                <a:tab pos="2693988" algn="l"/>
-                <a:tab pos="3143250" algn="l"/>
-                <a:tab pos="3592513" algn="l"/>
-                <a:tab pos="4041775" algn="l"/>
-                <a:tab pos="4491038" algn="l"/>
-                <a:tab pos="4940300" algn="l"/>
-                <a:tab pos="5389563" algn="l"/>
-                <a:tab pos="5838825" algn="l"/>
-                <a:tab pos="6288088" algn="l"/>
-                <a:tab pos="6737350" algn="l"/>
-                <a:tab pos="7186613" algn="l"/>
-                <a:tab pos="7635875" algn="l"/>
-                <a:tab pos="8085138" algn="l"/>
-                <a:tab pos="8534400" algn="l"/>
-                <a:tab pos="8983663" algn="l"/>
+                <a:tab pos="413562" algn="l"/>
+                <a:tab pos="828591" algn="l"/>
+                <a:tab pos="1243620" algn="l"/>
+                <a:tab pos="1658649" algn="l"/>
+                <a:tab pos="2073677" algn="l"/>
+                <a:tab pos="2488706" algn="l"/>
+                <a:tab pos="2903734" algn="l"/>
+                <a:tab pos="3318764" algn="l"/>
+                <a:tab pos="3733792" algn="l"/>
+                <a:tab pos="4148821" algn="l"/>
+                <a:tab pos="4563849" algn="l"/>
+                <a:tab pos="4978878" algn="l"/>
+                <a:tab pos="5393907" algn="l"/>
+                <a:tab pos="5808936" algn="l"/>
+                <a:tab pos="6223964" algn="l"/>
+                <a:tab pos="6638993" algn="l"/>
+                <a:tab pos="7054021" algn="l"/>
+                <a:tab pos="7469050" algn="l"/>
+                <a:tab pos="7884079" algn="l"/>
+                <a:tab pos="8299108" algn="l"/>
               </a:tabLst>
               <a:defRPr>
                 <a:solidFill>
@@ -3417,7 +4047,7 @@
                 <a:cs typeface="Arial Unicode MS" charset="0"/>
               </a:defRPr>
             </a:lvl7pPr>
-            <a:lvl8pPr marL="3429000" indent="-228600" defTabSz="449263" eaLnBrk="0" fontAlgn="base" hangingPunct="0">
+            <a:lvl8pPr marL="3167710" indent="-211181" defTabSz="415029" eaLnBrk="0" fontAlgn="base" hangingPunct="0">
               <a:lnSpc>
                 <a:spcPct val="93000"/>
               </a:lnSpc>
@@ -3434,26 +4064,26 @@
               <a:buFont typeface="Times New Roman" pitchFamily="16" charset="0"/>
               <a:tabLst>
                 <a:tab pos="0" algn="l"/>
-                <a:tab pos="447675" algn="l"/>
-                <a:tab pos="896938" algn="l"/>
-                <a:tab pos="1346200" algn="l"/>
-                <a:tab pos="1795463" algn="l"/>
-                <a:tab pos="2244725" algn="l"/>
-                <a:tab pos="2693988" algn="l"/>
-                <a:tab pos="3143250" algn="l"/>
-                <a:tab pos="3592513" algn="l"/>
-                <a:tab pos="4041775" algn="l"/>
-                <a:tab pos="4491038" algn="l"/>
-                <a:tab pos="4940300" algn="l"/>
-                <a:tab pos="5389563" algn="l"/>
-                <a:tab pos="5838825" algn="l"/>
-                <a:tab pos="6288088" algn="l"/>
-                <a:tab pos="6737350" algn="l"/>
-                <a:tab pos="7186613" algn="l"/>
-                <a:tab pos="7635875" algn="l"/>
-                <a:tab pos="8085138" algn="l"/>
-                <a:tab pos="8534400" algn="l"/>
-                <a:tab pos="8983663" algn="l"/>
+                <a:tab pos="413562" algn="l"/>
+                <a:tab pos="828591" algn="l"/>
+                <a:tab pos="1243620" algn="l"/>
+                <a:tab pos="1658649" algn="l"/>
+                <a:tab pos="2073677" algn="l"/>
+                <a:tab pos="2488706" algn="l"/>
+                <a:tab pos="2903734" algn="l"/>
+                <a:tab pos="3318764" algn="l"/>
+                <a:tab pos="3733792" algn="l"/>
+                <a:tab pos="4148821" algn="l"/>
+                <a:tab pos="4563849" algn="l"/>
+                <a:tab pos="4978878" algn="l"/>
+                <a:tab pos="5393907" algn="l"/>
+                <a:tab pos="5808936" algn="l"/>
+                <a:tab pos="6223964" algn="l"/>
+                <a:tab pos="6638993" algn="l"/>
+                <a:tab pos="7054021" algn="l"/>
+                <a:tab pos="7469050" algn="l"/>
+                <a:tab pos="7884079" algn="l"/>
+                <a:tab pos="8299108" algn="l"/>
               </a:tabLst>
               <a:defRPr>
                 <a:solidFill>
@@ -3463,7 +4093,7 @@
                 <a:cs typeface="Arial Unicode MS" charset="0"/>
               </a:defRPr>
             </a:lvl8pPr>
-            <a:lvl9pPr marL="3886200" indent="-228600" defTabSz="449263" eaLnBrk="0" fontAlgn="base" hangingPunct="0">
+            <a:lvl9pPr marL="3590072" indent="-211181" defTabSz="415029" eaLnBrk="0" fontAlgn="base" hangingPunct="0">
               <a:lnSpc>
                 <a:spcPct val="93000"/>
               </a:lnSpc>
@@ -3480,26 +4110,26 @@
               <a:buFont typeface="Times New Roman" pitchFamily="16" charset="0"/>
               <a:tabLst>
                 <a:tab pos="0" algn="l"/>
-                <a:tab pos="447675" algn="l"/>
-                <a:tab pos="896938" algn="l"/>
-                <a:tab pos="1346200" algn="l"/>
-                <a:tab pos="1795463" algn="l"/>
-                <a:tab pos="2244725" algn="l"/>
-                <a:tab pos="2693988" algn="l"/>
-                <a:tab pos="3143250" algn="l"/>
-                <a:tab pos="3592513" algn="l"/>
-                <a:tab pos="4041775" algn="l"/>
-                <a:tab pos="4491038" algn="l"/>
-                <a:tab pos="4940300" algn="l"/>
-                <a:tab pos="5389563" algn="l"/>
-                <a:tab pos="5838825" algn="l"/>
-                <a:tab pos="6288088" algn="l"/>
-                <a:tab pos="6737350" algn="l"/>
-                <a:tab pos="7186613" algn="l"/>
-                <a:tab pos="7635875" algn="l"/>
-                <a:tab pos="8085138" algn="l"/>
-                <a:tab pos="8534400" algn="l"/>
-                <a:tab pos="8983663" algn="l"/>
+                <a:tab pos="413562" algn="l"/>
+                <a:tab pos="828591" algn="l"/>
+                <a:tab pos="1243620" algn="l"/>
+                <a:tab pos="1658649" algn="l"/>
+                <a:tab pos="2073677" algn="l"/>
+                <a:tab pos="2488706" algn="l"/>
+                <a:tab pos="2903734" algn="l"/>
+                <a:tab pos="3318764" algn="l"/>
+                <a:tab pos="3733792" algn="l"/>
+                <a:tab pos="4148821" algn="l"/>
+                <a:tab pos="4563849" algn="l"/>
+                <a:tab pos="4978878" algn="l"/>
+                <a:tab pos="5393907" algn="l"/>
+                <a:tab pos="5808936" algn="l"/>
+                <a:tab pos="6223964" algn="l"/>
+                <a:tab pos="6638993" algn="l"/>
+                <a:tab pos="7054021" algn="l"/>
+                <a:tab pos="7469050" algn="l"/>
+                <a:tab pos="7884079" algn="l"/>
+                <a:tab pos="8299108" algn="l"/>
               </a:tabLst>
               <a:defRPr>
                 <a:solidFill>
@@ -3512,7 +4142,7 @@
           </a:lstStyle>
           <a:p>
             <a:pPr eaLnBrk="1"/>
-            <a:fld id="{D48DA3CB-5486-4B23-9B5E-F08FB67B7836}" type="slidenum">
+            <a:fld id="{8D8DF010-39A0-4CBD-83B1-1C08E3426314}" type="slidenum">
               <a:rPr lang="en-US" smtClean="0">
                 <a:solidFill>
                   <a:srgbClr val="000000"/>
@@ -3520,7 +4150,7 @@
                 <a:latin typeface="Times New Roman" pitchFamily="16" charset="0"/>
               </a:rPr>
               <a:pPr eaLnBrk="1"/>
-              <a:t>7</a:t>
+              <a:t>5</a:t>
             </a:fld>
             <a:endParaRPr lang="en-US" smtClean="0">
               <a:solidFill>
@@ -3533,9 +4163,9 @@
       </p:sp>
       <p:sp>
         <p:nvSpPr>
-          <p:cNvPr id="25603" name="Rectangle 1"/>
+          <p:cNvPr id="24579" name="Rectangle 1"/>
           <p:cNvSpPr>
-            <a:spLocks noChangeArrowheads="1" noTextEdit="1"/>
+            <a:spLocks noGrp="1" noRot="1" noChangeAspect="1" noChangeArrowheads="1" noTextEdit="1"/>
           </p:cNvSpPr>
           <p:nvPr>
             <p:ph type="sldImg"/>
@@ -3543,8 +4173,8 @@
         </p:nvSpPr>
         <p:spPr>
           <a:xfrm>
-            <a:off x="1106488" y="812800"/>
-            <a:ext cx="5345112" cy="4008438"/>
+            <a:off x="936625" y="760413"/>
+            <a:ext cx="4992688" cy="3746500"/>
           </a:xfrm>
           <a:solidFill>
             <a:srgbClr val="FFFFFF"/>
@@ -3572,9 +4202,9 @@
       </p:sp>
       <p:sp>
         <p:nvSpPr>
-          <p:cNvPr id="25604" name="Rectangle 2"/>
+          <p:cNvPr id="24580" name="Rectangle 2"/>
           <p:cNvSpPr>
-            <a:spLocks noChangeArrowheads="1"/>
+            <a:spLocks noGrp="1" noChangeArrowheads="1"/>
           </p:cNvSpPr>
           <p:nvPr>
             <p:ph type="body" idx="1"/>
@@ -3582,8 +4212,8 @@
         </p:nvSpPr>
         <p:spPr>
           <a:xfrm>
-            <a:off x="755650" y="5078413"/>
-            <a:ext cx="6048375" cy="4811712"/>
+            <a:off x="686464" y="4747392"/>
+            <a:ext cx="5494597" cy="4498075"/>
           </a:xfrm>
           <a:noFill/>
           <a:extLst>
@@ -3617,14 +4247,6 @@
 <file path=ppt/notesSlides/notesSlide6.xml><?xml version="1.0" encoding="utf-8"?>
 <p:notes xmlns:a="http://schemas.openxmlformats.org/drawingml/2006/main" xmlns:r="http://schemas.openxmlformats.org/officeDocument/2006/relationships" xmlns:p="http://schemas.openxmlformats.org/presentationml/2006/main">
   <p:cSld>
-    <p:bg>
-      <p:bgPr>
-        <a:solidFill>
-          <a:srgbClr val="FFFFFF"/>
-        </a:solidFill>
-        <a:effectLst/>
-      </p:bgPr>
-    </p:bg>
     <p:spTree>
       <p:nvGrpSpPr>
         <p:cNvPr id="1" name=""/>
@@ -3641,462 +4263,70 @@
       </p:grpSpPr>
       <p:sp>
         <p:nvSpPr>
-          <p:cNvPr id="26626" name="Rectangle 7"/>
+          <p:cNvPr id="2" name="Folienbildplatzhalter 1"/>
           <p:cNvSpPr>
-            <a:spLocks noGrp="1" noChangeArrowheads="1"/>
-          </p:cNvSpPr>
-          <p:nvPr>
-            <p:ph type="sldNum" sz="quarter"/>
-          </p:nvPr>
-        </p:nvSpPr>
-        <p:spPr>
-          <a:noFill/>
-        </p:spPr>
-        <p:txBody>
-          <a:bodyPr/>
-          <a:lstStyle>
-            <a:lvl1pPr eaLnBrk="0">
-              <a:tabLst>
-                <a:tab pos="0" algn="l"/>
-                <a:tab pos="447675" algn="l"/>
-                <a:tab pos="896938" algn="l"/>
-                <a:tab pos="1346200" algn="l"/>
-                <a:tab pos="1795463" algn="l"/>
-                <a:tab pos="2244725" algn="l"/>
-                <a:tab pos="2693988" algn="l"/>
-                <a:tab pos="3143250" algn="l"/>
-                <a:tab pos="3592513" algn="l"/>
-                <a:tab pos="4041775" algn="l"/>
-                <a:tab pos="4491038" algn="l"/>
-                <a:tab pos="4940300" algn="l"/>
-                <a:tab pos="5389563" algn="l"/>
-                <a:tab pos="5838825" algn="l"/>
-                <a:tab pos="6288088" algn="l"/>
-                <a:tab pos="6737350" algn="l"/>
-                <a:tab pos="7186613" algn="l"/>
-                <a:tab pos="7635875" algn="l"/>
-                <a:tab pos="8085138" algn="l"/>
-                <a:tab pos="8534400" algn="l"/>
-                <a:tab pos="8983663" algn="l"/>
-              </a:tabLst>
-              <a:defRPr>
-                <a:solidFill>
-                  <a:schemeClr val="bg1"/>
-                </a:solidFill>
-                <a:latin typeface="Arial" charset="0"/>
-                <a:cs typeface="Arial Unicode MS" charset="0"/>
-              </a:defRPr>
-            </a:lvl1pPr>
-            <a:lvl2pPr eaLnBrk="0">
-              <a:tabLst>
-                <a:tab pos="0" algn="l"/>
-                <a:tab pos="447675" algn="l"/>
-                <a:tab pos="896938" algn="l"/>
-                <a:tab pos="1346200" algn="l"/>
-                <a:tab pos="1795463" algn="l"/>
-                <a:tab pos="2244725" algn="l"/>
-                <a:tab pos="2693988" algn="l"/>
-                <a:tab pos="3143250" algn="l"/>
-                <a:tab pos="3592513" algn="l"/>
-                <a:tab pos="4041775" algn="l"/>
-                <a:tab pos="4491038" algn="l"/>
-                <a:tab pos="4940300" algn="l"/>
-                <a:tab pos="5389563" algn="l"/>
-                <a:tab pos="5838825" algn="l"/>
-                <a:tab pos="6288088" algn="l"/>
-                <a:tab pos="6737350" algn="l"/>
-                <a:tab pos="7186613" algn="l"/>
-                <a:tab pos="7635875" algn="l"/>
-                <a:tab pos="8085138" algn="l"/>
-                <a:tab pos="8534400" algn="l"/>
-                <a:tab pos="8983663" algn="l"/>
-              </a:tabLst>
-              <a:defRPr>
-                <a:solidFill>
-                  <a:schemeClr val="bg1"/>
-                </a:solidFill>
-                <a:latin typeface="Arial" charset="0"/>
-                <a:cs typeface="Arial Unicode MS" charset="0"/>
-              </a:defRPr>
-            </a:lvl2pPr>
-            <a:lvl3pPr eaLnBrk="0">
-              <a:tabLst>
-                <a:tab pos="0" algn="l"/>
-                <a:tab pos="447675" algn="l"/>
-                <a:tab pos="896938" algn="l"/>
-                <a:tab pos="1346200" algn="l"/>
-                <a:tab pos="1795463" algn="l"/>
-                <a:tab pos="2244725" algn="l"/>
-                <a:tab pos="2693988" algn="l"/>
-                <a:tab pos="3143250" algn="l"/>
-                <a:tab pos="3592513" algn="l"/>
-                <a:tab pos="4041775" algn="l"/>
-                <a:tab pos="4491038" algn="l"/>
-                <a:tab pos="4940300" algn="l"/>
-                <a:tab pos="5389563" algn="l"/>
-                <a:tab pos="5838825" algn="l"/>
-                <a:tab pos="6288088" algn="l"/>
-                <a:tab pos="6737350" algn="l"/>
-                <a:tab pos="7186613" algn="l"/>
-                <a:tab pos="7635875" algn="l"/>
-                <a:tab pos="8085138" algn="l"/>
-                <a:tab pos="8534400" algn="l"/>
-                <a:tab pos="8983663" algn="l"/>
-              </a:tabLst>
-              <a:defRPr>
-                <a:solidFill>
-                  <a:schemeClr val="bg1"/>
-                </a:solidFill>
-                <a:latin typeface="Arial" charset="0"/>
-                <a:cs typeface="Arial Unicode MS" charset="0"/>
-              </a:defRPr>
-            </a:lvl3pPr>
-            <a:lvl4pPr eaLnBrk="0">
-              <a:tabLst>
-                <a:tab pos="0" algn="l"/>
-                <a:tab pos="447675" algn="l"/>
-                <a:tab pos="896938" algn="l"/>
-                <a:tab pos="1346200" algn="l"/>
-                <a:tab pos="1795463" algn="l"/>
-                <a:tab pos="2244725" algn="l"/>
-                <a:tab pos="2693988" algn="l"/>
-                <a:tab pos="3143250" algn="l"/>
-                <a:tab pos="3592513" algn="l"/>
-                <a:tab pos="4041775" algn="l"/>
-                <a:tab pos="4491038" algn="l"/>
-                <a:tab pos="4940300" algn="l"/>
-                <a:tab pos="5389563" algn="l"/>
-                <a:tab pos="5838825" algn="l"/>
-                <a:tab pos="6288088" algn="l"/>
-                <a:tab pos="6737350" algn="l"/>
-                <a:tab pos="7186613" algn="l"/>
-                <a:tab pos="7635875" algn="l"/>
-                <a:tab pos="8085138" algn="l"/>
-                <a:tab pos="8534400" algn="l"/>
-                <a:tab pos="8983663" algn="l"/>
-              </a:tabLst>
-              <a:defRPr>
-                <a:solidFill>
-                  <a:schemeClr val="bg1"/>
-                </a:solidFill>
-                <a:latin typeface="Arial" charset="0"/>
-                <a:cs typeface="Arial Unicode MS" charset="0"/>
-              </a:defRPr>
-            </a:lvl4pPr>
-            <a:lvl5pPr eaLnBrk="0">
-              <a:tabLst>
-                <a:tab pos="0" algn="l"/>
-                <a:tab pos="447675" algn="l"/>
-                <a:tab pos="896938" algn="l"/>
-                <a:tab pos="1346200" algn="l"/>
-                <a:tab pos="1795463" algn="l"/>
-                <a:tab pos="2244725" algn="l"/>
-                <a:tab pos="2693988" algn="l"/>
-                <a:tab pos="3143250" algn="l"/>
-                <a:tab pos="3592513" algn="l"/>
-                <a:tab pos="4041775" algn="l"/>
-                <a:tab pos="4491038" algn="l"/>
-                <a:tab pos="4940300" algn="l"/>
-                <a:tab pos="5389563" algn="l"/>
-                <a:tab pos="5838825" algn="l"/>
-                <a:tab pos="6288088" algn="l"/>
-                <a:tab pos="6737350" algn="l"/>
-                <a:tab pos="7186613" algn="l"/>
-                <a:tab pos="7635875" algn="l"/>
-                <a:tab pos="8085138" algn="l"/>
-                <a:tab pos="8534400" algn="l"/>
-                <a:tab pos="8983663" algn="l"/>
-              </a:tabLst>
-              <a:defRPr>
-                <a:solidFill>
-                  <a:schemeClr val="bg1"/>
-                </a:solidFill>
-                <a:latin typeface="Arial" charset="0"/>
-                <a:cs typeface="Arial Unicode MS" charset="0"/>
-              </a:defRPr>
-            </a:lvl5pPr>
-            <a:lvl6pPr marL="2514600" indent="-228600" defTabSz="449263" eaLnBrk="0" fontAlgn="base" hangingPunct="0">
-              <a:lnSpc>
-                <a:spcPct val="93000"/>
-              </a:lnSpc>
-              <a:spcBef>
-                <a:spcPct val="0"/>
-              </a:spcBef>
-              <a:spcAft>
-                <a:spcPct val="0"/>
-              </a:spcAft>
-              <a:buClr>
-                <a:srgbClr val="000000"/>
-              </a:buClr>
-              <a:buSzPct val="100000"/>
-              <a:buFont typeface="Times New Roman" pitchFamily="16" charset="0"/>
-              <a:tabLst>
-                <a:tab pos="0" algn="l"/>
-                <a:tab pos="447675" algn="l"/>
-                <a:tab pos="896938" algn="l"/>
-                <a:tab pos="1346200" algn="l"/>
-                <a:tab pos="1795463" algn="l"/>
-                <a:tab pos="2244725" algn="l"/>
-                <a:tab pos="2693988" algn="l"/>
-                <a:tab pos="3143250" algn="l"/>
-                <a:tab pos="3592513" algn="l"/>
-                <a:tab pos="4041775" algn="l"/>
-                <a:tab pos="4491038" algn="l"/>
-                <a:tab pos="4940300" algn="l"/>
-                <a:tab pos="5389563" algn="l"/>
-                <a:tab pos="5838825" algn="l"/>
-                <a:tab pos="6288088" algn="l"/>
-                <a:tab pos="6737350" algn="l"/>
-                <a:tab pos="7186613" algn="l"/>
-                <a:tab pos="7635875" algn="l"/>
-                <a:tab pos="8085138" algn="l"/>
-                <a:tab pos="8534400" algn="l"/>
-                <a:tab pos="8983663" algn="l"/>
-              </a:tabLst>
-              <a:defRPr>
-                <a:solidFill>
-                  <a:schemeClr val="bg1"/>
-                </a:solidFill>
-                <a:latin typeface="Arial" charset="0"/>
-                <a:cs typeface="Arial Unicode MS" charset="0"/>
-              </a:defRPr>
-            </a:lvl6pPr>
-            <a:lvl7pPr marL="2971800" indent="-228600" defTabSz="449263" eaLnBrk="0" fontAlgn="base" hangingPunct="0">
-              <a:lnSpc>
-                <a:spcPct val="93000"/>
-              </a:lnSpc>
-              <a:spcBef>
-                <a:spcPct val="0"/>
-              </a:spcBef>
-              <a:spcAft>
-                <a:spcPct val="0"/>
-              </a:spcAft>
-              <a:buClr>
-                <a:srgbClr val="000000"/>
-              </a:buClr>
-              <a:buSzPct val="100000"/>
-              <a:buFont typeface="Times New Roman" pitchFamily="16" charset="0"/>
-              <a:tabLst>
-                <a:tab pos="0" algn="l"/>
-                <a:tab pos="447675" algn="l"/>
-                <a:tab pos="896938" algn="l"/>
-                <a:tab pos="1346200" algn="l"/>
-                <a:tab pos="1795463" algn="l"/>
-                <a:tab pos="2244725" algn="l"/>
-                <a:tab pos="2693988" algn="l"/>
-                <a:tab pos="3143250" algn="l"/>
-                <a:tab pos="3592513" algn="l"/>
-                <a:tab pos="4041775" algn="l"/>
-                <a:tab pos="4491038" algn="l"/>
-                <a:tab pos="4940300" algn="l"/>
-                <a:tab pos="5389563" algn="l"/>
-                <a:tab pos="5838825" algn="l"/>
-                <a:tab pos="6288088" algn="l"/>
-                <a:tab pos="6737350" algn="l"/>
-                <a:tab pos="7186613" algn="l"/>
-                <a:tab pos="7635875" algn="l"/>
-                <a:tab pos="8085138" algn="l"/>
-                <a:tab pos="8534400" algn="l"/>
-                <a:tab pos="8983663" algn="l"/>
-              </a:tabLst>
-              <a:defRPr>
-                <a:solidFill>
-                  <a:schemeClr val="bg1"/>
-                </a:solidFill>
-                <a:latin typeface="Arial" charset="0"/>
-                <a:cs typeface="Arial Unicode MS" charset="0"/>
-              </a:defRPr>
-            </a:lvl7pPr>
-            <a:lvl8pPr marL="3429000" indent="-228600" defTabSz="449263" eaLnBrk="0" fontAlgn="base" hangingPunct="0">
-              <a:lnSpc>
-                <a:spcPct val="93000"/>
-              </a:lnSpc>
-              <a:spcBef>
-                <a:spcPct val="0"/>
-              </a:spcBef>
-              <a:spcAft>
-                <a:spcPct val="0"/>
-              </a:spcAft>
-              <a:buClr>
-                <a:srgbClr val="000000"/>
-              </a:buClr>
-              <a:buSzPct val="100000"/>
-              <a:buFont typeface="Times New Roman" pitchFamily="16" charset="0"/>
-              <a:tabLst>
-                <a:tab pos="0" algn="l"/>
-                <a:tab pos="447675" algn="l"/>
-                <a:tab pos="896938" algn="l"/>
-                <a:tab pos="1346200" algn="l"/>
-                <a:tab pos="1795463" algn="l"/>
-                <a:tab pos="2244725" algn="l"/>
-                <a:tab pos="2693988" algn="l"/>
-                <a:tab pos="3143250" algn="l"/>
-                <a:tab pos="3592513" algn="l"/>
-                <a:tab pos="4041775" algn="l"/>
-                <a:tab pos="4491038" algn="l"/>
-                <a:tab pos="4940300" algn="l"/>
-                <a:tab pos="5389563" algn="l"/>
-                <a:tab pos="5838825" algn="l"/>
-                <a:tab pos="6288088" algn="l"/>
-                <a:tab pos="6737350" algn="l"/>
-                <a:tab pos="7186613" algn="l"/>
-                <a:tab pos="7635875" algn="l"/>
-                <a:tab pos="8085138" algn="l"/>
-                <a:tab pos="8534400" algn="l"/>
-                <a:tab pos="8983663" algn="l"/>
-              </a:tabLst>
-              <a:defRPr>
-                <a:solidFill>
-                  <a:schemeClr val="bg1"/>
-                </a:solidFill>
-                <a:latin typeface="Arial" charset="0"/>
-                <a:cs typeface="Arial Unicode MS" charset="0"/>
-              </a:defRPr>
-            </a:lvl8pPr>
-            <a:lvl9pPr marL="3886200" indent="-228600" defTabSz="449263" eaLnBrk="0" fontAlgn="base" hangingPunct="0">
-              <a:lnSpc>
-                <a:spcPct val="93000"/>
-              </a:lnSpc>
-              <a:spcBef>
-                <a:spcPct val="0"/>
-              </a:spcBef>
-              <a:spcAft>
-                <a:spcPct val="0"/>
-              </a:spcAft>
-              <a:buClr>
-                <a:srgbClr val="000000"/>
-              </a:buClr>
-              <a:buSzPct val="100000"/>
-              <a:buFont typeface="Times New Roman" pitchFamily="16" charset="0"/>
-              <a:tabLst>
-                <a:tab pos="0" algn="l"/>
-                <a:tab pos="447675" algn="l"/>
-                <a:tab pos="896938" algn="l"/>
-                <a:tab pos="1346200" algn="l"/>
-                <a:tab pos="1795463" algn="l"/>
-                <a:tab pos="2244725" algn="l"/>
-                <a:tab pos="2693988" algn="l"/>
-                <a:tab pos="3143250" algn="l"/>
-                <a:tab pos="3592513" algn="l"/>
-                <a:tab pos="4041775" algn="l"/>
-                <a:tab pos="4491038" algn="l"/>
-                <a:tab pos="4940300" algn="l"/>
-                <a:tab pos="5389563" algn="l"/>
-                <a:tab pos="5838825" algn="l"/>
-                <a:tab pos="6288088" algn="l"/>
-                <a:tab pos="6737350" algn="l"/>
-                <a:tab pos="7186613" algn="l"/>
-                <a:tab pos="7635875" algn="l"/>
-                <a:tab pos="8085138" algn="l"/>
-                <a:tab pos="8534400" algn="l"/>
-                <a:tab pos="8983663" algn="l"/>
-              </a:tabLst>
-              <a:defRPr>
-                <a:solidFill>
-                  <a:schemeClr val="bg1"/>
-                </a:solidFill>
-                <a:latin typeface="Arial" charset="0"/>
-                <a:cs typeface="Arial Unicode MS" charset="0"/>
-              </a:defRPr>
-            </a:lvl9pPr>
-          </a:lstStyle>
-          <a:p>
-            <a:pPr eaLnBrk="1"/>
-            <a:fld id="{70494871-F11D-4392-BDD9-C7F9AA314668}" type="slidenum">
-              <a:rPr lang="en-US" smtClean="0">
-                <a:solidFill>
-                  <a:srgbClr val="000000"/>
-                </a:solidFill>
-                <a:latin typeface="Times New Roman" pitchFamily="16" charset="0"/>
-              </a:rPr>
-              <a:pPr eaLnBrk="1"/>
-              <a:t>8</a:t>
-            </a:fld>
-            <a:endParaRPr lang="en-US" smtClean="0">
-              <a:solidFill>
-                <a:srgbClr val="000000"/>
-              </a:solidFill>
-              <a:latin typeface="Times New Roman" pitchFamily="16" charset="0"/>
-            </a:endParaRPr>
-          </a:p>
-        </p:txBody>
-      </p:sp>
-      <p:sp>
-        <p:nvSpPr>
-          <p:cNvPr id="26627" name="Rectangle 1"/>
-          <p:cNvSpPr>
-            <a:spLocks noChangeArrowheads="1" noTextEdit="1"/>
+            <a:spLocks noGrp="1" noRot="1" noChangeAspect="1"/>
           </p:cNvSpPr>
           <p:nvPr>
             <p:ph type="sldImg"/>
           </p:nvPr>
         </p:nvSpPr>
-        <p:spPr>
-          <a:xfrm>
-            <a:off x="1106488" y="812800"/>
-            <a:ext cx="5345112" cy="4008438"/>
-          </a:xfrm>
-          <a:solidFill>
-            <a:srgbClr val="FFFFFF"/>
-          </a:solidFill>
-          <a:ln>
-            <a:solidFill>
-              <a:srgbClr val="000000"/>
-            </a:solidFill>
-            <a:miter lim="800000"/>
-            <a:headEnd/>
-            <a:tailEnd/>
-          </a:ln>
-          <a:extLst>
-            <a:ext uri="{AF507438-7753-43E0-B8FC-AC1667EBCBE1}">
-              <a14:hiddenEffects xmlns:a14="http://schemas.microsoft.com/office/drawing/2010/main">
-                <a:effectLst>
-                  <a:outerShdw dist="35921" dir="2700000" algn="ctr" rotWithShape="0">
-                    <a:srgbClr val="808080"/>
-                  </a:outerShdw>
-                </a:effectLst>
-              </a14:hiddenEffects>
-            </a:ext>
-          </a:extLst>
-        </p:spPr>
-      </p:sp>
-      <p:sp>
-        <p:nvSpPr>
-          <p:cNvPr id="26628" name="Rectangle 2"/>
+        <p:spPr/>
+      </p:sp>
+      <p:sp>
+        <p:nvSpPr>
+          <p:cNvPr id="3" name="Notizenplatzhalter 2"/>
           <p:cNvSpPr>
-            <a:spLocks noChangeArrowheads="1"/>
+            <a:spLocks noGrp="1"/>
           </p:cNvSpPr>
           <p:nvPr>
             <p:ph type="body" idx="1"/>
           </p:nvPr>
         </p:nvSpPr>
-        <p:spPr>
-          <a:xfrm>
-            <a:off x="755650" y="5078413"/>
-            <a:ext cx="6048375" cy="4811712"/>
-          </a:xfrm>
-          <a:noFill/>
-          <a:extLst>
-            <a:ext uri="{AF507438-7753-43E0-B8FC-AC1667EBCBE1}">
-              <a14:hiddenEffects xmlns:a14="http://schemas.microsoft.com/office/drawing/2010/main">
-                <a:effectLst>
-                  <a:outerShdw dist="35921" dir="2700000" algn="ctr" rotWithShape="0">
-                    <a:srgbClr val="808080"/>
-                  </a:outerShdw>
-                </a:effectLst>
-              </a14:hiddenEffects>
-            </a:ext>
-          </a:extLst>
-        </p:spPr>
+        <p:spPr/>
         <p:txBody>
-          <a:bodyPr wrap="none" anchor="ctr"/>
+          <a:bodyPr/>
           <a:lstStyle/>
           <a:p>
-            <a:endParaRPr lang="de-DE" smtClean="0"/>
+            <a:endParaRPr lang="de-CH"/>
           </a:p>
         </p:txBody>
       </p:sp>
+      <p:sp>
+        <p:nvSpPr>
+          <p:cNvPr id="4" name="Foliennummernplatzhalter 3"/>
+          <p:cNvSpPr>
+            <a:spLocks noGrp="1"/>
+          </p:cNvSpPr>
+          <p:nvPr>
+            <p:ph type="sldNum" idx="10"/>
+          </p:nvPr>
+        </p:nvSpPr>
+        <p:spPr/>
+        <p:txBody>
+          <a:bodyPr/>
+          <a:lstStyle/>
+          <a:p>
+            <a:pPr>
+              <a:defRPr/>
+            </a:pPr>
+            <a:fld id="{F62945CA-047E-404E-9C65-5DEEB3586EA2}" type="slidenum">
+              <a:rPr lang="en-US" smtClean="0"/>
+              <a:pPr>
+                <a:defRPr/>
+              </a:pPr>
+              <a:t>6</a:t>
+            </a:fld>
+            <a:endParaRPr lang="en-US"/>
+          </a:p>
+        </p:txBody>
+      </p:sp>
     </p:spTree>
+    <p:extLst>
+      <p:ext uri="{BB962C8B-B14F-4D97-AF65-F5344CB8AC3E}">
+        <p14:creationId xmlns:p14="http://schemas.microsoft.com/office/powerpoint/2010/main" val="3137138891"/>
+      </p:ext>
+    </p:extLst>
   </p:cSld>
   <p:clrMapOvr>
     <a:masterClrMapping/>
@@ -4131,7 +4361,7 @@
       </p:grpSpPr>
       <p:sp>
         <p:nvSpPr>
-          <p:cNvPr id="31746" name="Rectangle 7"/>
+          <p:cNvPr id="25602" name="Rectangle 7"/>
           <p:cNvSpPr>
             <a:spLocks noGrp="1" noChangeArrowheads="1"/>
           </p:cNvSpPr>
@@ -4148,26 +4378,26 @@
             <a:lvl1pPr eaLnBrk="0">
               <a:tabLst>
                 <a:tab pos="0" algn="l"/>
-                <a:tab pos="447675" algn="l"/>
-                <a:tab pos="896938" algn="l"/>
-                <a:tab pos="1346200" algn="l"/>
-                <a:tab pos="1795463" algn="l"/>
-                <a:tab pos="2244725" algn="l"/>
-                <a:tab pos="2693988" algn="l"/>
-                <a:tab pos="3143250" algn="l"/>
-                <a:tab pos="3592513" algn="l"/>
-                <a:tab pos="4041775" algn="l"/>
-                <a:tab pos="4491038" algn="l"/>
-                <a:tab pos="4940300" algn="l"/>
-                <a:tab pos="5389563" algn="l"/>
-                <a:tab pos="5838825" algn="l"/>
-                <a:tab pos="6288088" algn="l"/>
-                <a:tab pos="6737350" algn="l"/>
-                <a:tab pos="7186613" algn="l"/>
-                <a:tab pos="7635875" algn="l"/>
-                <a:tab pos="8085138" algn="l"/>
-                <a:tab pos="8534400" algn="l"/>
-                <a:tab pos="8983663" algn="l"/>
+                <a:tab pos="413562" algn="l"/>
+                <a:tab pos="828591" algn="l"/>
+                <a:tab pos="1243620" algn="l"/>
+                <a:tab pos="1658649" algn="l"/>
+                <a:tab pos="2073677" algn="l"/>
+                <a:tab pos="2488706" algn="l"/>
+                <a:tab pos="2903734" algn="l"/>
+                <a:tab pos="3318764" algn="l"/>
+                <a:tab pos="3733792" algn="l"/>
+                <a:tab pos="4148821" algn="l"/>
+                <a:tab pos="4563849" algn="l"/>
+                <a:tab pos="4978878" algn="l"/>
+                <a:tab pos="5393907" algn="l"/>
+                <a:tab pos="5808936" algn="l"/>
+                <a:tab pos="6223964" algn="l"/>
+                <a:tab pos="6638993" algn="l"/>
+                <a:tab pos="7054021" algn="l"/>
+                <a:tab pos="7469050" algn="l"/>
+                <a:tab pos="7884079" algn="l"/>
+                <a:tab pos="8299108" algn="l"/>
               </a:tabLst>
               <a:defRPr>
                 <a:solidFill>
@@ -4180,26 +4410,26 @@
             <a:lvl2pPr eaLnBrk="0">
               <a:tabLst>
                 <a:tab pos="0" algn="l"/>
-                <a:tab pos="447675" algn="l"/>
-                <a:tab pos="896938" algn="l"/>
-                <a:tab pos="1346200" algn="l"/>
-                <a:tab pos="1795463" algn="l"/>
-                <a:tab pos="2244725" algn="l"/>
-                <a:tab pos="2693988" algn="l"/>
-                <a:tab pos="3143250" algn="l"/>
-                <a:tab pos="3592513" algn="l"/>
-                <a:tab pos="4041775" algn="l"/>
-                <a:tab pos="4491038" algn="l"/>
-                <a:tab pos="4940300" algn="l"/>
-                <a:tab pos="5389563" algn="l"/>
-                <a:tab pos="5838825" algn="l"/>
-                <a:tab pos="6288088" algn="l"/>
-                <a:tab pos="6737350" algn="l"/>
-                <a:tab pos="7186613" algn="l"/>
-                <a:tab pos="7635875" algn="l"/>
-                <a:tab pos="8085138" algn="l"/>
-                <a:tab pos="8534400" algn="l"/>
-                <a:tab pos="8983663" algn="l"/>
+                <a:tab pos="413562" algn="l"/>
+                <a:tab pos="828591" algn="l"/>
+                <a:tab pos="1243620" algn="l"/>
+                <a:tab pos="1658649" algn="l"/>
+                <a:tab pos="2073677" algn="l"/>
+                <a:tab pos="2488706" algn="l"/>
+                <a:tab pos="2903734" algn="l"/>
+                <a:tab pos="3318764" algn="l"/>
+                <a:tab pos="3733792" algn="l"/>
+                <a:tab pos="4148821" algn="l"/>
+                <a:tab pos="4563849" algn="l"/>
+                <a:tab pos="4978878" algn="l"/>
+                <a:tab pos="5393907" algn="l"/>
+                <a:tab pos="5808936" algn="l"/>
+                <a:tab pos="6223964" algn="l"/>
+                <a:tab pos="6638993" algn="l"/>
+                <a:tab pos="7054021" algn="l"/>
+                <a:tab pos="7469050" algn="l"/>
+                <a:tab pos="7884079" algn="l"/>
+                <a:tab pos="8299108" algn="l"/>
               </a:tabLst>
               <a:defRPr>
                 <a:solidFill>
@@ -4212,26 +4442,26 @@
             <a:lvl3pPr eaLnBrk="0">
               <a:tabLst>
                 <a:tab pos="0" algn="l"/>
-                <a:tab pos="447675" algn="l"/>
-                <a:tab pos="896938" algn="l"/>
-                <a:tab pos="1346200" algn="l"/>
-                <a:tab pos="1795463" algn="l"/>
-                <a:tab pos="2244725" algn="l"/>
-                <a:tab pos="2693988" algn="l"/>
-                <a:tab pos="3143250" algn="l"/>
-                <a:tab pos="3592513" algn="l"/>
-                <a:tab pos="4041775" algn="l"/>
-                <a:tab pos="4491038" algn="l"/>
-                <a:tab pos="4940300" algn="l"/>
-                <a:tab pos="5389563" algn="l"/>
-                <a:tab pos="5838825" algn="l"/>
-                <a:tab pos="6288088" algn="l"/>
-                <a:tab pos="6737350" algn="l"/>
-                <a:tab pos="7186613" algn="l"/>
-                <a:tab pos="7635875" algn="l"/>
-                <a:tab pos="8085138" algn="l"/>
-                <a:tab pos="8534400" algn="l"/>
-                <a:tab pos="8983663" algn="l"/>
+                <a:tab pos="413562" algn="l"/>
+                <a:tab pos="828591" algn="l"/>
+                <a:tab pos="1243620" algn="l"/>
+                <a:tab pos="1658649" algn="l"/>
+                <a:tab pos="2073677" algn="l"/>
+                <a:tab pos="2488706" algn="l"/>
+                <a:tab pos="2903734" algn="l"/>
+                <a:tab pos="3318764" algn="l"/>
+                <a:tab pos="3733792" algn="l"/>
+                <a:tab pos="4148821" algn="l"/>
+                <a:tab pos="4563849" algn="l"/>
+                <a:tab pos="4978878" algn="l"/>
+                <a:tab pos="5393907" algn="l"/>
+                <a:tab pos="5808936" algn="l"/>
+                <a:tab pos="6223964" algn="l"/>
+                <a:tab pos="6638993" algn="l"/>
+                <a:tab pos="7054021" algn="l"/>
+                <a:tab pos="7469050" algn="l"/>
+                <a:tab pos="7884079" algn="l"/>
+                <a:tab pos="8299108" algn="l"/>
               </a:tabLst>
               <a:defRPr>
                 <a:solidFill>
@@ -4244,26 +4474,26 @@
             <a:lvl4pPr eaLnBrk="0">
               <a:tabLst>
                 <a:tab pos="0" algn="l"/>
-                <a:tab pos="447675" algn="l"/>
-                <a:tab pos="896938" algn="l"/>
-                <a:tab pos="1346200" algn="l"/>
-                <a:tab pos="1795463" algn="l"/>
-                <a:tab pos="2244725" algn="l"/>
-                <a:tab pos="2693988" algn="l"/>
-                <a:tab pos="3143250" algn="l"/>
-                <a:tab pos="3592513" algn="l"/>
-                <a:tab pos="4041775" algn="l"/>
-                <a:tab pos="4491038" algn="l"/>
-                <a:tab pos="4940300" algn="l"/>
-                <a:tab pos="5389563" algn="l"/>
-                <a:tab pos="5838825" algn="l"/>
-                <a:tab pos="6288088" algn="l"/>
-                <a:tab pos="6737350" algn="l"/>
-                <a:tab pos="7186613" algn="l"/>
-                <a:tab pos="7635875" algn="l"/>
-                <a:tab pos="8085138" algn="l"/>
-                <a:tab pos="8534400" algn="l"/>
-                <a:tab pos="8983663" algn="l"/>
+                <a:tab pos="413562" algn="l"/>
+                <a:tab pos="828591" algn="l"/>
+                <a:tab pos="1243620" algn="l"/>
+                <a:tab pos="1658649" algn="l"/>
+                <a:tab pos="2073677" algn="l"/>
+                <a:tab pos="2488706" algn="l"/>
+                <a:tab pos="2903734" algn="l"/>
+                <a:tab pos="3318764" algn="l"/>
+                <a:tab pos="3733792" algn="l"/>
+                <a:tab pos="4148821" algn="l"/>
+                <a:tab pos="4563849" algn="l"/>
+                <a:tab pos="4978878" algn="l"/>
+                <a:tab pos="5393907" algn="l"/>
+                <a:tab pos="5808936" algn="l"/>
+                <a:tab pos="6223964" algn="l"/>
+                <a:tab pos="6638993" algn="l"/>
+                <a:tab pos="7054021" algn="l"/>
+                <a:tab pos="7469050" algn="l"/>
+                <a:tab pos="7884079" algn="l"/>
+                <a:tab pos="8299108" algn="l"/>
               </a:tabLst>
               <a:defRPr>
                 <a:solidFill>
@@ -4276,26 +4506,26 @@
             <a:lvl5pPr eaLnBrk="0">
               <a:tabLst>
                 <a:tab pos="0" algn="l"/>
-                <a:tab pos="447675" algn="l"/>
-                <a:tab pos="896938" algn="l"/>
-                <a:tab pos="1346200" algn="l"/>
-                <a:tab pos="1795463" algn="l"/>
-                <a:tab pos="2244725" algn="l"/>
-                <a:tab pos="2693988" algn="l"/>
-                <a:tab pos="3143250" algn="l"/>
-                <a:tab pos="3592513" algn="l"/>
-                <a:tab pos="4041775" algn="l"/>
-                <a:tab pos="4491038" algn="l"/>
-                <a:tab pos="4940300" algn="l"/>
-                <a:tab pos="5389563" algn="l"/>
-                <a:tab pos="5838825" algn="l"/>
-                <a:tab pos="6288088" algn="l"/>
-                <a:tab pos="6737350" algn="l"/>
-                <a:tab pos="7186613" algn="l"/>
-                <a:tab pos="7635875" algn="l"/>
-                <a:tab pos="8085138" algn="l"/>
-                <a:tab pos="8534400" algn="l"/>
-                <a:tab pos="8983663" algn="l"/>
+                <a:tab pos="413562" algn="l"/>
+                <a:tab pos="828591" algn="l"/>
+                <a:tab pos="1243620" algn="l"/>
+                <a:tab pos="1658649" algn="l"/>
+                <a:tab pos="2073677" algn="l"/>
+                <a:tab pos="2488706" algn="l"/>
+                <a:tab pos="2903734" algn="l"/>
+                <a:tab pos="3318764" algn="l"/>
+                <a:tab pos="3733792" algn="l"/>
+                <a:tab pos="4148821" algn="l"/>
+                <a:tab pos="4563849" algn="l"/>
+                <a:tab pos="4978878" algn="l"/>
+                <a:tab pos="5393907" algn="l"/>
+                <a:tab pos="5808936" algn="l"/>
+                <a:tab pos="6223964" algn="l"/>
+                <a:tab pos="6638993" algn="l"/>
+                <a:tab pos="7054021" algn="l"/>
+                <a:tab pos="7469050" algn="l"/>
+                <a:tab pos="7884079" algn="l"/>
+                <a:tab pos="8299108" algn="l"/>
               </a:tabLst>
               <a:defRPr>
                 <a:solidFill>
@@ -4305,7 +4535,7 @@
                 <a:cs typeface="Arial Unicode MS" charset="0"/>
               </a:defRPr>
             </a:lvl5pPr>
-            <a:lvl6pPr marL="2514600" indent="-228600" defTabSz="449263" eaLnBrk="0" fontAlgn="base" hangingPunct="0">
+            <a:lvl6pPr marL="2322987" indent="-211181" defTabSz="415029" eaLnBrk="0" fontAlgn="base" hangingPunct="0">
               <a:lnSpc>
                 <a:spcPct val="93000"/>
               </a:lnSpc>
@@ -4322,26 +4552,26 @@
               <a:buFont typeface="Times New Roman" pitchFamily="16" charset="0"/>
               <a:tabLst>
                 <a:tab pos="0" algn="l"/>
-                <a:tab pos="447675" algn="l"/>
-                <a:tab pos="896938" algn="l"/>
-                <a:tab pos="1346200" algn="l"/>
-                <a:tab pos="1795463" algn="l"/>
-                <a:tab pos="2244725" algn="l"/>
-                <a:tab pos="2693988" algn="l"/>
-                <a:tab pos="3143250" algn="l"/>
-                <a:tab pos="3592513" algn="l"/>
-                <a:tab pos="4041775" algn="l"/>
-                <a:tab pos="4491038" algn="l"/>
-                <a:tab pos="4940300" algn="l"/>
-                <a:tab pos="5389563" algn="l"/>
-                <a:tab pos="5838825" algn="l"/>
-                <a:tab pos="6288088" algn="l"/>
-                <a:tab pos="6737350" algn="l"/>
-                <a:tab pos="7186613" algn="l"/>
-                <a:tab pos="7635875" algn="l"/>
-                <a:tab pos="8085138" algn="l"/>
-                <a:tab pos="8534400" algn="l"/>
-                <a:tab pos="8983663" algn="l"/>
+                <a:tab pos="413562" algn="l"/>
+                <a:tab pos="828591" algn="l"/>
+                <a:tab pos="1243620" algn="l"/>
+                <a:tab pos="1658649" algn="l"/>
+                <a:tab pos="2073677" algn="l"/>
+                <a:tab pos="2488706" algn="l"/>
+                <a:tab pos="2903734" algn="l"/>
+                <a:tab pos="3318764" algn="l"/>
+                <a:tab pos="3733792" algn="l"/>
+                <a:tab pos="4148821" algn="l"/>
+                <a:tab pos="4563849" algn="l"/>
+                <a:tab pos="4978878" algn="l"/>
+                <a:tab pos="5393907" algn="l"/>
+                <a:tab pos="5808936" algn="l"/>
+                <a:tab pos="6223964" algn="l"/>
+                <a:tab pos="6638993" algn="l"/>
+                <a:tab pos="7054021" algn="l"/>
+                <a:tab pos="7469050" algn="l"/>
+                <a:tab pos="7884079" algn="l"/>
+                <a:tab pos="8299108" algn="l"/>
               </a:tabLst>
               <a:defRPr>
                 <a:solidFill>
@@ -4351,7 +4581,7 @@
                 <a:cs typeface="Arial Unicode MS" charset="0"/>
               </a:defRPr>
             </a:lvl6pPr>
-            <a:lvl7pPr marL="2971800" indent="-228600" defTabSz="449263" eaLnBrk="0" fontAlgn="base" hangingPunct="0">
+            <a:lvl7pPr marL="2745349" indent="-211181" defTabSz="415029" eaLnBrk="0" fontAlgn="base" hangingPunct="0">
               <a:lnSpc>
                 <a:spcPct val="93000"/>
               </a:lnSpc>
@@ -4368,26 +4598,26 @@
               <a:buFont typeface="Times New Roman" pitchFamily="16" charset="0"/>
               <a:tabLst>
                 <a:tab pos="0" algn="l"/>
-                <a:tab pos="447675" algn="l"/>
-                <a:tab pos="896938" algn="l"/>
-                <a:tab pos="1346200" algn="l"/>
-                <a:tab pos="1795463" algn="l"/>
-                <a:tab pos="2244725" algn="l"/>
-                <a:tab pos="2693988" algn="l"/>
-                <a:tab pos="3143250" algn="l"/>
-                <a:tab pos="3592513" algn="l"/>
-                <a:tab pos="4041775" algn="l"/>
-                <a:tab pos="4491038" algn="l"/>
-                <a:tab pos="4940300" algn="l"/>
-                <a:tab pos="5389563" algn="l"/>
-                <a:tab pos="5838825" algn="l"/>
-                <a:tab pos="6288088" algn="l"/>
-                <a:tab pos="6737350" algn="l"/>
-                <a:tab pos="7186613" algn="l"/>
-                <a:tab pos="7635875" algn="l"/>
-                <a:tab pos="8085138" algn="l"/>
-                <a:tab pos="8534400" algn="l"/>
-                <a:tab pos="8983663" algn="l"/>
+                <a:tab pos="413562" algn="l"/>
+                <a:tab pos="828591" algn="l"/>
+                <a:tab pos="1243620" algn="l"/>
+                <a:tab pos="1658649" algn="l"/>
+                <a:tab pos="2073677" algn="l"/>
+                <a:tab pos="2488706" algn="l"/>
+                <a:tab pos="2903734" algn="l"/>
+                <a:tab pos="3318764" algn="l"/>
+                <a:tab pos="3733792" algn="l"/>
+                <a:tab pos="4148821" algn="l"/>
+                <a:tab pos="4563849" algn="l"/>
+                <a:tab pos="4978878" algn="l"/>
+                <a:tab pos="5393907" algn="l"/>
+                <a:tab pos="5808936" algn="l"/>
+                <a:tab pos="6223964" algn="l"/>
+                <a:tab pos="6638993" algn="l"/>
+                <a:tab pos="7054021" algn="l"/>
+                <a:tab pos="7469050" algn="l"/>
+                <a:tab pos="7884079" algn="l"/>
+                <a:tab pos="8299108" algn="l"/>
               </a:tabLst>
               <a:defRPr>
                 <a:solidFill>
@@ -4397,7 +4627,7 @@
                 <a:cs typeface="Arial Unicode MS" charset="0"/>
               </a:defRPr>
             </a:lvl7pPr>
-            <a:lvl8pPr marL="3429000" indent="-228600" defTabSz="449263" eaLnBrk="0" fontAlgn="base" hangingPunct="0">
+            <a:lvl8pPr marL="3167710" indent="-211181" defTabSz="415029" eaLnBrk="0" fontAlgn="base" hangingPunct="0">
               <a:lnSpc>
                 <a:spcPct val="93000"/>
               </a:lnSpc>
@@ -4414,26 +4644,26 @@
               <a:buFont typeface="Times New Roman" pitchFamily="16" charset="0"/>
               <a:tabLst>
                 <a:tab pos="0" algn="l"/>
-                <a:tab pos="447675" algn="l"/>
-                <a:tab pos="896938" algn="l"/>
-                <a:tab pos="1346200" algn="l"/>
-                <a:tab pos="1795463" algn="l"/>
-                <a:tab pos="2244725" algn="l"/>
-                <a:tab pos="2693988" algn="l"/>
-                <a:tab pos="3143250" algn="l"/>
-                <a:tab pos="3592513" algn="l"/>
-                <a:tab pos="4041775" algn="l"/>
-                <a:tab pos="4491038" algn="l"/>
-                <a:tab pos="4940300" algn="l"/>
-                <a:tab pos="5389563" algn="l"/>
-                <a:tab pos="5838825" algn="l"/>
-                <a:tab pos="6288088" algn="l"/>
-                <a:tab pos="6737350" algn="l"/>
-                <a:tab pos="7186613" algn="l"/>
-                <a:tab pos="7635875" algn="l"/>
-                <a:tab pos="8085138" algn="l"/>
-                <a:tab pos="8534400" algn="l"/>
-                <a:tab pos="8983663" algn="l"/>
+                <a:tab pos="413562" algn="l"/>
+                <a:tab pos="828591" algn="l"/>
+                <a:tab pos="1243620" algn="l"/>
+                <a:tab pos="1658649" algn="l"/>
+                <a:tab pos="2073677" algn="l"/>
+                <a:tab pos="2488706" algn="l"/>
+                <a:tab pos="2903734" algn="l"/>
+                <a:tab pos="3318764" algn="l"/>
+                <a:tab pos="3733792" algn="l"/>
+                <a:tab pos="4148821" algn="l"/>
+                <a:tab pos="4563849" algn="l"/>
+                <a:tab pos="4978878" algn="l"/>
+                <a:tab pos="5393907" algn="l"/>
+                <a:tab pos="5808936" algn="l"/>
+                <a:tab pos="6223964" algn="l"/>
+                <a:tab pos="6638993" algn="l"/>
+                <a:tab pos="7054021" algn="l"/>
+                <a:tab pos="7469050" algn="l"/>
+                <a:tab pos="7884079" algn="l"/>
+                <a:tab pos="8299108" algn="l"/>
               </a:tabLst>
               <a:defRPr>
                 <a:solidFill>
@@ -4443,7 +4673,7 @@
                 <a:cs typeface="Arial Unicode MS" charset="0"/>
               </a:defRPr>
             </a:lvl8pPr>
-            <a:lvl9pPr marL="3886200" indent="-228600" defTabSz="449263" eaLnBrk="0" fontAlgn="base" hangingPunct="0">
+            <a:lvl9pPr marL="3590072" indent="-211181" defTabSz="415029" eaLnBrk="0" fontAlgn="base" hangingPunct="0">
               <a:lnSpc>
                 <a:spcPct val="93000"/>
               </a:lnSpc>
@@ -4460,26 +4690,26 @@
               <a:buFont typeface="Times New Roman" pitchFamily="16" charset="0"/>
               <a:tabLst>
                 <a:tab pos="0" algn="l"/>
-                <a:tab pos="447675" algn="l"/>
-                <a:tab pos="896938" algn="l"/>
-                <a:tab pos="1346200" algn="l"/>
-                <a:tab pos="1795463" algn="l"/>
-                <a:tab pos="2244725" algn="l"/>
-                <a:tab pos="2693988" algn="l"/>
-                <a:tab pos="3143250" algn="l"/>
-                <a:tab pos="3592513" algn="l"/>
-                <a:tab pos="4041775" algn="l"/>
-                <a:tab pos="4491038" algn="l"/>
-                <a:tab pos="4940300" algn="l"/>
-                <a:tab pos="5389563" algn="l"/>
-                <a:tab pos="5838825" algn="l"/>
-                <a:tab pos="6288088" algn="l"/>
-                <a:tab pos="6737350" algn="l"/>
-                <a:tab pos="7186613" algn="l"/>
-                <a:tab pos="7635875" algn="l"/>
-                <a:tab pos="8085138" algn="l"/>
-                <a:tab pos="8534400" algn="l"/>
-                <a:tab pos="8983663" algn="l"/>
+                <a:tab pos="413562" algn="l"/>
+                <a:tab pos="828591" algn="l"/>
+                <a:tab pos="1243620" algn="l"/>
+                <a:tab pos="1658649" algn="l"/>
+                <a:tab pos="2073677" algn="l"/>
+                <a:tab pos="2488706" algn="l"/>
+                <a:tab pos="2903734" algn="l"/>
+                <a:tab pos="3318764" algn="l"/>
+                <a:tab pos="3733792" algn="l"/>
+                <a:tab pos="4148821" algn="l"/>
+                <a:tab pos="4563849" algn="l"/>
+                <a:tab pos="4978878" algn="l"/>
+                <a:tab pos="5393907" algn="l"/>
+                <a:tab pos="5808936" algn="l"/>
+                <a:tab pos="6223964" algn="l"/>
+                <a:tab pos="6638993" algn="l"/>
+                <a:tab pos="7054021" algn="l"/>
+                <a:tab pos="7469050" algn="l"/>
+                <a:tab pos="7884079" algn="l"/>
+                <a:tab pos="8299108" algn="l"/>
               </a:tabLst>
               <a:defRPr>
                 <a:solidFill>
@@ -4492,7 +4722,7 @@
           </a:lstStyle>
           <a:p>
             <a:pPr eaLnBrk="1"/>
-            <a:fld id="{886F6A5C-9F7B-452E-A91E-51D9238F4CFC}" type="slidenum">
+            <a:fld id="{D48DA3CB-5486-4B23-9B5E-F08FB67B7836}" type="slidenum">
               <a:rPr lang="en-US" smtClean="0">
                 <a:solidFill>
                   <a:srgbClr val="000000"/>
@@ -4500,7 +4730,7 @@
                 <a:latin typeface="Times New Roman" pitchFamily="16" charset="0"/>
               </a:rPr>
               <a:pPr eaLnBrk="1"/>
-              <a:t>16</a:t>
+              <a:t>7</a:t>
             </a:fld>
             <a:endParaRPr lang="en-US" smtClean="0">
               <a:solidFill>
@@ -4513,9 +4743,9 @@
       </p:sp>
       <p:sp>
         <p:nvSpPr>
-          <p:cNvPr id="31747" name="Rectangle 1"/>
+          <p:cNvPr id="25603" name="Rectangle 1"/>
           <p:cNvSpPr>
-            <a:spLocks noChangeArrowheads="1" noTextEdit="1"/>
+            <a:spLocks noGrp="1" noRot="1" noChangeAspect="1" noChangeArrowheads="1" noTextEdit="1"/>
           </p:cNvSpPr>
           <p:nvPr>
             <p:ph type="sldImg"/>
@@ -4523,8 +4753,8 @@
         </p:nvSpPr>
         <p:spPr>
           <a:xfrm>
-            <a:off x="1106488" y="812800"/>
-            <a:ext cx="5345112" cy="4008438"/>
+            <a:off x="936625" y="760413"/>
+            <a:ext cx="4992688" cy="3746500"/>
           </a:xfrm>
           <a:solidFill>
             <a:srgbClr val="FFFFFF"/>
@@ -4552,9 +4782,9 @@
       </p:sp>
       <p:sp>
         <p:nvSpPr>
-          <p:cNvPr id="31748" name="Rectangle 2"/>
+          <p:cNvPr id="25604" name="Rectangle 2"/>
           <p:cNvSpPr>
-            <a:spLocks noChangeArrowheads="1"/>
+            <a:spLocks noGrp="1" noChangeArrowheads="1"/>
           </p:cNvSpPr>
           <p:nvPr>
             <p:ph type="body" idx="1"/>
@@ -4562,8 +4792,8 @@
         </p:nvSpPr>
         <p:spPr>
           <a:xfrm>
-            <a:off x="755650" y="5078413"/>
-            <a:ext cx="6048375" cy="4811712"/>
+            <a:off x="686464" y="4747392"/>
+            <a:ext cx="5494597" cy="4498075"/>
           </a:xfrm>
           <a:noFill/>
           <a:extLst>
@@ -4587,6 +4817,586 @@
         </p:txBody>
       </p:sp>
     </p:spTree>
+  </p:cSld>
+  <p:clrMapOvr>
+    <a:masterClrMapping/>
+  </p:clrMapOvr>
+</p:notes>
+</file>
+
+<file path=ppt/notesSlides/notesSlide8.xml><?xml version="1.0" encoding="utf-8"?>
+<p:notes xmlns:a="http://schemas.openxmlformats.org/drawingml/2006/main" xmlns:r="http://schemas.openxmlformats.org/officeDocument/2006/relationships" xmlns:p="http://schemas.openxmlformats.org/presentationml/2006/main">
+  <p:cSld>
+    <p:bg>
+      <p:bgPr>
+        <a:solidFill>
+          <a:srgbClr val="FFFFFF"/>
+        </a:solidFill>
+        <a:effectLst/>
+      </p:bgPr>
+    </p:bg>
+    <p:spTree>
+      <p:nvGrpSpPr>
+        <p:cNvPr id="1" name=""/>
+        <p:cNvGrpSpPr/>
+        <p:nvPr/>
+      </p:nvGrpSpPr>
+      <p:grpSpPr>
+        <a:xfrm>
+          <a:off x="0" y="0"/>
+          <a:ext cx="0" cy="0"/>
+          <a:chOff x="0" y="0"/>
+          <a:chExt cx="0" cy="0"/>
+        </a:xfrm>
+      </p:grpSpPr>
+      <p:sp>
+        <p:nvSpPr>
+          <p:cNvPr id="26626" name="Rectangle 7"/>
+          <p:cNvSpPr>
+            <a:spLocks noGrp="1" noChangeArrowheads="1"/>
+          </p:cNvSpPr>
+          <p:nvPr>
+            <p:ph type="sldNum" sz="quarter"/>
+          </p:nvPr>
+        </p:nvSpPr>
+        <p:spPr>
+          <a:noFill/>
+        </p:spPr>
+        <p:txBody>
+          <a:bodyPr/>
+          <a:lstStyle>
+            <a:lvl1pPr eaLnBrk="0">
+              <a:tabLst>
+                <a:tab pos="0" algn="l"/>
+                <a:tab pos="413562" algn="l"/>
+                <a:tab pos="828591" algn="l"/>
+                <a:tab pos="1243620" algn="l"/>
+                <a:tab pos="1658649" algn="l"/>
+                <a:tab pos="2073677" algn="l"/>
+                <a:tab pos="2488706" algn="l"/>
+                <a:tab pos="2903734" algn="l"/>
+                <a:tab pos="3318764" algn="l"/>
+                <a:tab pos="3733792" algn="l"/>
+                <a:tab pos="4148821" algn="l"/>
+                <a:tab pos="4563849" algn="l"/>
+                <a:tab pos="4978878" algn="l"/>
+                <a:tab pos="5393907" algn="l"/>
+                <a:tab pos="5808936" algn="l"/>
+                <a:tab pos="6223964" algn="l"/>
+                <a:tab pos="6638993" algn="l"/>
+                <a:tab pos="7054021" algn="l"/>
+                <a:tab pos="7469050" algn="l"/>
+                <a:tab pos="7884079" algn="l"/>
+                <a:tab pos="8299108" algn="l"/>
+              </a:tabLst>
+              <a:defRPr>
+                <a:solidFill>
+                  <a:schemeClr val="bg1"/>
+                </a:solidFill>
+                <a:latin typeface="Arial" charset="0"/>
+                <a:cs typeface="Arial Unicode MS" charset="0"/>
+              </a:defRPr>
+            </a:lvl1pPr>
+            <a:lvl2pPr eaLnBrk="0">
+              <a:tabLst>
+                <a:tab pos="0" algn="l"/>
+                <a:tab pos="413562" algn="l"/>
+                <a:tab pos="828591" algn="l"/>
+                <a:tab pos="1243620" algn="l"/>
+                <a:tab pos="1658649" algn="l"/>
+                <a:tab pos="2073677" algn="l"/>
+                <a:tab pos="2488706" algn="l"/>
+                <a:tab pos="2903734" algn="l"/>
+                <a:tab pos="3318764" algn="l"/>
+                <a:tab pos="3733792" algn="l"/>
+                <a:tab pos="4148821" algn="l"/>
+                <a:tab pos="4563849" algn="l"/>
+                <a:tab pos="4978878" algn="l"/>
+                <a:tab pos="5393907" algn="l"/>
+                <a:tab pos="5808936" algn="l"/>
+                <a:tab pos="6223964" algn="l"/>
+                <a:tab pos="6638993" algn="l"/>
+                <a:tab pos="7054021" algn="l"/>
+                <a:tab pos="7469050" algn="l"/>
+                <a:tab pos="7884079" algn="l"/>
+                <a:tab pos="8299108" algn="l"/>
+              </a:tabLst>
+              <a:defRPr>
+                <a:solidFill>
+                  <a:schemeClr val="bg1"/>
+                </a:solidFill>
+                <a:latin typeface="Arial" charset="0"/>
+                <a:cs typeface="Arial Unicode MS" charset="0"/>
+              </a:defRPr>
+            </a:lvl2pPr>
+            <a:lvl3pPr eaLnBrk="0">
+              <a:tabLst>
+                <a:tab pos="0" algn="l"/>
+                <a:tab pos="413562" algn="l"/>
+                <a:tab pos="828591" algn="l"/>
+                <a:tab pos="1243620" algn="l"/>
+                <a:tab pos="1658649" algn="l"/>
+                <a:tab pos="2073677" algn="l"/>
+                <a:tab pos="2488706" algn="l"/>
+                <a:tab pos="2903734" algn="l"/>
+                <a:tab pos="3318764" algn="l"/>
+                <a:tab pos="3733792" algn="l"/>
+                <a:tab pos="4148821" algn="l"/>
+                <a:tab pos="4563849" algn="l"/>
+                <a:tab pos="4978878" algn="l"/>
+                <a:tab pos="5393907" algn="l"/>
+                <a:tab pos="5808936" algn="l"/>
+                <a:tab pos="6223964" algn="l"/>
+                <a:tab pos="6638993" algn="l"/>
+                <a:tab pos="7054021" algn="l"/>
+                <a:tab pos="7469050" algn="l"/>
+                <a:tab pos="7884079" algn="l"/>
+                <a:tab pos="8299108" algn="l"/>
+              </a:tabLst>
+              <a:defRPr>
+                <a:solidFill>
+                  <a:schemeClr val="bg1"/>
+                </a:solidFill>
+                <a:latin typeface="Arial" charset="0"/>
+                <a:cs typeface="Arial Unicode MS" charset="0"/>
+              </a:defRPr>
+            </a:lvl3pPr>
+            <a:lvl4pPr eaLnBrk="0">
+              <a:tabLst>
+                <a:tab pos="0" algn="l"/>
+                <a:tab pos="413562" algn="l"/>
+                <a:tab pos="828591" algn="l"/>
+                <a:tab pos="1243620" algn="l"/>
+                <a:tab pos="1658649" algn="l"/>
+                <a:tab pos="2073677" algn="l"/>
+                <a:tab pos="2488706" algn="l"/>
+                <a:tab pos="2903734" algn="l"/>
+                <a:tab pos="3318764" algn="l"/>
+                <a:tab pos="3733792" algn="l"/>
+                <a:tab pos="4148821" algn="l"/>
+                <a:tab pos="4563849" algn="l"/>
+                <a:tab pos="4978878" algn="l"/>
+                <a:tab pos="5393907" algn="l"/>
+                <a:tab pos="5808936" algn="l"/>
+                <a:tab pos="6223964" algn="l"/>
+                <a:tab pos="6638993" algn="l"/>
+                <a:tab pos="7054021" algn="l"/>
+                <a:tab pos="7469050" algn="l"/>
+                <a:tab pos="7884079" algn="l"/>
+                <a:tab pos="8299108" algn="l"/>
+              </a:tabLst>
+              <a:defRPr>
+                <a:solidFill>
+                  <a:schemeClr val="bg1"/>
+                </a:solidFill>
+                <a:latin typeface="Arial" charset="0"/>
+                <a:cs typeface="Arial Unicode MS" charset="0"/>
+              </a:defRPr>
+            </a:lvl4pPr>
+            <a:lvl5pPr eaLnBrk="0">
+              <a:tabLst>
+                <a:tab pos="0" algn="l"/>
+                <a:tab pos="413562" algn="l"/>
+                <a:tab pos="828591" algn="l"/>
+                <a:tab pos="1243620" algn="l"/>
+                <a:tab pos="1658649" algn="l"/>
+                <a:tab pos="2073677" algn="l"/>
+                <a:tab pos="2488706" algn="l"/>
+                <a:tab pos="2903734" algn="l"/>
+                <a:tab pos="3318764" algn="l"/>
+                <a:tab pos="3733792" algn="l"/>
+                <a:tab pos="4148821" algn="l"/>
+                <a:tab pos="4563849" algn="l"/>
+                <a:tab pos="4978878" algn="l"/>
+                <a:tab pos="5393907" algn="l"/>
+                <a:tab pos="5808936" algn="l"/>
+                <a:tab pos="6223964" algn="l"/>
+                <a:tab pos="6638993" algn="l"/>
+                <a:tab pos="7054021" algn="l"/>
+                <a:tab pos="7469050" algn="l"/>
+                <a:tab pos="7884079" algn="l"/>
+                <a:tab pos="8299108" algn="l"/>
+              </a:tabLst>
+              <a:defRPr>
+                <a:solidFill>
+                  <a:schemeClr val="bg1"/>
+                </a:solidFill>
+                <a:latin typeface="Arial" charset="0"/>
+                <a:cs typeface="Arial Unicode MS" charset="0"/>
+              </a:defRPr>
+            </a:lvl5pPr>
+            <a:lvl6pPr marL="2322987" indent="-211181" defTabSz="415029" eaLnBrk="0" fontAlgn="base" hangingPunct="0">
+              <a:lnSpc>
+                <a:spcPct val="93000"/>
+              </a:lnSpc>
+              <a:spcBef>
+                <a:spcPct val="0"/>
+              </a:spcBef>
+              <a:spcAft>
+                <a:spcPct val="0"/>
+              </a:spcAft>
+              <a:buClr>
+                <a:srgbClr val="000000"/>
+              </a:buClr>
+              <a:buSzPct val="100000"/>
+              <a:buFont typeface="Times New Roman" pitchFamily="16" charset="0"/>
+              <a:tabLst>
+                <a:tab pos="0" algn="l"/>
+                <a:tab pos="413562" algn="l"/>
+                <a:tab pos="828591" algn="l"/>
+                <a:tab pos="1243620" algn="l"/>
+                <a:tab pos="1658649" algn="l"/>
+                <a:tab pos="2073677" algn="l"/>
+                <a:tab pos="2488706" algn="l"/>
+                <a:tab pos="2903734" algn="l"/>
+                <a:tab pos="3318764" algn="l"/>
+                <a:tab pos="3733792" algn="l"/>
+                <a:tab pos="4148821" algn="l"/>
+                <a:tab pos="4563849" algn="l"/>
+                <a:tab pos="4978878" algn="l"/>
+                <a:tab pos="5393907" algn="l"/>
+                <a:tab pos="5808936" algn="l"/>
+                <a:tab pos="6223964" algn="l"/>
+                <a:tab pos="6638993" algn="l"/>
+                <a:tab pos="7054021" algn="l"/>
+                <a:tab pos="7469050" algn="l"/>
+                <a:tab pos="7884079" algn="l"/>
+                <a:tab pos="8299108" algn="l"/>
+              </a:tabLst>
+              <a:defRPr>
+                <a:solidFill>
+                  <a:schemeClr val="bg1"/>
+                </a:solidFill>
+                <a:latin typeface="Arial" charset="0"/>
+                <a:cs typeface="Arial Unicode MS" charset="0"/>
+              </a:defRPr>
+            </a:lvl6pPr>
+            <a:lvl7pPr marL="2745349" indent="-211181" defTabSz="415029" eaLnBrk="0" fontAlgn="base" hangingPunct="0">
+              <a:lnSpc>
+                <a:spcPct val="93000"/>
+              </a:lnSpc>
+              <a:spcBef>
+                <a:spcPct val="0"/>
+              </a:spcBef>
+              <a:spcAft>
+                <a:spcPct val="0"/>
+              </a:spcAft>
+              <a:buClr>
+                <a:srgbClr val="000000"/>
+              </a:buClr>
+              <a:buSzPct val="100000"/>
+              <a:buFont typeface="Times New Roman" pitchFamily="16" charset="0"/>
+              <a:tabLst>
+                <a:tab pos="0" algn="l"/>
+                <a:tab pos="413562" algn="l"/>
+                <a:tab pos="828591" algn="l"/>
+                <a:tab pos="1243620" algn="l"/>
+                <a:tab pos="1658649" algn="l"/>
+                <a:tab pos="2073677" algn="l"/>
+                <a:tab pos="2488706" algn="l"/>
+                <a:tab pos="2903734" algn="l"/>
+                <a:tab pos="3318764" algn="l"/>
+                <a:tab pos="3733792" algn="l"/>
+                <a:tab pos="4148821" algn="l"/>
+                <a:tab pos="4563849" algn="l"/>
+                <a:tab pos="4978878" algn="l"/>
+                <a:tab pos="5393907" algn="l"/>
+                <a:tab pos="5808936" algn="l"/>
+                <a:tab pos="6223964" algn="l"/>
+                <a:tab pos="6638993" algn="l"/>
+                <a:tab pos="7054021" algn="l"/>
+                <a:tab pos="7469050" algn="l"/>
+                <a:tab pos="7884079" algn="l"/>
+                <a:tab pos="8299108" algn="l"/>
+              </a:tabLst>
+              <a:defRPr>
+                <a:solidFill>
+                  <a:schemeClr val="bg1"/>
+                </a:solidFill>
+                <a:latin typeface="Arial" charset="0"/>
+                <a:cs typeface="Arial Unicode MS" charset="0"/>
+              </a:defRPr>
+            </a:lvl7pPr>
+            <a:lvl8pPr marL="3167710" indent="-211181" defTabSz="415029" eaLnBrk="0" fontAlgn="base" hangingPunct="0">
+              <a:lnSpc>
+                <a:spcPct val="93000"/>
+              </a:lnSpc>
+              <a:spcBef>
+                <a:spcPct val="0"/>
+              </a:spcBef>
+              <a:spcAft>
+                <a:spcPct val="0"/>
+              </a:spcAft>
+              <a:buClr>
+                <a:srgbClr val="000000"/>
+              </a:buClr>
+              <a:buSzPct val="100000"/>
+              <a:buFont typeface="Times New Roman" pitchFamily="16" charset="0"/>
+              <a:tabLst>
+                <a:tab pos="0" algn="l"/>
+                <a:tab pos="413562" algn="l"/>
+                <a:tab pos="828591" algn="l"/>
+                <a:tab pos="1243620" algn="l"/>
+                <a:tab pos="1658649" algn="l"/>
+                <a:tab pos="2073677" algn="l"/>
+                <a:tab pos="2488706" algn="l"/>
+                <a:tab pos="2903734" algn="l"/>
+                <a:tab pos="3318764" algn="l"/>
+                <a:tab pos="3733792" algn="l"/>
+                <a:tab pos="4148821" algn="l"/>
+                <a:tab pos="4563849" algn="l"/>
+                <a:tab pos="4978878" algn="l"/>
+                <a:tab pos="5393907" algn="l"/>
+                <a:tab pos="5808936" algn="l"/>
+                <a:tab pos="6223964" algn="l"/>
+                <a:tab pos="6638993" algn="l"/>
+                <a:tab pos="7054021" algn="l"/>
+                <a:tab pos="7469050" algn="l"/>
+                <a:tab pos="7884079" algn="l"/>
+                <a:tab pos="8299108" algn="l"/>
+              </a:tabLst>
+              <a:defRPr>
+                <a:solidFill>
+                  <a:schemeClr val="bg1"/>
+                </a:solidFill>
+                <a:latin typeface="Arial" charset="0"/>
+                <a:cs typeface="Arial Unicode MS" charset="0"/>
+              </a:defRPr>
+            </a:lvl8pPr>
+            <a:lvl9pPr marL="3590072" indent="-211181" defTabSz="415029" eaLnBrk="0" fontAlgn="base" hangingPunct="0">
+              <a:lnSpc>
+                <a:spcPct val="93000"/>
+              </a:lnSpc>
+              <a:spcBef>
+                <a:spcPct val="0"/>
+              </a:spcBef>
+              <a:spcAft>
+                <a:spcPct val="0"/>
+              </a:spcAft>
+              <a:buClr>
+                <a:srgbClr val="000000"/>
+              </a:buClr>
+              <a:buSzPct val="100000"/>
+              <a:buFont typeface="Times New Roman" pitchFamily="16" charset="0"/>
+              <a:tabLst>
+                <a:tab pos="0" algn="l"/>
+                <a:tab pos="413562" algn="l"/>
+                <a:tab pos="828591" algn="l"/>
+                <a:tab pos="1243620" algn="l"/>
+                <a:tab pos="1658649" algn="l"/>
+                <a:tab pos="2073677" algn="l"/>
+                <a:tab pos="2488706" algn="l"/>
+                <a:tab pos="2903734" algn="l"/>
+                <a:tab pos="3318764" algn="l"/>
+                <a:tab pos="3733792" algn="l"/>
+                <a:tab pos="4148821" algn="l"/>
+                <a:tab pos="4563849" algn="l"/>
+                <a:tab pos="4978878" algn="l"/>
+                <a:tab pos="5393907" algn="l"/>
+                <a:tab pos="5808936" algn="l"/>
+                <a:tab pos="6223964" algn="l"/>
+                <a:tab pos="6638993" algn="l"/>
+                <a:tab pos="7054021" algn="l"/>
+                <a:tab pos="7469050" algn="l"/>
+                <a:tab pos="7884079" algn="l"/>
+                <a:tab pos="8299108" algn="l"/>
+              </a:tabLst>
+              <a:defRPr>
+                <a:solidFill>
+                  <a:schemeClr val="bg1"/>
+                </a:solidFill>
+                <a:latin typeface="Arial" charset="0"/>
+                <a:cs typeface="Arial Unicode MS" charset="0"/>
+              </a:defRPr>
+            </a:lvl9pPr>
+          </a:lstStyle>
+          <a:p>
+            <a:pPr eaLnBrk="1"/>
+            <a:fld id="{70494871-F11D-4392-BDD9-C7F9AA314668}" type="slidenum">
+              <a:rPr lang="en-US" smtClean="0">
+                <a:solidFill>
+                  <a:srgbClr val="000000"/>
+                </a:solidFill>
+                <a:latin typeface="Times New Roman" pitchFamily="16" charset="0"/>
+              </a:rPr>
+              <a:pPr eaLnBrk="1"/>
+              <a:t>8</a:t>
+            </a:fld>
+            <a:endParaRPr lang="en-US" smtClean="0">
+              <a:solidFill>
+                <a:srgbClr val="000000"/>
+              </a:solidFill>
+              <a:latin typeface="Times New Roman" pitchFamily="16" charset="0"/>
+            </a:endParaRPr>
+          </a:p>
+        </p:txBody>
+      </p:sp>
+      <p:sp>
+        <p:nvSpPr>
+          <p:cNvPr id="26627" name="Rectangle 1"/>
+          <p:cNvSpPr>
+            <a:spLocks noGrp="1" noRot="1" noChangeAspect="1" noChangeArrowheads="1" noTextEdit="1"/>
+          </p:cNvSpPr>
+          <p:nvPr>
+            <p:ph type="sldImg"/>
+          </p:nvPr>
+        </p:nvSpPr>
+        <p:spPr>
+          <a:xfrm>
+            <a:off x="936625" y="760413"/>
+            <a:ext cx="4992688" cy="3746500"/>
+          </a:xfrm>
+          <a:solidFill>
+            <a:srgbClr val="FFFFFF"/>
+          </a:solidFill>
+          <a:ln>
+            <a:solidFill>
+              <a:srgbClr val="000000"/>
+            </a:solidFill>
+            <a:miter lim="800000"/>
+            <a:headEnd/>
+            <a:tailEnd/>
+          </a:ln>
+          <a:extLst>
+            <a:ext uri="{AF507438-7753-43E0-B8FC-AC1667EBCBE1}">
+              <a14:hiddenEffects xmlns:a14="http://schemas.microsoft.com/office/drawing/2010/main">
+                <a:effectLst>
+                  <a:outerShdw dist="35921" dir="2700000" algn="ctr" rotWithShape="0">
+                    <a:srgbClr val="808080"/>
+                  </a:outerShdw>
+                </a:effectLst>
+              </a14:hiddenEffects>
+            </a:ext>
+          </a:extLst>
+        </p:spPr>
+      </p:sp>
+      <p:sp>
+        <p:nvSpPr>
+          <p:cNvPr id="26628" name="Rectangle 2"/>
+          <p:cNvSpPr>
+            <a:spLocks noGrp="1" noChangeArrowheads="1"/>
+          </p:cNvSpPr>
+          <p:nvPr>
+            <p:ph type="body" idx="1"/>
+          </p:nvPr>
+        </p:nvSpPr>
+        <p:spPr>
+          <a:xfrm>
+            <a:off x="686464" y="4747392"/>
+            <a:ext cx="5494597" cy="4498075"/>
+          </a:xfrm>
+          <a:noFill/>
+          <a:extLst>
+            <a:ext uri="{AF507438-7753-43E0-B8FC-AC1667EBCBE1}">
+              <a14:hiddenEffects xmlns:a14="http://schemas.microsoft.com/office/drawing/2010/main">
+                <a:effectLst>
+                  <a:outerShdw dist="35921" dir="2700000" algn="ctr" rotWithShape="0">
+                    <a:srgbClr val="808080"/>
+                  </a:outerShdw>
+                </a:effectLst>
+              </a14:hiddenEffects>
+            </a:ext>
+          </a:extLst>
+        </p:spPr>
+        <p:txBody>
+          <a:bodyPr wrap="none" anchor="ctr"/>
+          <a:lstStyle/>
+          <a:p>
+            <a:endParaRPr lang="de-DE" smtClean="0"/>
+          </a:p>
+        </p:txBody>
+      </p:sp>
+    </p:spTree>
+  </p:cSld>
+  <p:clrMapOvr>
+    <a:masterClrMapping/>
+  </p:clrMapOvr>
+</p:notes>
+</file>
+
+<file path=ppt/notesSlides/notesSlide9.xml><?xml version="1.0" encoding="utf-8"?>
+<p:notes xmlns:a="http://schemas.openxmlformats.org/drawingml/2006/main" xmlns:r="http://schemas.openxmlformats.org/officeDocument/2006/relationships" xmlns:p="http://schemas.openxmlformats.org/presentationml/2006/main">
+  <p:cSld>
+    <p:spTree>
+      <p:nvGrpSpPr>
+        <p:cNvPr id="1" name=""/>
+        <p:cNvGrpSpPr/>
+        <p:nvPr/>
+      </p:nvGrpSpPr>
+      <p:grpSpPr>
+        <a:xfrm>
+          <a:off x="0" y="0"/>
+          <a:ext cx="0" cy="0"/>
+          <a:chOff x="0" y="0"/>
+          <a:chExt cx="0" cy="0"/>
+        </a:xfrm>
+      </p:grpSpPr>
+      <p:sp>
+        <p:nvSpPr>
+          <p:cNvPr id="2" name="Folienbildplatzhalter 1"/>
+          <p:cNvSpPr>
+            <a:spLocks noGrp="1" noRot="1" noChangeAspect="1"/>
+          </p:cNvSpPr>
+          <p:nvPr>
+            <p:ph type="sldImg"/>
+          </p:nvPr>
+        </p:nvSpPr>
+        <p:spPr/>
+      </p:sp>
+      <p:sp>
+        <p:nvSpPr>
+          <p:cNvPr id="3" name="Notizenplatzhalter 2"/>
+          <p:cNvSpPr>
+            <a:spLocks noGrp="1"/>
+          </p:cNvSpPr>
+          <p:nvPr>
+            <p:ph type="body" idx="1"/>
+          </p:nvPr>
+        </p:nvSpPr>
+        <p:spPr/>
+        <p:txBody>
+          <a:bodyPr/>
+          <a:lstStyle/>
+          <a:p>
+            <a:endParaRPr lang="de-CH"/>
+          </a:p>
+        </p:txBody>
+      </p:sp>
+      <p:sp>
+        <p:nvSpPr>
+          <p:cNvPr id="4" name="Foliennummernplatzhalter 3"/>
+          <p:cNvSpPr>
+            <a:spLocks noGrp="1"/>
+          </p:cNvSpPr>
+          <p:nvPr>
+            <p:ph type="sldNum" idx="10"/>
+          </p:nvPr>
+        </p:nvSpPr>
+        <p:spPr/>
+        <p:txBody>
+          <a:bodyPr/>
+          <a:lstStyle/>
+          <a:p>
+            <a:pPr>
+              <a:defRPr/>
+            </a:pPr>
+            <a:fld id="{F62945CA-047E-404E-9C65-5DEEB3586EA2}" type="slidenum">
+              <a:rPr lang="en-US" smtClean="0"/>
+              <a:pPr>
+                <a:defRPr/>
+              </a:pPr>
+              <a:t>9</a:t>
+            </a:fld>
+            <a:endParaRPr lang="en-US"/>
+          </a:p>
+        </p:txBody>
+      </p:sp>
+    </p:spTree>
+    <p:extLst>
+      <p:ext uri="{BB962C8B-B14F-4D97-AF65-F5344CB8AC3E}">
+        <p14:creationId xmlns:p14="http://schemas.microsoft.com/office/powerpoint/2010/main" val="4059575507"/>
+      </p:ext>
+    </p:extLst>
   </p:cSld>
   <p:clrMapOvr>
     <a:masterClrMapping/>
@@ -8760,13 +9570,6 @@
               </a:rPr>
               <a:t>08.06.2013</a:t>
             </a:r>
-            <a:endParaRPr lang="de-CH" sz="2900" dirty="0">
-              <a:solidFill>
-                <a:srgbClr val="FFFFFF"/>
-              </a:solidFill>
-              <a:latin typeface="+mn-lt"/>
-              <a:cs typeface="+mn-cs"/>
-            </a:endParaRPr>
           </a:p>
         </p:txBody>
       </p:sp>
@@ -9054,8 +9857,13 @@
             <a:pPr lvl="1"/>
             <a:r>
               <a:rPr lang="de-CH" dirty="0" smtClean="0"/>
-              <a:t>Eclipse DIE</a:t>
-            </a:r>
+              <a:t>Eclipse </a:t>
+            </a:r>
+            <a:r>
+              <a:rPr lang="de-CH" dirty="0" smtClean="0"/>
+              <a:t>IDE</a:t>
+            </a:r>
+            <a:endParaRPr lang="de-CH" dirty="0" smtClean="0"/>
           </a:p>
           <a:p>
             <a:pPr lvl="1"/>
@@ -9210,7 +10018,7 @@
           <p:nvPr/>
         </p:nvPicPr>
         <p:blipFill>
-          <a:blip r:embed="rId2">
+          <a:blip r:embed="rId3">
             <a:extLst>
               <a:ext uri="{28A0092B-C50C-407E-A947-70E740481C1C}">
                 <a14:useLocalDpi xmlns:a14="http://schemas.microsoft.com/office/drawing/2010/main" val="0"/>
@@ -9264,7 +10072,7 @@
           <p:nvPr/>
         </p:nvPicPr>
         <p:blipFill>
-          <a:blip r:embed="rId3">
+          <a:blip r:embed="rId4">
             <a:extLst>
               <a:ext uri="{28A0092B-C50C-407E-A947-70E740481C1C}">
                 <a14:useLocalDpi xmlns:a14="http://schemas.microsoft.com/office/drawing/2010/main" val="0"/>
@@ -9318,7 +10126,7 @@
           <p:nvPr/>
         </p:nvPicPr>
         <p:blipFill>
-          <a:blip r:embed="rId4">
+          <a:blip r:embed="rId5">
             <a:extLst>
               <a:ext uri="{28A0092B-C50C-407E-A947-70E740481C1C}">
                 <a14:useLocalDpi xmlns:a14="http://schemas.microsoft.com/office/drawing/2010/main" val="0"/>
@@ -9372,7 +10180,7 @@
           <p:nvPr/>
         </p:nvPicPr>
         <p:blipFill>
-          <a:blip r:embed="rId5">
+          <a:blip r:embed="rId6">
             <a:extLst>
               <a:ext uri="{28A0092B-C50C-407E-A947-70E740481C1C}">
                 <a14:useLocalDpi xmlns:a14="http://schemas.microsoft.com/office/drawing/2010/main" val="0"/>
@@ -10058,7 +10866,7 @@
           <p:nvPr/>
         </p:nvPicPr>
         <p:blipFill>
-          <a:blip r:embed="rId2">
+          <a:blip r:embed="rId3">
             <a:extLst>
               <a:ext uri="{28A0092B-C50C-407E-A947-70E740481C1C}">
                 <a14:useLocalDpi xmlns:a14="http://schemas.microsoft.com/office/drawing/2010/main" val="0"/>
@@ -10364,7 +11172,7 @@
           <p:nvPr/>
         </p:nvPicPr>
         <p:blipFill>
-          <a:blip r:embed="rId2">
+          <a:blip r:embed="rId3">
             <a:extLst>
               <a:ext uri="{28A0092B-C50C-407E-A947-70E740481C1C}">
                 <a14:useLocalDpi xmlns:a14="http://schemas.microsoft.com/office/drawing/2010/main" val="0"/>
@@ -11001,7 +11809,6 @@
               <a:rPr lang="en-US" dirty="0" smtClean="0"/>
               <a:t>Demonstration</a:t>
             </a:r>
-            <a:endParaRPr lang="en-US" dirty="0" smtClean="0"/>
           </a:p>
         </p:txBody>
       </p:sp>
@@ -11173,7 +11980,7 @@
   <p:timing>
     <p:tnLst>
       <p:par>
-        <p:cTn id="1" dur="indefinite" nodeType="tmRoot">
+        <p:cTn id="1" dur="indefinite" restart="never" nodeType="tmRoot">
           <p:childTnLst>
             <p:seq concurrent="1" nextAc="seek">
               <p:cTn id="2" dur="indefinite" nodeType="mainSeq"/>
@@ -11274,7 +12081,6 @@
               <a:rPr lang="en-US" dirty="0" smtClean="0"/>
               <a:t>Agenda</a:t>
             </a:r>
-            <a:endParaRPr lang="en-US" dirty="0" smtClean="0"/>
           </a:p>
         </p:txBody>
       </p:sp>
@@ -11548,7 +12354,6 @@
               <a:rPr lang="en-US" sz="3600" dirty="0" smtClean="0"/>
               <a:t>Demonstration</a:t>
             </a:r>
-            <a:endParaRPr lang="en-US" sz="3600" dirty="0" smtClean="0"/>
           </a:p>
           <a:p>
             <a:pPr marL="430213" indent="-323850" eaLnBrk="1" hangingPunct="1">
@@ -11596,7 +12401,7 @@
   <p:timing>
     <p:tnLst>
       <p:par>
-        <p:cTn id="1" dur="indefinite" nodeType="tmRoot">
+        <p:cTn id="1" dur="indefinite" restart="never" nodeType="tmRoot">
           <p:childTnLst>
             <p:seq concurrent="1" nextAc="seek">
               <p:cTn id="2" dur="indefinite" nodeType="mainSeq"/>
@@ -12341,7 +13146,7 @@
   <p:timing>
     <p:tnLst>
       <p:par>
-        <p:cTn id="1" dur="indefinite" nodeType="tmRoot">
+        <p:cTn id="1" dur="indefinite" restart="never" nodeType="tmRoot">
           <p:childTnLst>
             <p:seq concurrent="1" nextAc="seek">
               <p:cTn id="2" dur="indefinite" nodeType="mainSeq"/>
@@ -12763,18 +13568,18 @@
               </a:tabLst>
             </a:pPr>
             <a:r>
-              <a:rPr lang="en-US" dirty="0" err="1" smtClean="0"/>
+              <a:rPr lang="en-US" sz="2500" dirty="0" err="1" smtClean="0"/>
               <a:t>Wachstumsrate</a:t>
             </a:r>
             <a:r>
-              <a:rPr lang="en-US" dirty="0" smtClean="0"/>
+              <a:rPr lang="en-US" sz="2500" dirty="0" smtClean="0"/>
               <a:t> </a:t>
             </a:r>
             <a:r>
-              <a:rPr lang="en-US" dirty="0" err="1" smtClean="0"/>
+              <a:rPr lang="en-US" sz="2500" dirty="0" err="1" smtClean="0"/>
               <a:t>berechnen</a:t>
             </a:r>
-            <a:endParaRPr lang="en-US" dirty="0" smtClean="0"/>
+            <a:endParaRPr lang="en-US" sz="2500" dirty="0" smtClean="0"/>
           </a:p>
           <a:p>
             <a:pPr marL="1589088" lvl="3" indent="-323850" eaLnBrk="1" hangingPunct="1">
@@ -12806,42 +13611,42 @@
               </a:tabLst>
             </a:pPr>
             <a:r>
-              <a:rPr lang="en-US" dirty="0" err="1" smtClean="0"/>
+              <a:rPr lang="en-US" sz="2500" dirty="0" err="1" smtClean="0"/>
               <a:t>Zur</a:t>
             </a:r>
             <a:r>
-              <a:rPr lang="en-US" dirty="0" smtClean="0"/>
+              <a:rPr lang="en-US" sz="2500" dirty="0" smtClean="0"/>
               <a:t> </a:t>
             </a:r>
             <a:r>
-              <a:rPr lang="en-US" dirty="0" err="1" smtClean="0"/>
+              <a:rPr lang="en-US" sz="2500" dirty="0" err="1" smtClean="0"/>
               <a:t>aktuellen</a:t>
             </a:r>
             <a:r>
-              <a:rPr lang="en-US" dirty="0" smtClean="0"/>
+              <a:rPr lang="en-US" sz="2500" dirty="0" smtClean="0"/>
               <a:t> </a:t>
             </a:r>
             <a:r>
-              <a:rPr lang="en-US" dirty="0" err="1" smtClean="0"/>
+              <a:rPr lang="en-US" sz="2500" dirty="0" err="1" smtClean="0"/>
               <a:t>Populationszahl</a:t>
             </a:r>
             <a:r>
-              <a:rPr lang="en-US" dirty="0" smtClean="0"/>
+              <a:rPr lang="en-US" sz="2500" dirty="0" smtClean="0"/>
               <a:t> </a:t>
             </a:r>
             <a:r>
-              <a:rPr lang="en-US" dirty="0" err="1" smtClean="0"/>
+              <a:rPr lang="en-US" sz="2500" dirty="0" err="1" smtClean="0"/>
               <a:t>Wachstumsrate</a:t>
             </a:r>
             <a:r>
-              <a:rPr lang="en-US" dirty="0" smtClean="0"/>
+              <a:rPr lang="en-US" sz="2500" dirty="0" smtClean="0"/>
               <a:t> </a:t>
             </a:r>
             <a:r>
-              <a:rPr lang="en-US" dirty="0" err="1" smtClean="0"/>
+              <a:rPr lang="en-US" sz="2500" dirty="0" err="1" smtClean="0"/>
               <a:t>addieren</a:t>
             </a:r>
-            <a:endParaRPr lang="en-US" dirty="0" smtClean="0"/>
+            <a:endParaRPr lang="en-US" sz="2500" dirty="0" smtClean="0"/>
           </a:p>
         </p:txBody>
       </p:sp>
@@ -12859,7 +13664,7 @@
   <p:timing>
     <p:tnLst>
       <p:par>
-        <p:cTn id="1" dur="indefinite" nodeType="tmRoot">
+        <p:cTn id="1" dur="indefinite" restart="never" nodeType="tmRoot">
           <p:childTnLst>
             <p:seq concurrent="1" nextAc="seek">
               <p:cTn id="2" dur="indefinite" nodeType="mainSeq"/>
@@ -13087,7 +13892,7 @@
   <p:timing>
     <p:tnLst>
       <p:par>
-        <p:cTn id="1" dur="indefinite" nodeType="tmRoot">
+        <p:cTn id="1" dur="indefinite" restart="never" nodeType="tmRoot">
           <p:childTnLst>
             <p:seq concurrent="1" nextAc="seek">
               <p:cTn id="2" dur="indefinite" nodeType="mainSeq"/>
@@ -13472,11 +14277,7 @@
             </a:r>
             <a:r>
               <a:rPr lang="en-US" dirty="0" smtClean="0"/>
-              <a:t>  (Z’) = c</a:t>
-            </a:r>
-            <a:r>
-              <a:rPr lang="en-US" dirty="0" smtClean="0"/>
-              <a:t> </a:t>
+              <a:t>  (Z’) = c </a:t>
             </a:r>
             <a:r>
               <a:rPr lang="en-US" dirty="0" smtClean="0">
@@ -13541,7 +14342,7 @@
           <p:nvPr/>
         </p:nvPicPr>
         <p:blipFill>
-          <a:blip r:embed="rId2">
+          <a:blip r:embed="rId3">
             <a:extLst>
               <a:ext uri="{28A0092B-C50C-407E-A947-70E740481C1C}">
                 <a14:useLocalDpi xmlns:a14="http://schemas.microsoft.com/office/drawing/2010/main" val="0"/>
@@ -14106,7 +14907,7 @@
   <p:timing>
     <p:tnLst>
       <p:par>
-        <p:cTn id="1" dur="indefinite" nodeType="tmRoot">
+        <p:cTn id="1" dur="indefinite" restart="never" nodeType="tmRoot">
           <p:childTnLst>
             <p:seq concurrent="1" nextAc="seek">
               <p:cTn id="2" dur="indefinite" nodeType="mainSeq"/>
@@ -14265,7 +15066,6 @@
               <a:rPr lang="de-CH" dirty="0" smtClean="0"/>
               <a:t>Burndown-Charts zum Tracken der Fortschritte während einer Iteration</a:t>
             </a:r>
-            <a:endParaRPr lang="de-CH" dirty="0" smtClean="0"/>
           </a:p>
         </p:txBody>
       </p:sp>
@@ -14308,7 +15108,7 @@
   <p:timing>
     <p:tnLst>
       <p:par>
-        <p:cTn id="1" dur="indefinite" nodeType="tmRoot">
+        <p:cTn id="1" dur="indefinite" restart="never" nodeType="tmRoot">
           <p:childTnLst>
             <p:seq concurrent="1" nextAc="seek">
               <p:cTn id="2" dur="indefinite" nodeType="mainSeq"/>
@@ -14384,7 +15184,7 @@
           <p:nvPr/>
         </p:nvPicPr>
         <p:blipFill>
-          <a:blip r:embed="rId2">
+          <a:blip r:embed="rId3">
             <a:extLst>
               <a:ext uri="{28A0092B-C50C-407E-A947-70E740481C1C}">
                 <a14:useLocalDpi xmlns:a14="http://schemas.microsoft.com/office/drawing/2010/main" val="0"/>
